--- a/LuisFelipeBorsoi_LuizFelipeFlores_TGB.pptx
+++ b/LuisFelipeBorsoi_LuizFelipeFlores_TGB.pptx
@@ -10,17 +10,17 @@
   <p:sldIdLst>
     <p:sldId id="256" r:id="rId2"/>
     <p:sldId id="278" r:id="rId3"/>
-    <p:sldId id="257" r:id="rId4"/>
+    <p:sldId id="280" r:id="rId4"/>
     <p:sldId id="275" r:id="rId5"/>
-    <p:sldId id="280" r:id="rId6"/>
-    <p:sldId id="279" r:id="rId7"/>
-    <p:sldId id="277" r:id="rId8"/>
-    <p:sldId id="281" r:id="rId9"/>
-    <p:sldId id="282" r:id="rId10"/>
-    <p:sldId id="283" r:id="rId11"/>
-    <p:sldId id="284" r:id="rId12"/>
-    <p:sldId id="285" r:id="rId13"/>
-    <p:sldId id="286" r:id="rId14"/>
+    <p:sldId id="279" r:id="rId6"/>
+    <p:sldId id="277" r:id="rId7"/>
+    <p:sldId id="281" r:id="rId8"/>
+    <p:sldId id="282" r:id="rId9"/>
+    <p:sldId id="283" r:id="rId10"/>
+    <p:sldId id="284" r:id="rId11"/>
+    <p:sldId id="285" r:id="rId12"/>
+    <p:sldId id="286" r:id="rId13"/>
+    <p:sldId id="257" r:id="rId14"/>
     <p:sldId id="289" r:id="rId15"/>
     <p:sldId id="290" r:id="rId16"/>
     <p:sldId id="291" r:id="rId17"/>
@@ -943,7 +943,7 @@
     </p:spTree>
     <p:extLst>
       <p:ext uri="{BB962C8B-B14F-4D97-AF65-F5344CB8AC3E}">
-        <p14:creationId xmlns:p14="http://schemas.microsoft.com/office/powerpoint/2010/main" val="1809324120"/>
+        <p14:creationId xmlns:p14="http://schemas.microsoft.com/office/powerpoint/2010/main" val="2337755144"/>
       </p:ext>
     </p:extLst>
   </p:cSld>
@@ -1052,7 +1052,7 @@
     </p:spTree>
     <p:extLst>
       <p:ext uri="{BB962C8B-B14F-4D97-AF65-F5344CB8AC3E}">
-        <p14:creationId xmlns:p14="http://schemas.microsoft.com/office/powerpoint/2010/main" val="2337755144"/>
+        <p14:creationId xmlns:p14="http://schemas.microsoft.com/office/powerpoint/2010/main" val="2030248799"/>
       </p:ext>
     </p:extLst>
   </p:cSld>
@@ -1161,7 +1161,7 @@
     </p:spTree>
     <p:extLst>
       <p:ext uri="{BB962C8B-B14F-4D97-AF65-F5344CB8AC3E}">
-        <p14:creationId xmlns:p14="http://schemas.microsoft.com/office/powerpoint/2010/main" val="2030248799"/>
+        <p14:creationId xmlns:p14="http://schemas.microsoft.com/office/powerpoint/2010/main" val="2508536932"/>
       </p:ext>
     </p:extLst>
   </p:cSld>
@@ -1268,11 +1268,6 @@
         </p:txBody>
       </p:sp>
     </p:spTree>
-    <p:extLst>
-      <p:ext uri="{BB962C8B-B14F-4D97-AF65-F5344CB8AC3E}">
-        <p14:creationId xmlns:p14="http://schemas.microsoft.com/office/powerpoint/2010/main" val="2508536932"/>
-      </p:ext>
-    </p:extLst>
   </p:cSld>
   <p:clrMapOvr>
     <a:masterClrMapping/>
@@ -3230,6 +3225,11 @@
         </p:txBody>
       </p:sp>
     </p:spTree>
+    <p:extLst>
+      <p:ext uri="{BB962C8B-B14F-4D97-AF65-F5344CB8AC3E}">
+        <p14:creationId xmlns:p14="http://schemas.microsoft.com/office/powerpoint/2010/main" val="2554525511"/>
+      </p:ext>
+    </p:extLst>
   </p:cSld>
   <p:clrMapOvr>
     <a:masterClrMapping/>
@@ -3658,7 +3658,7 @@
     </p:spTree>
     <p:extLst>
       <p:ext uri="{BB962C8B-B14F-4D97-AF65-F5344CB8AC3E}">
-        <p14:creationId xmlns:p14="http://schemas.microsoft.com/office/powerpoint/2010/main" val="2554525511"/>
+        <p14:creationId xmlns:p14="http://schemas.microsoft.com/office/powerpoint/2010/main" val="1854389110"/>
       </p:ext>
     </p:extLst>
   </p:cSld>
@@ -3767,7 +3767,7 @@
     </p:spTree>
     <p:extLst>
       <p:ext uri="{BB962C8B-B14F-4D97-AF65-F5344CB8AC3E}">
-        <p14:creationId xmlns:p14="http://schemas.microsoft.com/office/powerpoint/2010/main" val="1854389110"/>
+        <p14:creationId xmlns:p14="http://schemas.microsoft.com/office/powerpoint/2010/main" val="4080487928"/>
       </p:ext>
     </p:extLst>
   </p:cSld>
@@ -3876,7 +3876,7 @@
     </p:spTree>
     <p:extLst>
       <p:ext uri="{BB962C8B-B14F-4D97-AF65-F5344CB8AC3E}">
-        <p14:creationId xmlns:p14="http://schemas.microsoft.com/office/powerpoint/2010/main" val="4080487928"/>
+        <p14:creationId xmlns:p14="http://schemas.microsoft.com/office/powerpoint/2010/main" val="3901992858"/>
       </p:ext>
     </p:extLst>
   </p:cSld>
@@ -3985,7 +3985,7 @@
     </p:spTree>
     <p:extLst>
       <p:ext uri="{BB962C8B-B14F-4D97-AF65-F5344CB8AC3E}">
-        <p14:creationId xmlns:p14="http://schemas.microsoft.com/office/powerpoint/2010/main" val="3901992858"/>
+        <p14:creationId xmlns:p14="http://schemas.microsoft.com/office/powerpoint/2010/main" val="3957067092"/>
       </p:ext>
     </p:extLst>
   </p:cSld>
@@ -4094,7 +4094,7 @@
     </p:spTree>
     <p:extLst>
       <p:ext uri="{BB962C8B-B14F-4D97-AF65-F5344CB8AC3E}">
-        <p14:creationId xmlns:p14="http://schemas.microsoft.com/office/powerpoint/2010/main" val="3957067092"/>
+        <p14:creationId xmlns:p14="http://schemas.microsoft.com/office/powerpoint/2010/main" val="1809324120"/>
       </p:ext>
     </p:extLst>
   </p:cSld>
@@ -8108,7 +8108,7 @@
                 <a:cs typeface="Roboto"/>
                 <a:sym typeface="Roboto"/>
               </a:rPr>
-              <a:t>Container Host</a:t>
+              <a:t>Registry</a:t>
             </a:r>
             <a:endParaRPr sz="2400" b="1" dirty="0">
               <a:solidFill>
@@ -8163,10 +8163,10 @@
       </p:sp>
       <p:sp>
         <p:nvSpPr>
-          <p:cNvPr id="6" name="TextBox 5">
+          <p:cNvPr id="8" name="TextBox 7">
             <a:extLst>
               <a:ext uri="{FF2B5EF4-FFF2-40B4-BE49-F238E27FC236}">
-                <a16:creationId xmlns:a16="http://schemas.microsoft.com/office/drawing/2014/main" id="{F9DD03DE-B2A7-4B4A-AD12-AB2A163CCEE9}"/>
+                <a16:creationId xmlns:a16="http://schemas.microsoft.com/office/drawing/2014/main" id="{56829098-A3C5-2A4B-86DF-9C250675B10C}"/>
               </a:ext>
             </a:extLst>
           </p:cNvPr>
@@ -8176,7 +8176,7 @@
         <p:spPr>
           <a:xfrm>
             <a:off x="330612" y="911282"/>
-            <a:ext cx="8121625" cy="2000548"/>
+            <a:ext cx="8121625" cy="677108"/>
           </a:xfrm>
           <a:prstGeom prst="rect">
             <a:avLst/>
@@ -8197,113 +8197,124 @@
               <a:buChar char="•"/>
             </a:pPr>
             <a:r>
-              <a:rPr lang="en-US" dirty="0">
-                <a:solidFill>
-                  <a:srgbClr val="0B214A"/>
-                </a:solidFill>
-                <a:latin typeface="Roboto" panose="02000000000000000000" pitchFamily="2" charset="0"/>
-                <a:ea typeface="Roboto" panose="02000000000000000000" pitchFamily="2" charset="0"/>
-              </a:rPr>
-              <a:t>S</a:t>
-            </a:r>
-            <a:r>
-              <a:rPr lang="en-US" b="0" i="0" dirty="0">
-                <a:solidFill>
-                  <a:srgbClr val="0B214A"/>
-                </a:solidFill>
-                <a:effectLst/>
-                <a:latin typeface="Roboto" panose="02000000000000000000" pitchFamily="2" charset="0"/>
-                <a:ea typeface="Roboto" panose="02000000000000000000" pitchFamily="2" charset="0"/>
-              </a:rPr>
-              <a:t>istema </a:t>
-            </a:r>
-            <a:r>
-              <a:rPr lang="en-US" b="0" i="0" dirty="0" err="1">
-                <a:solidFill>
-                  <a:srgbClr val="0B214A"/>
-                </a:solidFill>
-                <a:effectLst/>
-                <a:latin typeface="Roboto" panose="02000000000000000000" pitchFamily="2" charset="0"/>
-                <a:ea typeface="Roboto" panose="02000000000000000000" pitchFamily="2" charset="0"/>
-              </a:rPr>
-              <a:t>operacional</a:t>
-            </a:r>
-            <a:r>
-              <a:rPr lang="en-US" b="0" i="0" dirty="0">
-                <a:solidFill>
-                  <a:srgbClr val="0B214A"/>
-                </a:solidFill>
-                <a:effectLst/>
+              <a:rPr lang="en-US" dirty="0" err="1">
+                <a:solidFill>
+                  <a:srgbClr val="0B214A"/>
+                </a:solidFill>
+                <a:latin typeface="Roboto" panose="02000000000000000000" pitchFamily="2" charset="0"/>
+                <a:ea typeface="Roboto" panose="02000000000000000000" pitchFamily="2" charset="0"/>
+              </a:rPr>
+              <a:t>Basicamente</a:t>
+            </a:r>
+            <a:r>
+              <a:rPr lang="en-US" dirty="0">
+                <a:solidFill>
+                  <a:srgbClr val="0B214A"/>
+                </a:solidFill>
+                <a:latin typeface="Roboto" panose="02000000000000000000" pitchFamily="2" charset="0"/>
+                <a:ea typeface="Roboto" panose="02000000000000000000" pitchFamily="2" charset="0"/>
+              </a:rPr>
+              <a:t> </a:t>
+            </a:r>
+            <a:r>
+              <a:rPr lang="en-US" dirty="0" err="1">
+                <a:solidFill>
+                  <a:srgbClr val="0B214A"/>
+                </a:solidFill>
+                <a:latin typeface="Roboto" panose="02000000000000000000" pitchFamily="2" charset="0"/>
+                <a:ea typeface="Roboto" panose="02000000000000000000" pitchFamily="2" charset="0"/>
+              </a:rPr>
+              <a:t>é</a:t>
+            </a:r>
+            <a:r>
+              <a:rPr lang="en-US" dirty="0">
+                <a:solidFill>
+                  <a:srgbClr val="0B214A"/>
+                </a:solidFill>
+                <a:latin typeface="Roboto" panose="02000000000000000000" pitchFamily="2" charset="0"/>
+                <a:ea typeface="Roboto" panose="02000000000000000000" pitchFamily="2" charset="0"/>
+              </a:rPr>
+              <a:t> um </a:t>
+            </a:r>
+            <a:r>
+              <a:rPr lang="en-US" dirty="0" err="1">
+                <a:solidFill>
+                  <a:srgbClr val="0B214A"/>
+                </a:solidFill>
+                <a:latin typeface="Roboto" panose="02000000000000000000" pitchFamily="2" charset="0"/>
+                <a:ea typeface="Roboto" panose="02000000000000000000" pitchFamily="2" charset="0"/>
+              </a:rPr>
+              <a:t>sistema</a:t>
+            </a:r>
+            <a:r>
+              <a:rPr lang="en-US" dirty="0">
+                <a:solidFill>
+                  <a:srgbClr val="0B214A"/>
+                </a:solidFill>
+                <a:latin typeface="Roboto" panose="02000000000000000000" pitchFamily="2" charset="0"/>
+                <a:ea typeface="Roboto" panose="02000000000000000000" pitchFamily="2" charset="0"/>
+              </a:rPr>
+              <a:t> de </a:t>
+            </a:r>
+            <a:r>
+              <a:rPr lang="en-US" dirty="0" err="1">
+                <a:solidFill>
+                  <a:srgbClr val="0B214A"/>
+                </a:solidFill>
+                <a:latin typeface="Roboto" panose="02000000000000000000" pitchFamily="2" charset="0"/>
+                <a:ea typeface="Roboto" panose="02000000000000000000" pitchFamily="2" charset="0"/>
+              </a:rPr>
+              <a:t>arquivos</a:t>
+            </a:r>
+            <a:r>
+              <a:rPr lang="en-US" dirty="0">
+                <a:solidFill>
+                  <a:srgbClr val="0B214A"/>
+                </a:solidFill>
                 <a:latin typeface="Roboto" panose="02000000000000000000" pitchFamily="2" charset="0"/>
                 <a:ea typeface="Roboto" panose="02000000000000000000" pitchFamily="2" charset="0"/>
               </a:rPr>
               <a:t> que </a:t>
             </a:r>
             <a:r>
-              <a:rPr lang="en-US" b="0" i="0" dirty="0" err="1">
-                <a:solidFill>
-                  <a:srgbClr val="0B214A"/>
-                </a:solidFill>
-                <a:effectLst/>
-                <a:latin typeface="Roboto" panose="02000000000000000000" pitchFamily="2" charset="0"/>
-                <a:ea typeface="Roboto" panose="02000000000000000000" pitchFamily="2" charset="0"/>
-              </a:rPr>
-              <a:t>os</a:t>
-            </a:r>
-            <a:r>
-              <a:rPr lang="en-US" b="0" i="0" dirty="0">
-                <a:solidFill>
-                  <a:srgbClr val="0B214A"/>
-                </a:solidFill>
-                <a:effectLst/>
-                <a:latin typeface="Roboto" panose="02000000000000000000" pitchFamily="2" charset="0"/>
-                <a:ea typeface="Roboto" panose="02000000000000000000" pitchFamily="2" charset="0"/>
-              </a:rPr>
-              <a:t> containers </a:t>
-            </a:r>
-            <a:r>
-              <a:rPr lang="en-US" b="0" i="0" dirty="0" err="1">
-                <a:solidFill>
-                  <a:srgbClr val="0B214A"/>
-                </a:solidFill>
-                <a:effectLst/>
-                <a:latin typeface="Roboto" panose="02000000000000000000" pitchFamily="2" charset="0"/>
-                <a:ea typeface="Roboto" panose="02000000000000000000" pitchFamily="2" charset="0"/>
-              </a:rPr>
-              <a:t>estão</a:t>
-            </a:r>
-            <a:r>
-              <a:rPr lang="en-US" b="0" i="0" dirty="0">
-                <a:solidFill>
-                  <a:srgbClr val="0B214A"/>
-                </a:solidFill>
-                <a:effectLst/>
-                <a:latin typeface="Roboto" panose="02000000000000000000" pitchFamily="2" charset="0"/>
-                <a:ea typeface="Roboto" panose="02000000000000000000" pitchFamily="2" charset="0"/>
-              </a:rPr>
-              <a:t> </a:t>
-            </a:r>
-            <a:r>
-              <a:rPr lang="en-US" b="0" i="0" dirty="0" err="1">
-                <a:solidFill>
-                  <a:srgbClr val="0B214A"/>
-                </a:solidFill>
-                <a:effectLst/>
-                <a:latin typeface="Roboto" panose="02000000000000000000" pitchFamily="2" charset="0"/>
-                <a:ea typeface="Roboto" panose="02000000000000000000" pitchFamily="2" charset="0"/>
-              </a:rPr>
-              <a:t>rodando</a:t>
-            </a:r>
-            <a:r>
-              <a:rPr lang="en-US" b="0" i="0" dirty="0">
-                <a:solidFill>
-                  <a:srgbClr val="0B214A"/>
-                </a:solidFill>
-                <a:effectLst/>
-                <a:latin typeface="Roboto" panose="02000000000000000000" pitchFamily="2" charset="0"/>
-                <a:ea typeface="Roboto" panose="02000000000000000000" pitchFamily="2" charset="0"/>
-              </a:rPr>
-              <a:t>;</a:t>
+              <a:rPr lang="en-US" dirty="0" err="1">
+                <a:solidFill>
+                  <a:srgbClr val="0B214A"/>
+                </a:solidFill>
+                <a:latin typeface="Roboto" panose="02000000000000000000" pitchFamily="2" charset="0"/>
+                <a:ea typeface="Roboto" panose="02000000000000000000" pitchFamily="2" charset="0"/>
+              </a:rPr>
+              <a:t>armazena</a:t>
+            </a:r>
+            <a:r>
+              <a:rPr lang="en-US" dirty="0">
+                <a:solidFill>
+                  <a:srgbClr val="0B214A"/>
+                </a:solidFill>
+                <a:latin typeface="Roboto" panose="02000000000000000000" pitchFamily="2" charset="0"/>
+                <a:ea typeface="Roboto" panose="02000000000000000000" pitchFamily="2" charset="0"/>
+              </a:rPr>
+              <a:t> e </a:t>
+            </a:r>
+            <a:r>
+              <a:rPr lang="en-US" dirty="0" err="1">
+                <a:solidFill>
+                  <a:srgbClr val="0B214A"/>
+                </a:solidFill>
+                <a:latin typeface="Roboto" panose="02000000000000000000" pitchFamily="2" charset="0"/>
+                <a:ea typeface="Roboto" panose="02000000000000000000" pitchFamily="2" charset="0"/>
+              </a:rPr>
+              <a:t>distribui</a:t>
+            </a:r>
+            <a:r>
+              <a:rPr lang="en-US" dirty="0">
+                <a:solidFill>
+                  <a:srgbClr val="0B214A"/>
+                </a:solidFill>
+                <a:latin typeface="Roboto" panose="02000000000000000000" pitchFamily="2" charset="0"/>
+                <a:ea typeface="Roboto" panose="02000000000000000000" pitchFamily="2" charset="0"/>
+              </a:rPr>
+              <a:t> container images;</a:t>
             </a:r>
           </a:p>
           <a:p>
@@ -8315,6 +8326,17 @@
               <a:buChar char="•"/>
             </a:pPr>
             <a:r>
+              <a:rPr lang="en-US" b="0" i="0" dirty="0" err="1">
+                <a:solidFill>
+                  <a:srgbClr val="0B214A"/>
+                </a:solidFill>
+                <a:effectLst/>
+                <a:latin typeface="Roboto" panose="02000000000000000000" pitchFamily="2" charset="0"/>
+                <a:ea typeface="Roboto" panose="02000000000000000000" pitchFamily="2" charset="0"/>
+              </a:rPr>
+              <a:t>Pode</a:t>
+            </a:r>
+            <a:r>
               <a:rPr lang="en-US" b="0" i="0" dirty="0">
                 <a:solidFill>
                   <a:srgbClr val="0B214A"/>
@@ -8323,17 +8345,18 @@
                 <a:latin typeface="Roboto" panose="02000000000000000000" pitchFamily="2" charset="0"/>
                 <a:ea typeface="Roboto" panose="02000000000000000000" pitchFamily="2" charset="0"/>
               </a:rPr>
-              <a:t>No </a:t>
-            </a:r>
-            <a:r>
-              <a:rPr lang="en-US" dirty="0">
-                <a:solidFill>
-                  <a:srgbClr val="0B214A"/>
-                </a:solidFill>
-                <a:latin typeface="Roboto" panose="02000000000000000000" pitchFamily="2" charset="0"/>
-                <a:ea typeface="Roboto" panose="02000000000000000000" pitchFamily="2" charset="0"/>
-              </a:rPr>
-              <a:t>L</a:t>
+              <a:t> ser </a:t>
+            </a:r>
+            <a:r>
+              <a:rPr lang="en-US" b="0" i="0" dirty="0" err="1">
+                <a:solidFill>
+                  <a:srgbClr val="0B214A"/>
+                </a:solidFill>
+                <a:effectLst/>
+                <a:latin typeface="Roboto" panose="02000000000000000000" pitchFamily="2" charset="0"/>
+                <a:ea typeface="Roboto" panose="02000000000000000000" pitchFamily="2" charset="0"/>
+              </a:rPr>
+              <a:t>público</a:t>
             </a:r>
             <a:r>
               <a:rPr lang="en-US" b="0" i="0" dirty="0">
@@ -8344,7 +8367,7 @@
                 <a:latin typeface="Roboto" panose="02000000000000000000" pitchFamily="2" charset="0"/>
                 <a:ea typeface="Roboto" panose="02000000000000000000" pitchFamily="2" charset="0"/>
               </a:rPr>
-              <a:t>inux, </a:t>
+              <a:t> </a:t>
             </a:r>
             <a:r>
               <a:rPr lang="en-US" b="0" i="0" dirty="0" err="1">
@@ -8355,7 +8378,7 @@
                 <a:latin typeface="Roboto" panose="02000000000000000000" pitchFamily="2" charset="0"/>
                 <a:ea typeface="Roboto" panose="02000000000000000000" pitchFamily="2" charset="0"/>
               </a:rPr>
-              <a:t>é</a:t>
+              <a:t>ou</a:t>
             </a:r>
             <a:r>
               <a:rPr lang="en-US" b="0" i="0" dirty="0">
@@ -8366,594 +8389,250 @@
                 <a:latin typeface="Roboto" panose="02000000000000000000" pitchFamily="2" charset="0"/>
                 <a:ea typeface="Roboto" panose="02000000000000000000" pitchFamily="2" charset="0"/>
               </a:rPr>
-              <a:t> </a:t>
-            </a:r>
-            <a:r>
-              <a:rPr lang="en-US" b="0" i="0" dirty="0" err="1">
-                <a:solidFill>
-                  <a:srgbClr val="0B214A"/>
-                </a:solidFill>
-                <a:effectLst/>
-                <a:latin typeface="Roboto" panose="02000000000000000000" pitchFamily="2" charset="0"/>
-                <a:ea typeface="Roboto" panose="02000000000000000000" pitchFamily="2" charset="0"/>
-              </a:rPr>
-              <a:t>possível</a:t>
-            </a:r>
-            <a:r>
-              <a:rPr lang="en-US" b="0" i="0" dirty="0">
-                <a:solidFill>
-                  <a:srgbClr val="0B214A"/>
-                </a:solidFill>
-                <a:effectLst/>
-                <a:latin typeface="Roboto" panose="02000000000000000000" pitchFamily="2" charset="0"/>
-                <a:ea typeface="Roboto" panose="02000000000000000000" pitchFamily="2" charset="0"/>
-              </a:rPr>
-              <a:t> </a:t>
-            </a:r>
-            <a:r>
-              <a:rPr lang="en-US" b="0" i="0" dirty="0" err="1">
-                <a:solidFill>
-                  <a:srgbClr val="0B214A"/>
-                </a:solidFill>
-                <a:effectLst/>
-                <a:latin typeface="Roboto" panose="02000000000000000000" pitchFamily="2" charset="0"/>
-                <a:ea typeface="Roboto" panose="02000000000000000000" pitchFamily="2" charset="0"/>
-              </a:rPr>
-              <a:t>rodar</a:t>
-            </a:r>
-            <a:r>
-              <a:rPr lang="en-US" b="0" i="0" dirty="0">
-                <a:solidFill>
-                  <a:srgbClr val="0B214A"/>
-                </a:solidFill>
-                <a:effectLst/>
-                <a:latin typeface="Roboto" panose="02000000000000000000" pitchFamily="2" charset="0"/>
-                <a:ea typeface="Roboto" panose="02000000000000000000" pitchFamily="2" charset="0"/>
-              </a:rPr>
-              <a:t> </a:t>
-            </a:r>
-            <a:r>
-              <a:rPr lang="en-US" b="0" i="0" dirty="0" err="1">
-                <a:solidFill>
-                  <a:srgbClr val="0B214A"/>
-                </a:solidFill>
-                <a:effectLst/>
-                <a:latin typeface="Roboto" panose="02000000000000000000" pitchFamily="2" charset="0"/>
-                <a:ea typeface="Roboto" panose="02000000000000000000" pitchFamily="2" charset="0"/>
-              </a:rPr>
-              <a:t>os</a:t>
-            </a:r>
-            <a:r>
-              <a:rPr lang="en-US" b="0" i="0" dirty="0">
-                <a:solidFill>
-                  <a:srgbClr val="0B214A"/>
-                </a:solidFill>
-                <a:effectLst/>
-                <a:latin typeface="Roboto" panose="02000000000000000000" pitchFamily="2" charset="0"/>
-                <a:ea typeface="Roboto" panose="02000000000000000000" pitchFamily="2" charset="0"/>
-              </a:rPr>
-              <a:t> containers </a:t>
-            </a:r>
-            <a:r>
-              <a:rPr lang="en-US" b="0" i="0" dirty="0" err="1">
-                <a:solidFill>
-                  <a:srgbClr val="0B214A"/>
-                </a:solidFill>
-                <a:effectLst/>
-                <a:latin typeface="Roboto" panose="02000000000000000000" pitchFamily="2" charset="0"/>
-                <a:ea typeface="Roboto" panose="02000000000000000000" pitchFamily="2" charset="0"/>
-              </a:rPr>
-              <a:t>diretamente</a:t>
-            </a:r>
-            <a:r>
-              <a:rPr lang="en-US" b="0" i="0" dirty="0">
-                <a:solidFill>
-                  <a:srgbClr val="0B214A"/>
-                </a:solidFill>
-                <a:effectLst/>
-                <a:latin typeface="Roboto" panose="02000000000000000000" pitchFamily="2" charset="0"/>
-                <a:ea typeface="Roboto" panose="02000000000000000000" pitchFamily="2" charset="0"/>
-              </a:rPr>
-              <a:t> no </a:t>
-            </a:r>
-            <a:r>
-              <a:rPr lang="en-US" b="0" i="0" dirty="0" err="1">
-                <a:solidFill>
-                  <a:srgbClr val="0B214A"/>
-                </a:solidFill>
-                <a:effectLst/>
-                <a:latin typeface="Roboto" panose="02000000000000000000" pitchFamily="2" charset="0"/>
-                <a:ea typeface="Roboto" panose="02000000000000000000" pitchFamily="2" charset="0"/>
-              </a:rPr>
-              <a:t>sistema</a:t>
-            </a:r>
-            <a:r>
-              <a:rPr lang="en-US" b="0" i="0" dirty="0">
-                <a:solidFill>
-                  <a:srgbClr val="0B214A"/>
-                </a:solidFill>
-                <a:effectLst/>
-                <a:latin typeface="Roboto" panose="02000000000000000000" pitchFamily="2" charset="0"/>
-                <a:ea typeface="Roboto" panose="02000000000000000000" pitchFamily="2" charset="0"/>
-              </a:rPr>
-              <a:t> </a:t>
-            </a:r>
-            <a:r>
-              <a:rPr lang="en-US" b="0" i="0" dirty="0" err="1">
-                <a:solidFill>
-                  <a:srgbClr val="0B214A"/>
-                </a:solidFill>
-                <a:effectLst/>
-                <a:latin typeface="Roboto" panose="02000000000000000000" pitchFamily="2" charset="0"/>
-                <a:ea typeface="Roboto" panose="02000000000000000000" pitchFamily="2" charset="0"/>
-              </a:rPr>
-              <a:t>operacional</a:t>
-            </a:r>
-            <a:r>
-              <a:rPr lang="en-US" b="0" i="0" dirty="0">
-                <a:solidFill>
-                  <a:srgbClr val="0B214A"/>
-                </a:solidFill>
-                <a:effectLst/>
-                <a:latin typeface="Roboto" panose="02000000000000000000" pitchFamily="2" charset="0"/>
-                <a:ea typeface="Roboto" panose="02000000000000000000" pitchFamily="2" charset="0"/>
-              </a:rPr>
-              <a:t> da </a:t>
-            </a:r>
-            <a:r>
-              <a:rPr lang="en-US" b="0" i="0" dirty="0" err="1">
-                <a:solidFill>
-                  <a:srgbClr val="0B214A"/>
-                </a:solidFill>
-                <a:effectLst/>
-                <a:latin typeface="Roboto" panose="02000000000000000000" pitchFamily="2" charset="0"/>
-                <a:ea typeface="Roboto" panose="02000000000000000000" pitchFamily="2" charset="0"/>
-              </a:rPr>
-              <a:t>máquina</a:t>
-            </a:r>
-            <a:r>
-              <a:rPr lang="en-US" b="0" i="0" dirty="0">
-                <a:solidFill>
-                  <a:srgbClr val="0B214A"/>
-                </a:solidFill>
-                <a:effectLst/>
-                <a:latin typeface="Roboto" panose="02000000000000000000" pitchFamily="2" charset="0"/>
-                <a:ea typeface="Roboto" panose="02000000000000000000" pitchFamily="2" charset="0"/>
-              </a:rPr>
-              <a:t>;</a:t>
-            </a:r>
-          </a:p>
-          <a:p>
-            <a:pPr marL="285750" indent="-285750">
-              <a:spcAft>
-                <a:spcPts val="1200"/>
-              </a:spcAft>
-              <a:buFont typeface="Arial" panose="020B0604020202020204" pitchFamily="34" charset="0"/>
-              <a:buChar char="•"/>
-            </a:pPr>
-            <a:r>
-              <a:rPr lang="en-US" dirty="0">
-                <a:solidFill>
-                  <a:srgbClr val="0B214A"/>
-                </a:solidFill>
-                <a:latin typeface="Roboto" panose="02000000000000000000" pitchFamily="2" charset="0"/>
-                <a:ea typeface="Roboto" panose="02000000000000000000" pitchFamily="2" charset="0"/>
-              </a:rPr>
-              <a:t>No Windows, </a:t>
-            </a:r>
-            <a:r>
-              <a:rPr lang="en-US" dirty="0" err="1">
-                <a:solidFill>
-                  <a:srgbClr val="0B214A"/>
-                </a:solidFill>
-                <a:latin typeface="Roboto" panose="02000000000000000000" pitchFamily="2" charset="0"/>
-                <a:ea typeface="Roboto" panose="02000000000000000000" pitchFamily="2" charset="0"/>
-              </a:rPr>
-              <a:t>normalmente</a:t>
-            </a:r>
-            <a:r>
-              <a:rPr lang="en-US" dirty="0">
-                <a:solidFill>
-                  <a:srgbClr val="0B214A"/>
-                </a:solidFill>
-                <a:latin typeface="Roboto" panose="02000000000000000000" pitchFamily="2" charset="0"/>
-                <a:ea typeface="Roboto" panose="02000000000000000000" pitchFamily="2" charset="0"/>
-              </a:rPr>
-              <a:t> </a:t>
-            </a:r>
-            <a:r>
-              <a:rPr lang="en-US" dirty="0" err="1">
-                <a:solidFill>
-                  <a:srgbClr val="0B214A"/>
-                </a:solidFill>
-                <a:latin typeface="Roboto" panose="02000000000000000000" pitchFamily="2" charset="0"/>
-                <a:ea typeface="Roboto" panose="02000000000000000000" pitchFamily="2" charset="0"/>
-              </a:rPr>
-              <a:t>utiliza</a:t>
-            </a:r>
-            <a:r>
-              <a:rPr lang="en-US" dirty="0">
-                <a:solidFill>
-                  <a:srgbClr val="0B214A"/>
-                </a:solidFill>
-                <a:latin typeface="Roboto" panose="02000000000000000000" pitchFamily="2" charset="0"/>
-                <a:ea typeface="Roboto" panose="02000000000000000000" pitchFamily="2" charset="0"/>
-              </a:rPr>
-              <a:t>-se o WSL2;</a:t>
-            </a:r>
-          </a:p>
-          <a:p>
-            <a:pPr marL="285750" indent="-285750">
-              <a:spcAft>
-                <a:spcPts val="1200"/>
-              </a:spcAft>
-              <a:buFont typeface="Arial" panose="020B0604020202020204" pitchFamily="34" charset="0"/>
-              <a:buChar char="•"/>
-            </a:pPr>
-            <a:r>
-              <a:rPr lang="en-US" dirty="0">
-                <a:solidFill>
-                  <a:srgbClr val="0B214A"/>
-                </a:solidFill>
-                <a:latin typeface="Roboto" panose="02000000000000000000" pitchFamily="2" charset="0"/>
-                <a:ea typeface="Roboto" panose="02000000000000000000" pitchFamily="2" charset="0"/>
-              </a:rPr>
-              <a:t>No MacOS, </a:t>
-            </a:r>
-            <a:r>
-              <a:rPr lang="en-US" dirty="0" err="1">
-                <a:solidFill>
-                  <a:srgbClr val="0B214A"/>
-                </a:solidFill>
-                <a:latin typeface="Roboto" panose="02000000000000000000" pitchFamily="2" charset="0"/>
-                <a:ea typeface="Roboto" panose="02000000000000000000" pitchFamily="2" charset="0"/>
-              </a:rPr>
-              <a:t>normalmente</a:t>
-            </a:r>
-            <a:r>
-              <a:rPr lang="en-US" dirty="0">
-                <a:solidFill>
-                  <a:srgbClr val="0B214A"/>
-                </a:solidFill>
-                <a:latin typeface="Roboto" panose="02000000000000000000" pitchFamily="2" charset="0"/>
-                <a:ea typeface="Roboto" panose="02000000000000000000" pitchFamily="2" charset="0"/>
-              </a:rPr>
-              <a:t> </a:t>
-            </a:r>
-            <a:r>
-              <a:rPr lang="en-US" dirty="0" err="1">
-                <a:solidFill>
-                  <a:srgbClr val="0B214A"/>
-                </a:solidFill>
-                <a:latin typeface="Roboto" panose="02000000000000000000" pitchFamily="2" charset="0"/>
-                <a:ea typeface="Roboto" panose="02000000000000000000" pitchFamily="2" charset="0"/>
-              </a:rPr>
-              <a:t>é</a:t>
-            </a:r>
-            <a:r>
-              <a:rPr lang="en-US" dirty="0">
-                <a:solidFill>
-                  <a:srgbClr val="0B214A"/>
-                </a:solidFill>
-                <a:latin typeface="Roboto" panose="02000000000000000000" pitchFamily="2" charset="0"/>
-                <a:ea typeface="Roboto" panose="02000000000000000000" pitchFamily="2" charset="0"/>
-              </a:rPr>
-              <a:t> </a:t>
-            </a:r>
-            <a:r>
-              <a:rPr lang="en-US" dirty="0" err="1">
-                <a:solidFill>
-                  <a:srgbClr val="0B214A"/>
-                </a:solidFill>
-                <a:latin typeface="Roboto" panose="02000000000000000000" pitchFamily="2" charset="0"/>
-                <a:ea typeface="Roboto" panose="02000000000000000000" pitchFamily="2" charset="0"/>
-              </a:rPr>
-              <a:t>rodado</a:t>
-            </a:r>
-            <a:r>
-              <a:rPr lang="en-US" dirty="0">
-                <a:solidFill>
-                  <a:srgbClr val="0B214A"/>
-                </a:solidFill>
-                <a:latin typeface="Roboto" panose="02000000000000000000" pitchFamily="2" charset="0"/>
-                <a:ea typeface="Roboto" panose="02000000000000000000" pitchFamily="2" charset="0"/>
-              </a:rPr>
-              <a:t> </a:t>
-            </a:r>
-            <a:r>
-              <a:rPr lang="en-US" dirty="0" err="1">
-                <a:solidFill>
-                  <a:srgbClr val="0B214A"/>
-                </a:solidFill>
-                <a:latin typeface="Roboto" panose="02000000000000000000" pitchFamily="2" charset="0"/>
-                <a:ea typeface="Roboto" panose="02000000000000000000" pitchFamily="2" charset="0"/>
-              </a:rPr>
-              <a:t>uma</a:t>
-            </a:r>
-            <a:r>
-              <a:rPr lang="en-US" dirty="0">
-                <a:solidFill>
-                  <a:srgbClr val="0B214A"/>
-                </a:solidFill>
-                <a:latin typeface="Roboto" panose="02000000000000000000" pitchFamily="2" charset="0"/>
-                <a:ea typeface="Roboto" panose="02000000000000000000" pitchFamily="2" charset="0"/>
-              </a:rPr>
-              <a:t> </a:t>
-            </a:r>
-            <a:r>
-              <a:rPr lang="en-US" dirty="0" err="1">
-                <a:solidFill>
-                  <a:srgbClr val="0B214A"/>
-                </a:solidFill>
-                <a:latin typeface="Roboto" panose="02000000000000000000" pitchFamily="2" charset="0"/>
-                <a:ea typeface="Roboto" panose="02000000000000000000" pitchFamily="2" charset="0"/>
-              </a:rPr>
-              <a:t>máquina</a:t>
-            </a:r>
-            <a:r>
-              <a:rPr lang="en-US" dirty="0">
-                <a:solidFill>
-                  <a:srgbClr val="0B214A"/>
-                </a:solidFill>
-                <a:latin typeface="Roboto" panose="02000000000000000000" pitchFamily="2" charset="0"/>
-                <a:ea typeface="Roboto" panose="02000000000000000000" pitchFamily="2" charset="0"/>
-              </a:rPr>
-              <a:t> virtual Linux por </a:t>
-            </a:r>
-            <a:r>
-              <a:rPr lang="en-US" dirty="0" err="1">
-                <a:solidFill>
-                  <a:srgbClr val="0B214A"/>
-                </a:solidFill>
-                <a:latin typeface="Roboto" panose="02000000000000000000" pitchFamily="2" charset="0"/>
-                <a:ea typeface="Roboto" panose="02000000000000000000" pitchFamily="2" charset="0"/>
-              </a:rPr>
-              <a:t>debaixo</a:t>
-            </a:r>
-            <a:r>
-              <a:rPr lang="en-US" dirty="0">
-                <a:solidFill>
-                  <a:srgbClr val="0B214A"/>
-                </a:solidFill>
-                <a:latin typeface="Roboto" panose="02000000000000000000" pitchFamily="2" charset="0"/>
-                <a:ea typeface="Roboto" panose="02000000000000000000" pitchFamily="2" charset="0"/>
-              </a:rPr>
-              <a:t> dos </a:t>
-            </a:r>
-            <a:r>
-              <a:rPr lang="en-US" dirty="0" err="1">
-                <a:solidFill>
-                  <a:srgbClr val="0B214A"/>
-                </a:solidFill>
-                <a:latin typeface="Roboto" panose="02000000000000000000" pitchFamily="2" charset="0"/>
-                <a:ea typeface="Roboto" panose="02000000000000000000" pitchFamily="2" charset="0"/>
-              </a:rPr>
-              <a:t>panos</a:t>
-            </a:r>
-            <a:r>
-              <a:rPr lang="en-US" dirty="0">
-                <a:solidFill>
-                  <a:srgbClr val="0B214A"/>
-                </a:solidFill>
-                <a:latin typeface="Roboto" panose="02000000000000000000" pitchFamily="2" charset="0"/>
-                <a:ea typeface="Roboto" panose="02000000000000000000" pitchFamily="2" charset="0"/>
-              </a:rPr>
-              <a:t>;</a:t>
-            </a:r>
-          </a:p>
-          <a:p>
-            <a:pPr marL="285750" indent="-285750">
-              <a:spcAft>
-                <a:spcPts val="1200"/>
-              </a:spcAft>
-              <a:buFont typeface="Arial" panose="020B0604020202020204" pitchFamily="34" charset="0"/>
-              <a:buChar char="•"/>
-            </a:pPr>
-            <a:r>
-              <a:rPr lang="en-US" b="0" i="0" dirty="0" err="1">
-                <a:solidFill>
-                  <a:srgbClr val="0B214A"/>
-                </a:solidFill>
-                <a:effectLst/>
-                <a:latin typeface="Roboto" panose="02000000000000000000" pitchFamily="2" charset="0"/>
-                <a:ea typeface="Roboto" panose="02000000000000000000" pitchFamily="2" charset="0"/>
-              </a:rPr>
-              <a:t>Em</a:t>
-            </a:r>
-            <a:r>
-              <a:rPr lang="en-US" b="0" i="0" dirty="0">
-                <a:solidFill>
-                  <a:srgbClr val="0B214A"/>
-                </a:solidFill>
-                <a:effectLst/>
-                <a:latin typeface="Roboto" panose="02000000000000000000" pitchFamily="2" charset="0"/>
-                <a:ea typeface="Roboto" panose="02000000000000000000" pitchFamily="2" charset="0"/>
-              </a:rPr>
-              <a:t> </a:t>
-            </a:r>
-            <a:r>
-              <a:rPr lang="en-US" b="0" i="0" dirty="0" err="1">
-                <a:solidFill>
-                  <a:srgbClr val="0B214A"/>
-                </a:solidFill>
-                <a:effectLst/>
-                <a:latin typeface="Roboto" panose="02000000000000000000" pitchFamily="2" charset="0"/>
-                <a:ea typeface="Roboto" panose="02000000000000000000" pitchFamily="2" charset="0"/>
-              </a:rPr>
-              <a:t>aplicações</a:t>
-            </a:r>
-            <a:r>
-              <a:rPr lang="en-US" b="0" i="0" dirty="0">
-                <a:solidFill>
-                  <a:srgbClr val="0B214A"/>
-                </a:solidFill>
-                <a:effectLst/>
-                <a:latin typeface="Roboto" panose="02000000000000000000" pitchFamily="2" charset="0"/>
-                <a:ea typeface="Roboto" panose="02000000000000000000" pitchFamily="2" charset="0"/>
-              </a:rPr>
-              <a:t> </a:t>
-            </a:r>
-            <a:r>
-              <a:rPr lang="en-US" b="0" i="0" dirty="0" err="1">
-                <a:solidFill>
-                  <a:srgbClr val="0B214A"/>
-                </a:solidFill>
-                <a:effectLst/>
-                <a:latin typeface="Roboto" panose="02000000000000000000" pitchFamily="2" charset="0"/>
-                <a:ea typeface="Roboto" panose="02000000000000000000" pitchFamily="2" charset="0"/>
-              </a:rPr>
-              <a:t>rodando</a:t>
-            </a:r>
-            <a:r>
-              <a:rPr lang="en-US" b="0" i="0" dirty="0">
-                <a:solidFill>
-                  <a:srgbClr val="0B214A"/>
-                </a:solidFill>
-                <a:effectLst/>
-                <a:latin typeface="Roboto" panose="02000000000000000000" pitchFamily="2" charset="0"/>
-                <a:ea typeface="Roboto" panose="02000000000000000000" pitchFamily="2" charset="0"/>
-              </a:rPr>
-              <a:t> </a:t>
-            </a:r>
-            <a:r>
-              <a:rPr lang="en-US" b="0" i="0" dirty="0" err="1">
-                <a:solidFill>
-                  <a:srgbClr val="0B214A"/>
-                </a:solidFill>
-                <a:effectLst/>
-                <a:latin typeface="Roboto" panose="02000000000000000000" pitchFamily="2" charset="0"/>
-                <a:ea typeface="Roboto" panose="02000000000000000000" pitchFamily="2" charset="0"/>
-              </a:rPr>
-              <a:t>na</a:t>
-            </a:r>
-            <a:r>
-              <a:rPr lang="en-US" b="0" i="0" dirty="0">
-                <a:solidFill>
-                  <a:srgbClr val="0B214A"/>
-                </a:solidFill>
-                <a:effectLst/>
-                <a:latin typeface="Roboto" panose="02000000000000000000" pitchFamily="2" charset="0"/>
-                <a:ea typeface="Roboto" panose="02000000000000000000" pitchFamily="2" charset="0"/>
-              </a:rPr>
-              <a:t> </a:t>
-            </a:r>
-            <a:r>
-              <a:rPr lang="en-US" b="0" i="0" dirty="0" err="1">
-                <a:solidFill>
-                  <a:srgbClr val="0B214A"/>
-                </a:solidFill>
-                <a:effectLst/>
-                <a:latin typeface="Roboto" panose="02000000000000000000" pitchFamily="2" charset="0"/>
-                <a:ea typeface="Roboto" panose="02000000000000000000" pitchFamily="2" charset="0"/>
-              </a:rPr>
-              <a:t>nuvem</a:t>
-            </a:r>
-            <a:r>
-              <a:rPr lang="en-US" b="0" i="0" dirty="0">
-                <a:solidFill>
-                  <a:srgbClr val="0B214A"/>
-                </a:solidFill>
-                <a:effectLst/>
-                <a:latin typeface="Roboto" panose="02000000000000000000" pitchFamily="2" charset="0"/>
-                <a:ea typeface="Roboto" panose="02000000000000000000" pitchFamily="2" charset="0"/>
-              </a:rPr>
-              <a:t>, a </a:t>
-            </a:r>
-            <a:r>
-              <a:rPr lang="en-US" b="0" i="0" dirty="0" err="1">
-                <a:solidFill>
-                  <a:srgbClr val="0B214A"/>
-                </a:solidFill>
-                <a:effectLst/>
-                <a:latin typeface="Roboto" panose="02000000000000000000" pitchFamily="2" charset="0"/>
-                <a:ea typeface="Roboto" panose="02000000000000000000" pitchFamily="2" charset="0"/>
-              </a:rPr>
-              <a:t>máquina</a:t>
-            </a:r>
-            <a:r>
-              <a:rPr lang="en-US" b="0" i="0" dirty="0">
-                <a:solidFill>
-                  <a:srgbClr val="0B214A"/>
-                </a:solidFill>
-                <a:effectLst/>
-                <a:latin typeface="Roboto" panose="02000000000000000000" pitchFamily="2" charset="0"/>
-                <a:ea typeface="Roboto" panose="02000000000000000000" pitchFamily="2" charset="0"/>
-              </a:rPr>
-              <a:t> do </a:t>
-            </a:r>
-            <a:r>
-              <a:rPr lang="en-US" b="0" i="0" dirty="0" err="1">
-                <a:solidFill>
-                  <a:srgbClr val="0B214A"/>
-                </a:solidFill>
-                <a:effectLst/>
-                <a:latin typeface="Roboto" panose="02000000000000000000" pitchFamily="2" charset="0"/>
-                <a:ea typeface="Roboto" panose="02000000000000000000" pitchFamily="2" charset="0"/>
-              </a:rPr>
-              <a:t>provedor</a:t>
-            </a:r>
-            <a:r>
-              <a:rPr lang="en-US" b="0" i="0" dirty="0">
-                <a:solidFill>
-                  <a:srgbClr val="0B214A"/>
-                </a:solidFill>
-                <a:effectLst/>
-                <a:latin typeface="Roboto" panose="02000000000000000000" pitchFamily="2" charset="0"/>
-                <a:ea typeface="Roboto" panose="02000000000000000000" pitchFamily="2" charset="0"/>
-              </a:rPr>
-              <a:t> cloud (AWS, GCP, Azure) </a:t>
-            </a:r>
-            <a:r>
-              <a:rPr lang="en-US" b="0" i="0" dirty="0" err="1">
-                <a:solidFill>
-                  <a:srgbClr val="0B214A"/>
-                </a:solidFill>
-                <a:effectLst/>
-                <a:latin typeface="Roboto" panose="02000000000000000000" pitchFamily="2" charset="0"/>
-                <a:ea typeface="Roboto" panose="02000000000000000000" pitchFamily="2" charset="0"/>
-              </a:rPr>
-              <a:t>está</a:t>
-            </a:r>
-            <a:r>
-              <a:rPr lang="en-US" b="0" i="0" dirty="0">
-                <a:solidFill>
-                  <a:srgbClr val="0B214A"/>
-                </a:solidFill>
-                <a:effectLst/>
-                <a:latin typeface="Roboto" panose="02000000000000000000" pitchFamily="2" charset="0"/>
-                <a:ea typeface="Roboto" panose="02000000000000000000" pitchFamily="2" charset="0"/>
-              </a:rPr>
-              <a:t> </a:t>
-            </a:r>
-            <a:r>
-              <a:rPr lang="en-US" b="0" i="0" dirty="0" err="1">
-                <a:solidFill>
-                  <a:srgbClr val="0B214A"/>
-                </a:solidFill>
-                <a:effectLst/>
-                <a:latin typeface="Roboto" panose="02000000000000000000" pitchFamily="2" charset="0"/>
-                <a:ea typeface="Roboto" panose="02000000000000000000" pitchFamily="2" charset="0"/>
-              </a:rPr>
-              <a:t>rodando</a:t>
-            </a:r>
-            <a:r>
-              <a:rPr lang="en-US" b="0" i="0" dirty="0">
-                <a:solidFill>
-                  <a:srgbClr val="0B214A"/>
-                </a:solidFill>
-                <a:effectLst/>
-                <a:latin typeface="Roboto" panose="02000000000000000000" pitchFamily="2" charset="0"/>
-                <a:ea typeface="Roboto" panose="02000000000000000000" pitchFamily="2" charset="0"/>
-              </a:rPr>
-              <a:t> um Linux;</a:t>
+              <a:t> privado;</a:t>
             </a:r>
           </a:p>
         </p:txBody>
       </p:sp>
+      <p:pic>
+        <p:nvPicPr>
+          <p:cNvPr id="9218" name="Picture 2" descr="Track how many times docker image was pulled | by Huseyn Gasimov | FAUN  Publication">
+            <a:extLst>
+              <a:ext uri="{FF2B5EF4-FFF2-40B4-BE49-F238E27FC236}">
+                <a16:creationId xmlns:a16="http://schemas.microsoft.com/office/drawing/2014/main" id="{2FD190F7-D9CB-2C44-9ADA-D316E9263DB2}"/>
+              </a:ext>
+            </a:extLst>
+          </p:cNvPr>
+          <p:cNvPicPr>
+            <a:picLocks noChangeAspect="1" noChangeArrowheads="1"/>
+          </p:cNvPicPr>
+          <p:nvPr/>
+        </p:nvPicPr>
+        <p:blipFill>
+          <a:blip r:embed="rId3">
+            <a:extLst>
+              <a:ext uri="{28A0092B-C50C-407E-A947-70E740481C1C}">
+                <a14:useLocalDpi xmlns:a14="http://schemas.microsoft.com/office/drawing/2010/main" val="0"/>
+              </a:ext>
+            </a:extLst>
+          </a:blip>
+          <a:srcRect/>
+          <a:stretch>
+            <a:fillRect/>
+          </a:stretch>
+        </p:blipFill>
+        <p:spPr bwMode="auto">
+          <a:xfrm>
+            <a:off x="2528514" y="1758287"/>
+            <a:ext cx="3612819" cy="1881919"/>
+          </a:xfrm>
+          <a:prstGeom prst="rect">
+            <a:avLst/>
+          </a:prstGeom>
+          <a:noFill/>
+          <a:extLst>
+            <a:ext uri="{909E8E84-426E-40DD-AFC4-6F175D3DCCD1}">
+              <a14:hiddenFill xmlns:a14="http://schemas.microsoft.com/office/drawing/2010/main">
+                <a:solidFill>
+                  <a:srgbClr val="FFFFFF"/>
+                </a:solidFill>
+              </a14:hiddenFill>
+            </a:ext>
+          </a:extLst>
+        </p:spPr>
+      </p:pic>
+      <p:pic>
+        <p:nvPicPr>
+          <p:cNvPr id="9220" name="Picture 4" descr="Tweets with replies by Red Hat Quay (@quayio) / Twitter">
+            <a:extLst>
+              <a:ext uri="{FF2B5EF4-FFF2-40B4-BE49-F238E27FC236}">
+                <a16:creationId xmlns:a16="http://schemas.microsoft.com/office/drawing/2014/main" id="{5E5B10FE-7C0D-824C-9ED0-B3BFC597A5BC}"/>
+              </a:ext>
+            </a:extLst>
+          </p:cNvPr>
+          <p:cNvPicPr>
+            <a:picLocks noChangeAspect="1" noChangeArrowheads="1"/>
+          </p:cNvPicPr>
+          <p:nvPr/>
+        </p:nvPicPr>
+        <p:blipFill>
+          <a:blip r:embed="rId4">
+            <a:extLst>
+              <a:ext uri="{28A0092B-C50C-407E-A947-70E740481C1C}">
+                <a14:useLocalDpi xmlns:a14="http://schemas.microsoft.com/office/drawing/2010/main" val="0"/>
+              </a:ext>
+            </a:extLst>
+          </a:blip>
+          <a:srcRect/>
+          <a:stretch>
+            <a:fillRect/>
+          </a:stretch>
+        </p:blipFill>
+        <p:spPr bwMode="auto">
+          <a:xfrm>
+            <a:off x="485028" y="1897406"/>
+            <a:ext cx="1603679" cy="1603679"/>
+          </a:xfrm>
+          <a:prstGeom prst="rect">
+            <a:avLst/>
+          </a:prstGeom>
+          <a:noFill/>
+          <a:extLst>
+            <a:ext uri="{909E8E84-426E-40DD-AFC4-6F175D3DCCD1}">
+              <a14:hiddenFill xmlns:a14="http://schemas.microsoft.com/office/drawing/2010/main">
+                <a:solidFill>
+                  <a:srgbClr val="FFFFFF"/>
+                </a:solidFill>
+              </a14:hiddenFill>
+            </a:ext>
+          </a:extLst>
+        </p:spPr>
+      </p:pic>
+      <p:pic>
+        <p:nvPicPr>
+          <p:cNvPr id="9222" name="Picture 6" descr="Amazon Elastic Container Registry (ECR)">
+            <a:extLst>
+              <a:ext uri="{FF2B5EF4-FFF2-40B4-BE49-F238E27FC236}">
+                <a16:creationId xmlns:a16="http://schemas.microsoft.com/office/drawing/2014/main" id="{B1A20932-34AA-3145-AFF2-88A50EFD424E}"/>
+              </a:ext>
+            </a:extLst>
+          </p:cNvPr>
+          <p:cNvPicPr>
+            <a:picLocks noChangeAspect="1" noChangeArrowheads="1"/>
+          </p:cNvPicPr>
+          <p:nvPr/>
+        </p:nvPicPr>
+        <p:blipFill>
+          <a:blip r:embed="rId5">
+            <a:extLst>
+              <a:ext uri="{28A0092B-C50C-407E-A947-70E740481C1C}">
+                <a14:useLocalDpi xmlns:a14="http://schemas.microsoft.com/office/drawing/2010/main" val="0"/>
+              </a:ext>
+            </a:extLst>
+          </a:blip>
+          <a:srcRect/>
+          <a:stretch>
+            <a:fillRect/>
+          </a:stretch>
+        </p:blipFill>
+        <p:spPr bwMode="auto">
+          <a:xfrm>
+            <a:off x="7390162" y="1277134"/>
+            <a:ext cx="1062075" cy="1192329"/>
+          </a:xfrm>
+          <a:prstGeom prst="rect">
+            <a:avLst/>
+          </a:prstGeom>
+          <a:noFill/>
+          <a:extLst>
+            <a:ext uri="{909E8E84-426E-40DD-AFC4-6F175D3DCCD1}">
+              <a14:hiddenFill xmlns:a14="http://schemas.microsoft.com/office/drawing/2010/main">
+                <a:solidFill>
+                  <a:srgbClr val="FFFFFF"/>
+                </a:solidFill>
+              </a14:hiddenFill>
+            </a:ext>
+          </a:extLst>
+        </p:spPr>
+      </p:pic>
+      <p:pic>
+        <p:nvPicPr>
+          <p:cNvPr id="9224" name="Picture 8" descr="CNCF Cloud Native Interactive Landscape">
+            <a:extLst>
+              <a:ext uri="{FF2B5EF4-FFF2-40B4-BE49-F238E27FC236}">
+                <a16:creationId xmlns:a16="http://schemas.microsoft.com/office/drawing/2014/main" id="{1F4B0F0C-4728-0F47-96B0-2E68B12EC01A}"/>
+              </a:ext>
+            </a:extLst>
+          </p:cNvPr>
+          <p:cNvPicPr>
+            <a:picLocks noChangeAspect="1" noChangeArrowheads="1"/>
+          </p:cNvPicPr>
+          <p:nvPr/>
+        </p:nvPicPr>
+        <p:blipFill>
+          <a:blip r:embed="rId6">
+            <a:extLst>
+              <a:ext uri="{28A0092B-C50C-407E-A947-70E740481C1C}">
+                <a14:useLocalDpi xmlns:a14="http://schemas.microsoft.com/office/drawing/2010/main" val="0"/>
+              </a:ext>
+            </a:extLst>
+          </a:blip>
+          <a:srcRect/>
+          <a:stretch>
+            <a:fillRect/>
+          </a:stretch>
+        </p:blipFill>
+        <p:spPr bwMode="auto">
+          <a:xfrm>
+            <a:off x="6581140" y="3270201"/>
+            <a:ext cx="1979875" cy="1203049"/>
+          </a:xfrm>
+          <a:prstGeom prst="rect">
+            <a:avLst/>
+          </a:prstGeom>
+          <a:noFill/>
+          <a:extLst>
+            <a:ext uri="{909E8E84-426E-40DD-AFC4-6F175D3DCCD1}">
+              <a14:hiddenFill xmlns:a14="http://schemas.microsoft.com/office/drawing/2010/main">
+                <a:solidFill>
+                  <a:srgbClr val="FFFFFF"/>
+                </a:solidFill>
+              </a14:hiddenFill>
+            </a:ext>
+          </a:extLst>
+        </p:spPr>
+      </p:pic>
+      <p:pic>
+        <p:nvPicPr>
+          <p:cNvPr id="9226" name="Picture 10" descr="Associate Azure Container Registry and Kubernetes Cluster | Michael  Chudinov. My personal blog">
+            <a:extLst>
+              <a:ext uri="{FF2B5EF4-FFF2-40B4-BE49-F238E27FC236}">
+                <a16:creationId xmlns:a16="http://schemas.microsoft.com/office/drawing/2014/main" id="{8262631C-B677-084B-B98E-C06D93D910C8}"/>
+              </a:ext>
+            </a:extLst>
+          </p:cNvPr>
+          <p:cNvPicPr>
+            <a:picLocks noChangeAspect="1" noChangeArrowheads="1"/>
+          </p:cNvPicPr>
+          <p:nvPr/>
+        </p:nvPicPr>
+        <p:blipFill>
+          <a:blip r:embed="rId7">
+            <a:extLst>
+              <a:ext uri="{28A0092B-C50C-407E-A947-70E740481C1C}">
+                <a14:useLocalDpi xmlns:a14="http://schemas.microsoft.com/office/drawing/2010/main" val="0"/>
+              </a:ext>
+            </a:extLst>
+          </a:blip>
+          <a:srcRect/>
+          <a:stretch>
+            <a:fillRect/>
+          </a:stretch>
+        </p:blipFill>
+        <p:spPr bwMode="auto">
+          <a:xfrm>
+            <a:off x="2965837" y="3897180"/>
+            <a:ext cx="1498871" cy="1047538"/>
+          </a:xfrm>
+          <a:prstGeom prst="rect">
+            <a:avLst/>
+          </a:prstGeom>
+          <a:noFill/>
+          <a:extLst>
+            <a:ext uri="{909E8E84-426E-40DD-AFC4-6F175D3DCCD1}">
+              <a14:hiddenFill xmlns:a14="http://schemas.microsoft.com/office/drawing/2010/main">
+                <a:solidFill>
+                  <a:srgbClr val="FFFFFF"/>
+                </a:solidFill>
+              </a14:hiddenFill>
+            </a:ext>
+          </a:extLst>
+        </p:spPr>
+      </p:pic>
     </p:spTree>
     <p:extLst>
       <p:ext uri="{BB962C8B-B14F-4D97-AF65-F5344CB8AC3E}">
-        <p14:creationId xmlns:p14="http://schemas.microsoft.com/office/powerpoint/2010/main" val="4154236294"/>
+        <p14:creationId xmlns:p14="http://schemas.microsoft.com/office/powerpoint/2010/main" val="2475558686"/>
       </p:ext>
     </p:extLst>
   </p:cSld>
@@ -9111,7 +8790,7 @@
               <a:buNone/>
             </a:pPr>
             <a:r>
-              <a:rPr lang="pt-BR" sz="2400" b="1" dirty="0">
+              <a:rPr lang="pt-BR" sz="2400" b="1" dirty="0" err="1">
                 <a:solidFill>
                   <a:srgbClr val="20409A"/>
                 </a:solidFill>
@@ -9120,7 +8799,31 @@
                 <a:cs typeface="Roboto"/>
                 <a:sym typeface="Roboto"/>
               </a:rPr>
-              <a:t>Registry</a:t>
+              <a:t>Image</a:t>
+            </a:r>
+            <a:r>
+              <a:rPr lang="pt-BR" sz="2400" b="1" dirty="0">
+                <a:solidFill>
+                  <a:srgbClr val="20409A"/>
+                </a:solidFill>
+                <a:latin typeface="Roboto"/>
+                <a:ea typeface="Roboto"/>
+                <a:cs typeface="Roboto"/>
+                <a:sym typeface="Roboto"/>
+              </a:rPr>
+              <a:t> </a:t>
+            </a:r>
+            <a:r>
+              <a:rPr lang="pt-BR" sz="2400" b="1" dirty="0" err="1">
+                <a:solidFill>
+                  <a:srgbClr val="20409A"/>
+                </a:solidFill>
+                <a:latin typeface="Roboto"/>
+                <a:ea typeface="Roboto"/>
+                <a:cs typeface="Roboto"/>
+                <a:sym typeface="Roboto"/>
+              </a:rPr>
+              <a:t>Layers</a:t>
             </a:r>
             <a:endParaRPr sz="2400" b="1" dirty="0">
               <a:solidFill>
@@ -9188,721 +8891,6 @@
         <p:spPr>
           <a:xfrm>
             <a:off x="330612" y="911282"/>
-            <a:ext cx="8121625" cy="677108"/>
-          </a:xfrm>
-          <a:prstGeom prst="rect">
-            <a:avLst/>
-          </a:prstGeom>
-          <a:noFill/>
-        </p:spPr>
-        <p:txBody>
-          <a:bodyPr wrap="square">
-            <a:spAutoFit/>
-          </a:bodyPr>
-          <a:lstStyle/>
-          <a:p>
-            <a:pPr marL="285750" indent="-285750">
-              <a:spcAft>
-                <a:spcPts val="1200"/>
-              </a:spcAft>
-              <a:buFont typeface="Arial" panose="020B0604020202020204" pitchFamily="34" charset="0"/>
-              <a:buChar char="•"/>
-            </a:pPr>
-            <a:r>
-              <a:rPr lang="en-US" dirty="0" err="1">
-                <a:solidFill>
-                  <a:srgbClr val="0B214A"/>
-                </a:solidFill>
-                <a:latin typeface="Roboto" panose="02000000000000000000" pitchFamily="2" charset="0"/>
-                <a:ea typeface="Roboto" panose="02000000000000000000" pitchFamily="2" charset="0"/>
-              </a:rPr>
-              <a:t>Basicamente</a:t>
-            </a:r>
-            <a:r>
-              <a:rPr lang="en-US" dirty="0">
-                <a:solidFill>
-                  <a:srgbClr val="0B214A"/>
-                </a:solidFill>
-                <a:latin typeface="Roboto" panose="02000000000000000000" pitchFamily="2" charset="0"/>
-                <a:ea typeface="Roboto" panose="02000000000000000000" pitchFamily="2" charset="0"/>
-              </a:rPr>
-              <a:t> </a:t>
-            </a:r>
-            <a:r>
-              <a:rPr lang="en-US" dirty="0" err="1">
-                <a:solidFill>
-                  <a:srgbClr val="0B214A"/>
-                </a:solidFill>
-                <a:latin typeface="Roboto" panose="02000000000000000000" pitchFamily="2" charset="0"/>
-                <a:ea typeface="Roboto" panose="02000000000000000000" pitchFamily="2" charset="0"/>
-              </a:rPr>
-              <a:t>é</a:t>
-            </a:r>
-            <a:r>
-              <a:rPr lang="en-US" dirty="0">
-                <a:solidFill>
-                  <a:srgbClr val="0B214A"/>
-                </a:solidFill>
-                <a:latin typeface="Roboto" panose="02000000000000000000" pitchFamily="2" charset="0"/>
-                <a:ea typeface="Roboto" panose="02000000000000000000" pitchFamily="2" charset="0"/>
-              </a:rPr>
-              <a:t> um </a:t>
-            </a:r>
-            <a:r>
-              <a:rPr lang="en-US" dirty="0" err="1">
-                <a:solidFill>
-                  <a:srgbClr val="0B214A"/>
-                </a:solidFill>
-                <a:latin typeface="Roboto" panose="02000000000000000000" pitchFamily="2" charset="0"/>
-                <a:ea typeface="Roboto" panose="02000000000000000000" pitchFamily="2" charset="0"/>
-              </a:rPr>
-              <a:t>sistema</a:t>
-            </a:r>
-            <a:r>
-              <a:rPr lang="en-US" dirty="0">
-                <a:solidFill>
-                  <a:srgbClr val="0B214A"/>
-                </a:solidFill>
-                <a:latin typeface="Roboto" panose="02000000000000000000" pitchFamily="2" charset="0"/>
-                <a:ea typeface="Roboto" panose="02000000000000000000" pitchFamily="2" charset="0"/>
-              </a:rPr>
-              <a:t> de </a:t>
-            </a:r>
-            <a:r>
-              <a:rPr lang="en-US" dirty="0" err="1">
-                <a:solidFill>
-                  <a:srgbClr val="0B214A"/>
-                </a:solidFill>
-                <a:latin typeface="Roboto" panose="02000000000000000000" pitchFamily="2" charset="0"/>
-                <a:ea typeface="Roboto" panose="02000000000000000000" pitchFamily="2" charset="0"/>
-              </a:rPr>
-              <a:t>arquivos</a:t>
-            </a:r>
-            <a:r>
-              <a:rPr lang="en-US" dirty="0">
-                <a:solidFill>
-                  <a:srgbClr val="0B214A"/>
-                </a:solidFill>
-                <a:latin typeface="Roboto" panose="02000000000000000000" pitchFamily="2" charset="0"/>
-                <a:ea typeface="Roboto" panose="02000000000000000000" pitchFamily="2" charset="0"/>
-              </a:rPr>
-              <a:t> que </a:t>
-            </a:r>
-            <a:r>
-              <a:rPr lang="en-US" dirty="0" err="1">
-                <a:solidFill>
-                  <a:srgbClr val="0B214A"/>
-                </a:solidFill>
-                <a:latin typeface="Roboto" panose="02000000000000000000" pitchFamily="2" charset="0"/>
-                <a:ea typeface="Roboto" panose="02000000000000000000" pitchFamily="2" charset="0"/>
-              </a:rPr>
-              <a:t>armazena</a:t>
-            </a:r>
-            <a:r>
-              <a:rPr lang="en-US" dirty="0">
-                <a:solidFill>
-                  <a:srgbClr val="0B214A"/>
-                </a:solidFill>
-                <a:latin typeface="Roboto" panose="02000000000000000000" pitchFamily="2" charset="0"/>
-                <a:ea typeface="Roboto" panose="02000000000000000000" pitchFamily="2" charset="0"/>
-              </a:rPr>
-              <a:t> e </a:t>
-            </a:r>
-            <a:r>
-              <a:rPr lang="en-US" dirty="0" err="1">
-                <a:solidFill>
-                  <a:srgbClr val="0B214A"/>
-                </a:solidFill>
-                <a:latin typeface="Roboto" panose="02000000000000000000" pitchFamily="2" charset="0"/>
-                <a:ea typeface="Roboto" panose="02000000000000000000" pitchFamily="2" charset="0"/>
-              </a:rPr>
-              <a:t>distribui</a:t>
-            </a:r>
-            <a:r>
-              <a:rPr lang="en-US" dirty="0">
-                <a:solidFill>
-                  <a:srgbClr val="0B214A"/>
-                </a:solidFill>
-                <a:latin typeface="Roboto" panose="02000000000000000000" pitchFamily="2" charset="0"/>
-                <a:ea typeface="Roboto" panose="02000000000000000000" pitchFamily="2" charset="0"/>
-              </a:rPr>
-              <a:t> container images;</a:t>
-            </a:r>
-          </a:p>
-          <a:p>
-            <a:pPr marL="285750" indent="-285750">
-              <a:spcAft>
-                <a:spcPts val="1200"/>
-              </a:spcAft>
-              <a:buFont typeface="Arial" panose="020B0604020202020204" pitchFamily="34" charset="0"/>
-              <a:buChar char="•"/>
-            </a:pPr>
-            <a:r>
-              <a:rPr lang="en-US" b="0" i="0" dirty="0" err="1">
-                <a:solidFill>
-                  <a:srgbClr val="0B214A"/>
-                </a:solidFill>
-                <a:effectLst/>
-                <a:latin typeface="Roboto" panose="02000000000000000000" pitchFamily="2" charset="0"/>
-                <a:ea typeface="Roboto" panose="02000000000000000000" pitchFamily="2" charset="0"/>
-              </a:rPr>
-              <a:t>Pode</a:t>
-            </a:r>
-            <a:r>
-              <a:rPr lang="en-US" b="0" i="0" dirty="0">
-                <a:solidFill>
-                  <a:srgbClr val="0B214A"/>
-                </a:solidFill>
-                <a:effectLst/>
-                <a:latin typeface="Roboto" panose="02000000000000000000" pitchFamily="2" charset="0"/>
-                <a:ea typeface="Roboto" panose="02000000000000000000" pitchFamily="2" charset="0"/>
-              </a:rPr>
-              <a:t> ser </a:t>
-            </a:r>
-            <a:r>
-              <a:rPr lang="en-US" b="0" i="0" dirty="0" err="1">
-                <a:solidFill>
-                  <a:srgbClr val="0B214A"/>
-                </a:solidFill>
-                <a:effectLst/>
-                <a:latin typeface="Roboto" panose="02000000000000000000" pitchFamily="2" charset="0"/>
-                <a:ea typeface="Roboto" panose="02000000000000000000" pitchFamily="2" charset="0"/>
-              </a:rPr>
-              <a:t>público</a:t>
-            </a:r>
-            <a:r>
-              <a:rPr lang="en-US" b="0" i="0" dirty="0">
-                <a:solidFill>
-                  <a:srgbClr val="0B214A"/>
-                </a:solidFill>
-                <a:effectLst/>
-                <a:latin typeface="Roboto" panose="02000000000000000000" pitchFamily="2" charset="0"/>
-                <a:ea typeface="Roboto" panose="02000000000000000000" pitchFamily="2" charset="0"/>
-              </a:rPr>
-              <a:t> </a:t>
-            </a:r>
-            <a:r>
-              <a:rPr lang="en-US" b="0" i="0" dirty="0" err="1">
-                <a:solidFill>
-                  <a:srgbClr val="0B214A"/>
-                </a:solidFill>
-                <a:effectLst/>
-                <a:latin typeface="Roboto" panose="02000000000000000000" pitchFamily="2" charset="0"/>
-                <a:ea typeface="Roboto" panose="02000000000000000000" pitchFamily="2" charset="0"/>
-              </a:rPr>
-              <a:t>ou</a:t>
-            </a:r>
-            <a:r>
-              <a:rPr lang="en-US" b="0" i="0" dirty="0">
-                <a:solidFill>
-                  <a:srgbClr val="0B214A"/>
-                </a:solidFill>
-                <a:effectLst/>
-                <a:latin typeface="Roboto" panose="02000000000000000000" pitchFamily="2" charset="0"/>
-                <a:ea typeface="Roboto" panose="02000000000000000000" pitchFamily="2" charset="0"/>
-              </a:rPr>
-              <a:t> privado;</a:t>
-            </a:r>
-          </a:p>
-        </p:txBody>
-      </p:sp>
-      <p:pic>
-        <p:nvPicPr>
-          <p:cNvPr id="9218" name="Picture 2" descr="Track how many times docker image was pulled | by Huseyn Gasimov | FAUN  Publication">
-            <a:extLst>
-              <a:ext uri="{FF2B5EF4-FFF2-40B4-BE49-F238E27FC236}">
-                <a16:creationId xmlns:a16="http://schemas.microsoft.com/office/drawing/2014/main" id="{2FD190F7-D9CB-2C44-9ADA-D316E9263DB2}"/>
-              </a:ext>
-            </a:extLst>
-          </p:cNvPr>
-          <p:cNvPicPr>
-            <a:picLocks noChangeAspect="1" noChangeArrowheads="1"/>
-          </p:cNvPicPr>
-          <p:nvPr/>
-        </p:nvPicPr>
-        <p:blipFill>
-          <a:blip r:embed="rId3">
-            <a:extLst>
-              <a:ext uri="{28A0092B-C50C-407E-A947-70E740481C1C}">
-                <a14:useLocalDpi xmlns:a14="http://schemas.microsoft.com/office/drawing/2010/main" val="0"/>
-              </a:ext>
-            </a:extLst>
-          </a:blip>
-          <a:srcRect/>
-          <a:stretch>
-            <a:fillRect/>
-          </a:stretch>
-        </p:blipFill>
-        <p:spPr bwMode="auto">
-          <a:xfrm>
-            <a:off x="2528514" y="1758287"/>
-            <a:ext cx="3612819" cy="1881919"/>
-          </a:xfrm>
-          <a:prstGeom prst="rect">
-            <a:avLst/>
-          </a:prstGeom>
-          <a:noFill/>
-          <a:extLst>
-            <a:ext uri="{909E8E84-426E-40DD-AFC4-6F175D3DCCD1}">
-              <a14:hiddenFill xmlns:a14="http://schemas.microsoft.com/office/drawing/2010/main">
-                <a:solidFill>
-                  <a:srgbClr val="FFFFFF"/>
-                </a:solidFill>
-              </a14:hiddenFill>
-            </a:ext>
-          </a:extLst>
-        </p:spPr>
-      </p:pic>
-      <p:pic>
-        <p:nvPicPr>
-          <p:cNvPr id="9220" name="Picture 4" descr="Tweets with replies by Red Hat Quay (@quayio) / Twitter">
-            <a:extLst>
-              <a:ext uri="{FF2B5EF4-FFF2-40B4-BE49-F238E27FC236}">
-                <a16:creationId xmlns:a16="http://schemas.microsoft.com/office/drawing/2014/main" id="{5E5B10FE-7C0D-824C-9ED0-B3BFC597A5BC}"/>
-              </a:ext>
-            </a:extLst>
-          </p:cNvPr>
-          <p:cNvPicPr>
-            <a:picLocks noChangeAspect="1" noChangeArrowheads="1"/>
-          </p:cNvPicPr>
-          <p:nvPr/>
-        </p:nvPicPr>
-        <p:blipFill>
-          <a:blip r:embed="rId4">
-            <a:extLst>
-              <a:ext uri="{28A0092B-C50C-407E-A947-70E740481C1C}">
-                <a14:useLocalDpi xmlns:a14="http://schemas.microsoft.com/office/drawing/2010/main" val="0"/>
-              </a:ext>
-            </a:extLst>
-          </a:blip>
-          <a:srcRect/>
-          <a:stretch>
-            <a:fillRect/>
-          </a:stretch>
-        </p:blipFill>
-        <p:spPr bwMode="auto">
-          <a:xfrm>
-            <a:off x="485028" y="1897406"/>
-            <a:ext cx="1603679" cy="1603679"/>
-          </a:xfrm>
-          <a:prstGeom prst="rect">
-            <a:avLst/>
-          </a:prstGeom>
-          <a:noFill/>
-          <a:extLst>
-            <a:ext uri="{909E8E84-426E-40DD-AFC4-6F175D3DCCD1}">
-              <a14:hiddenFill xmlns:a14="http://schemas.microsoft.com/office/drawing/2010/main">
-                <a:solidFill>
-                  <a:srgbClr val="FFFFFF"/>
-                </a:solidFill>
-              </a14:hiddenFill>
-            </a:ext>
-          </a:extLst>
-        </p:spPr>
-      </p:pic>
-      <p:pic>
-        <p:nvPicPr>
-          <p:cNvPr id="9222" name="Picture 6" descr="Amazon Elastic Container Registry (ECR)">
-            <a:extLst>
-              <a:ext uri="{FF2B5EF4-FFF2-40B4-BE49-F238E27FC236}">
-                <a16:creationId xmlns:a16="http://schemas.microsoft.com/office/drawing/2014/main" id="{B1A20932-34AA-3145-AFF2-88A50EFD424E}"/>
-              </a:ext>
-            </a:extLst>
-          </p:cNvPr>
-          <p:cNvPicPr>
-            <a:picLocks noChangeAspect="1" noChangeArrowheads="1"/>
-          </p:cNvPicPr>
-          <p:nvPr/>
-        </p:nvPicPr>
-        <p:blipFill>
-          <a:blip r:embed="rId5">
-            <a:extLst>
-              <a:ext uri="{28A0092B-C50C-407E-A947-70E740481C1C}">
-                <a14:useLocalDpi xmlns:a14="http://schemas.microsoft.com/office/drawing/2010/main" val="0"/>
-              </a:ext>
-            </a:extLst>
-          </a:blip>
-          <a:srcRect/>
-          <a:stretch>
-            <a:fillRect/>
-          </a:stretch>
-        </p:blipFill>
-        <p:spPr bwMode="auto">
-          <a:xfrm>
-            <a:off x="7390162" y="1277134"/>
-            <a:ext cx="1062075" cy="1192329"/>
-          </a:xfrm>
-          <a:prstGeom prst="rect">
-            <a:avLst/>
-          </a:prstGeom>
-          <a:noFill/>
-          <a:extLst>
-            <a:ext uri="{909E8E84-426E-40DD-AFC4-6F175D3DCCD1}">
-              <a14:hiddenFill xmlns:a14="http://schemas.microsoft.com/office/drawing/2010/main">
-                <a:solidFill>
-                  <a:srgbClr val="FFFFFF"/>
-                </a:solidFill>
-              </a14:hiddenFill>
-            </a:ext>
-          </a:extLst>
-        </p:spPr>
-      </p:pic>
-      <p:pic>
-        <p:nvPicPr>
-          <p:cNvPr id="9224" name="Picture 8" descr="CNCF Cloud Native Interactive Landscape">
-            <a:extLst>
-              <a:ext uri="{FF2B5EF4-FFF2-40B4-BE49-F238E27FC236}">
-                <a16:creationId xmlns:a16="http://schemas.microsoft.com/office/drawing/2014/main" id="{1F4B0F0C-4728-0F47-96B0-2E68B12EC01A}"/>
-              </a:ext>
-            </a:extLst>
-          </p:cNvPr>
-          <p:cNvPicPr>
-            <a:picLocks noChangeAspect="1" noChangeArrowheads="1"/>
-          </p:cNvPicPr>
-          <p:nvPr/>
-        </p:nvPicPr>
-        <p:blipFill>
-          <a:blip r:embed="rId6">
-            <a:extLst>
-              <a:ext uri="{28A0092B-C50C-407E-A947-70E740481C1C}">
-                <a14:useLocalDpi xmlns:a14="http://schemas.microsoft.com/office/drawing/2010/main" val="0"/>
-              </a:ext>
-            </a:extLst>
-          </a:blip>
-          <a:srcRect/>
-          <a:stretch>
-            <a:fillRect/>
-          </a:stretch>
-        </p:blipFill>
-        <p:spPr bwMode="auto">
-          <a:xfrm>
-            <a:off x="6581140" y="3270201"/>
-            <a:ext cx="1979875" cy="1203049"/>
-          </a:xfrm>
-          <a:prstGeom prst="rect">
-            <a:avLst/>
-          </a:prstGeom>
-          <a:noFill/>
-          <a:extLst>
-            <a:ext uri="{909E8E84-426E-40DD-AFC4-6F175D3DCCD1}">
-              <a14:hiddenFill xmlns:a14="http://schemas.microsoft.com/office/drawing/2010/main">
-                <a:solidFill>
-                  <a:srgbClr val="FFFFFF"/>
-                </a:solidFill>
-              </a14:hiddenFill>
-            </a:ext>
-          </a:extLst>
-        </p:spPr>
-      </p:pic>
-      <p:pic>
-        <p:nvPicPr>
-          <p:cNvPr id="9226" name="Picture 10" descr="Associate Azure Container Registry and Kubernetes Cluster | Michael  Chudinov. My personal blog">
-            <a:extLst>
-              <a:ext uri="{FF2B5EF4-FFF2-40B4-BE49-F238E27FC236}">
-                <a16:creationId xmlns:a16="http://schemas.microsoft.com/office/drawing/2014/main" id="{8262631C-B677-084B-B98E-C06D93D910C8}"/>
-              </a:ext>
-            </a:extLst>
-          </p:cNvPr>
-          <p:cNvPicPr>
-            <a:picLocks noChangeAspect="1" noChangeArrowheads="1"/>
-          </p:cNvPicPr>
-          <p:nvPr/>
-        </p:nvPicPr>
-        <p:blipFill>
-          <a:blip r:embed="rId7">
-            <a:extLst>
-              <a:ext uri="{28A0092B-C50C-407E-A947-70E740481C1C}">
-                <a14:useLocalDpi xmlns:a14="http://schemas.microsoft.com/office/drawing/2010/main" val="0"/>
-              </a:ext>
-            </a:extLst>
-          </a:blip>
-          <a:srcRect/>
-          <a:stretch>
-            <a:fillRect/>
-          </a:stretch>
-        </p:blipFill>
-        <p:spPr bwMode="auto">
-          <a:xfrm>
-            <a:off x="2965837" y="3897180"/>
-            <a:ext cx="1498871" cy="1047538"/>
-          </a:xfrm>
-          <a:prstGeom prst="rect">
-            <a:avLst/>
-          </a:prstGeom>
-          <a:noFill/>
-          <a:extLst>
-            <a:ext uri="{909E8E84-426E-40DD-AFC4-6F175D3DCCD1}">
-              <a14:hiddenFill xmlns:a14="http://schemas.microsoft.com/office/drawing/2010/main">
-                <a:solidFill>
-                  <a:srgbClr val="FFFFFF"/>
-                </a:solidFill>
-              </a14:hiddenFill>
-            </a:ext>
-          </a:extLst>
-        </p:spPr>
-      </p:pic>
-    </p:spTree>
-    <p:extLst>
-      <p:ext uri="{BB962C8B-B14F-4D97-AF65-F5344CB8AC3E}">
-        <p14:creationId xmlns:p14="http://schemas.microsoft.com/office/powerpoint/2010/main" val="2475558686"/>
-      </p:ext>
-    </p:extLst>
-  </p:cSld>
-  <p:clrMapOvr>
-    <a:masterClrMapping/>
-  </p:clrMapOvr>
-</p:sld>
-</file>
-
-<file path=ppt/slides/slide12.xml><?xml version="1.0" encoding="utf-8"?>
-<p:sld xmlns:a="http://schemas.openxmlformats.org/drawingml/2006/main" xmlns:r="http://schemas.openxmlformats.org/officeDocument/2006/relationships" xmlns:p="http://schemas.openxmlformats.org/presentationml/2006/main">
-  <p:cSld>
-    <p:spTree>
-      <p:nvGrpSpPr>
-        <p:cNvPr id="1" name="Shape 59"/>
-        <p:cNvGrpSpPr/>
-        <p:nvPr/>
-      </p:nvGrpSpPr>
-      <p:grpSpPr>
-        <a:xfrm>
-          <a:off x="0" y="0"/>
-          <a:ext cx="0" cy="0"/>
-          <a:chOff x="0" y="0"/>
-          <a:chExt cx="0" cy="0"/>
-        </a:xfrm>
-      </p:grpSpPr>
-      <p:sp>
-        <p:nvSpPr>
-          <p:cNvPr id="61" name="Google Shape;61;p14"/>
-          <p:cNvSpPr txBox="1"/>
-          <p:nvPr/>
-        </p:nvSpPr>
-        <p:spPr>
-          <a:xfrm>
-            <a:off x="402175" y="4473250"/>
-            <a:ext cx="3781800" cy="374100"/>
-          </a:xfrm>
-          <a:prstGeom prst="rect">
-            <a:avLst/>
-          </a:prstGeom>
-          <a:noFill/>
-          <a:ln>
-            <a:noFill/>
-          </a:ln>
-        </p:spPr>
-        <p:txBody>
-          <a:bodyPr spcFirstLastPara="1" wrap="square" lIns="91425" tIns="91425" rIns="91425" bIns="91425" anchor="t" anchorCtr="0">
-            <a:noAutofit/>
-          </a:bodyPr>
-          <a:lstStyle/>
-          <a:p>
-            <a:pPr marL="0" lvl="0" indent="0" algn="l" rtl="0">
-              <a:spcBef>
-                <a:spcPts val="0"/>
-              </a:spcBef>
-              <a:spcAft>
-                <a:spcPts val="0"/>
-              </a:spcAft>
-              <a:buNone/>
-            </a:pPr>
-            <a:r>
-              <a:rPr lang="pt-BR" b="1" dirty="0">
-                <a:solidFill>
-                  <a:srgbClr val="20409A"/>
-                </a:solidFill>
-                <a:latin typeface="Roboto"/>
-                <a:ea typeface="Roboto"/>
-                <a:cs typeface="Roboto"/>
-                <a:sym typeface="Roboto"/>
-              </a:rPr>
-              <a:t>ENGENHARIAS</a:t>
-            </a:r>
-            <a:endParaRPr b="1" dirty="0">
-              <a:solidFill>
-                <a:srgbClr val="20409A"/>
-              </a:solidFill>
-              <a:latin typeface="Roboto"/>
-              <a:ea typeface="Roboto"/>
-              <a:cs typeface="Roboto"/>
-              <a:sym typeface="Roboto"/>
-            </a:endParaRPr>
-          </a:p>
-          <a:p>
-            <a:pPr marL="0" lvl="0" indent="0" algn="l" rtl="0">
-              <a:spcBef>
-                <a:spcPts val="0"/>
-              </a:spcBef>
-              <a:spcAft>
-                <a:spcPts val="0"/>
-              </a:spcAft>
-              <a:buNone/>
-            </a:pPr>
-            <a:r>
-              <a:rPr lang="pt-BR" sz="1200" dirty="0">
-                <a:solidFill>
-                  <a:srgbClr val="20409A"/>
-                </a:solidFill>
-                <a:latin typeface="Roboto"/>
-                <a:ea typeface="Roboto"/>
-                <a:cs typeface="Roboto"/>
-                <a:sym typeface="Roboto"/>
-              </a:rPr>
-              <a:t>Teoria de Redes</a:t>
-            </a:r>
-            <a:endParaRPr sz="1200" dirty="0">
-              <a:solidFill>
-                <a:srgbClr val="20409A"/>
-              </a:solidFill>
-              <a:latin typeface="Roboto"/>
-              <a:ea typeface="Roboto"/>
-              <a:cs typeface="Roboto"/>
-              <a:sym typeface="Roboto"/>
-            </a:endParaRPr>
-          </a:p>
-        </p:txBody>
-      </p:sp>
-      <p:sp>
-        <p:nvSpPr>
-          <p:cNvPr id="5" name="Google Shape;55;p13">
-            <a:extLst>
-              <a:ext uri="{FF2B5EF4-FFF2-40B4-BE49-F238E27FC236}">
-                <a16:creationId xmlns:a16="http://schemas.microsoft.com/office/drawing/2014/main" id="{CB6699A7-7286-3E4D-B564-1B003FE8D9FC}"/>
-              </a:ext>
-            </a:extLst>
-          </p:cNvPr>
-          <p:cNvSpPr txBox="1"/>
-          <p:nvPr/>
-        </p:nvSpPr>
-        <p:spPr>
-          <a:xfrm>
-            <a:off x="246490" y="198782"/>
-            <a:ext cx="5266339" cy="712500"/>
-          </a:xfrm>
-          <a:prstGeom prst="rect">
-            <a:avLst/>
-          </a:prstGeom>
-          <a:noFill/>
-          <a:ln>
-            <a:noFill/>
-          </a:ln>
-        </p:spPr>
-        <p:txBody>
-          <a:bodyPr spcFirstLastPara="1" wrap="square" lIns="91425" tIns="91425" rIns="91425" bIns="91425" anchor="t" anchorCtr="0">
-            <a:noAutofit/>
-          </a:bodyPr>
-          <a:lstStyle/>
-          <a:p>
-            <a:pPr marL="0" lvl="0" indent="0" rtl="0">
-              <a:spcBef>
-                <a:spcPts val="0"/>
-              </a:spcBef>
-              <a:spcAft>
-                <a:spcPts val="0"/>
-              </a:spcAft>
-              <a:buNone/>
-            </a:pPr>
-            <a:r>
-              <a:rPr lang="pt-BR" sz="2400" b="1" dirty="0" err="1">
-                <a:solidFill>
-                  <a:srgbClr val="20409A"/>
-                </a:solidFill>
-                <a:latin typeface="Roboto"/>
-                <a:ea typeface="Roboto"/>
-                <a:cs typeface="Roboto"/>
-                <a:sym typeface="Roboto"/>
-              </a:rPr>
-              <a:t>Image</a:t>
-            </a:r>
-            <a:r>
-              <a:rPr lang="pt-BR" sz="2400" b="1" dirty="0">
-                <a:solidFill>
-                  <a:srgbClr val="20409A"/>
-                </a:solidFill>
-                <a:latin typeface="Roboto"/>
-                <a:ea typeface="Roboto"/>
-                <a:cs typeface="Roboto"/>
-                <a:sym typeface="Roboto"/>
-              </a:rPr>
-              <a:t> </a:t>
-            </a:r>
-            <a:r>
-              <a:rPr lang="pt-BR" sz="2400" b="1" dirty="0" err="1">
-                <a:solidFill>
-                  <a:srgbClr val="20409A"/>
-                </a:solidFill>
-                <a:latin typeface="Roboto"/>
-                <a:ea typeface="Roboto"/>
-                <a:cs typeface="Roboto"/>
-                <a:sym typeface="Roboto"/>
-              </a:rPr>
-              <a:t>Layers</a:t>
-            </a:r>
-            <a:endParaRPr sz="2400" b="1" dirty="0">
-              <a:solidFill>
-                <a:srgbClr val="20409A"/>
-              </a:solidFill>
-              <a:latin typeface="Roboto"/>
-              <a:ea typeface="Roboto"/>
-              <a:cs typeface="Roboto"/>
-              <a:sym typeface="Roboto"/>
-            </a:endParaRPr>
-          </a:p>
-        </p:txBody>
-      </p:sp>
-      <p:sp>
-        <p:nvSpPr>
-          <p:cNvPr id="7" name="TextBox 6">
-            <a:extLst>
-              <a:ext uri="{FF2B5EF4-FFF2-40B4-BE49-F238E27FC236}">
-                <a16:creationId xmlns:a16="http://schemas.microsoft.com/office/drawing/2014/main" id="{F73CB89D-FBCE-DA47-9145-6C08E544E686}"/>
-              </a:ext>
-            </a:extLst>
-          </p:cNvPr>
-          <p:cNvSpPr txBox="1"/>
-          <p:nvPr/>
-        </p:nvSpPr>
-        <p:spPr>
-          <a:xfrm>
-            <a:off x="246490" y="911282"/>
-            <a:ext cx="8449454" cy="369332"/>
-          </a:xfrm>
-          <a:prstGeom prst="rect">
-            <a:avLst/>
-          </a:prstGeom>
-          <a:noFill/>
-        </p:spPr>
-        <p:txBody>
-          <a:bodyPr wrap="square" rtlCol="0">
-            <a:spAutoFit/>
-          </a:bodyPr>
-          <a:lstStyle/>
-          <a:p>
-            <a:pPr marL="285750" indent="-285750">
-              <a:spcAft>
-                <a:spcPts val="1200"/>
-              </a:spcAft>
-              <a:buFont typeface="Arial" panose="020B0604020202020204" pitchFamily="34" charset="0"/>
-              <a:buChar char="•"/>
-            </a:pPr>
-            <a:endParaRPr lang="pt-BR" sz="1800" dirty="0"/>
-          </a:p>
-        </p:txBody>
-      </p:sp>
-      <p:sp>
-        <p:nvSpPr>
-          <p:cNvPr id="8" name="TextBox 7">
-            <a:extLst>
-              <a:ext uri="{FF2B5EF4-FFF2-40B4-BE49-F238E27FC236}">
-                <a16:creationId xmlns:a16="http://schemas.microsoft.com/office/drawing/2014/main" id="{56829098-A3C5-2A4B-86DF-9C250675B10C}"/>
-              </a:ext>
-            </a:extLst>
-          </p:cNvPr>
-          <p:cNvSpPr txBox="1"/>
-          <p:nvPr/>
-        </p:nvSpPr>
-        <p:spPr>
-          <a:xfrm>
-            <a:off x="330612" y="911282"/>
             <a:ext cx="8365332" cy="2523768"/>
           </a:xfrm>
           <a:prstGeom prst="rect">
@@ -11016,7 +10004,7 @@
 </p:sld>
 </file>
 
-<file path=ppt/slides/slide13.xml><?xml version="1.0" encoding="utf-8"?>
+<file path=ppt/slides/slide12.xml><?xml version="1.0" encoding="utf-8"?>
 <p:sld xmlns:a="http://schemas.openxmlformats.org/drawingml/2006/main" xmlns:r="http://schemas.openxmlformats.org/officeDocument/2006/relationships" xmlns:p="http://schemas.openxmlformats.org/presentationml/2006/main">
   <p:cSld>
     <p:spTree>
@@ -11421,6 +10409,271 @@
         <p14:creationId xmlns:p14="http://schemas.microsoft.com/office/powerpoint/2010/main" val="2984722372"/>
       </p:ext>
     </p:extLst>
+  </p:cSld>
+  <p:clrMapOvr>
+    <a:masterClrMapping/>
+  </p:clrMapOvr>
+</p:sld>
+</file>
+
+<file path=ppt/slides/slide13.xml><?xml version="1.0" encoding="utf-8"?>
+<p:sld xmlns:a="http://schemas.openxmlformats.org/drawingml/2006/main" xmlns:r="http://schemas.openxmlformats.org/officeDocument/2006/relationships" xmlns:p="http://schemas.openxmlformats.org/presentationml/2006/main">
+  <p:cSld>
+    <p:spTree>
+      <p:nvGrpSpPr>
+        <p:cNvPr id="1" name="Shape 59"/>
+        <p:cNvGrpSpPr/>
+        <p:nvPr/>
+      </p:nvGrpSpPr>
+      <p:grpSpPr>
+        <a:xfrm>
+          <a:off x="0" y="0"/>
+          <a:ext cx="0" cy="0"/>
+          <a:chOff x="0" y="0"/>
+          <a:chExt cx="0" cy="0"/>
+        </a:xfrm>
+      </p:grpSpPr>
+      <p:sp>
+        <p:nvSpPr>
+          <p:cNvPr id="61" name="Google Shape;61;p14"/>
+          <p:cNvSpPr txBox="1"/>
+          <p:nvPr/>
+        </p:nvSpPr>
+        <p:spPr>
+          <a:xfrm>
+            <a:off x="402175" y="4473250"/>
+            <a:ext cx="3781800" cy="374100"/>
+          </a:xfrm>
+          <a:prstGeom prst="rect">
+            <a:avLst/>
+          </a:prstGeom>
+          <a:noFill/>
+          <a:ln>
+            <a:noFill/>
+          </a:ln>
+        </p:spPr>
+        <p:txBody>
+          <a:bodyPr spcFirstLastPara="1" wrap="square" lIns="91425" tIns="91425" rIns="91425" bIns="91425" anchor="t" anchorCtr="0">
+            <a:noAutofit/>
+          </a:bodyPr>
+          <a:lstStyle/>
+          <a:p>
+            <a:pPr marL="0" lvl="0" indent="0" algn="l" rtl="0">
+              <a:spcBef>
+                <a:spcPts val="0"/>
+              </a:spcBef>
+              <a:spcAft>
+                <a:spcPts val="0"/>
+              </a:spcAft>
+              <a:buNone/>
+            </a:pPr>
+            <a:r>
+              <a:rPr lang="pt-BR" b="1" dirty="0">
+                <a:solidFill>
+                  <a:srgbClr val="20409A"/>
+                </a:solidFill>
+                <a:latin typeface="Roboto"/>
+                <a:ea typeface="Roboto"/>
+                <a:cs typeface="Roboto"/>
+                <a:sym typeface="Roboto"/>
+              </a:rPr>
+              <a:t>ENGENHARIAS</a:t>
+            </a:r>
+            <a:endParaRPr b="1" dirty="0">
+              <a:solidFill>
+                <a:srgbClr val="20409A"/>
+              </a:solidFill>
+              <a:latin typeface="Roboto"/>
+              <a:ea typeface="Roboto"/>
+              <a:cs typeface="Roboto"/>
+              <a:sym typeface="Roboto"/>
+            </a:endParaRPr>
+          </a:p>
+          <a:p>
+            <a:pPr marL="0" lvl="0" indent="0" algn="l" rtl="0">
+              <a:spcBef>
+                <a:spcPts val="0"/>
+              </a:spcBef>
+              <a:spcAft>
+                <a:spcPts val="0"/>
+              </a:spcAft>
+              <a:buNone/>
+            </a:pPr>
+            <a:r>
+              <a:rPr lang="pt-BR" sz="1200" dirty="0">
+                <a:solidFill>
+                  <a:srgbClr val="20409A"/>
+                </a:solidFill>
+                <a:latin typeface="Roboto"/>
+                <a:ea typeface="Roboto"/>
+                <a:cs typeface="Roboto"/>
+                <a:sym typeface="Roboto"/>
+              </a:rPr>
+              <a:t>Teoria de Redes</a:t>
+            </a:r>
+            <a:endParaRPr sz="1200" dirty="0">
+              <a:solidFill>
+                <a:srgbClr val="20409A"/>
+              </a:solidFill>
+              <a:latin typeface="Roboto"/>
+              <a:ea typeface="Roboto"/>
+              <a:cs typeface="Roboto"/>
+              <a:sym typeface="Roboto"/>
+            </a:endParaRPr>
+          </a:p>
+        </p:txBody>
+      </p:sp>
+      <p:sp>
+        <p:nvSpPr>
+          <p:cNvPr id="5" name="Google Shape;55;p13">
+            <a:extLst>
+              <a:ext uri="{FF2B5EF4-FFF2-40B4-BE49-F238E27FC236}">
+                <a16:creationId xmlns:a16="http://schemas.microsoft.com/office/drawing/2014/main" id="{CB6699A7-7286-3E4D-B564-1B003FE8D9FC}"/>
+              </a:ext>
+            </a:extLst>
+          </p:cNvPr>
+          <p:cNvSpPr txBox="1"/>
+          <p:nvPr/>
+        </p:nvSpPr>
+        <p:spPr>
+          <a:xfrm>
+            <a:off x="246490" y="198782"/>
+            <a:ext cx="5266339" cy="712500"/>
+          </a:xfrm>
+          <a:prstGeom prst="rect">
+            <a:avLst/>
+          </a:prstGeom>
+          <a:noFill/>
+          <a:ln>
+            <a:noFill/>
+          </a:ln>
+        </p:spPr>
+        <p:txBody>
+          <a:bodyPr spcFirstLastPara="1" wrap="square" lIns="91425" tIns="91425" rIns="91425" bIns="91425" anchor="t" anchorCtr="0">
+            <a:noAutofit/>
+          </a:bodyPr>
+          <a:lstStyle/>
+          <a:p>
+            <a:pPr marL="0" lvl="0" indent="0" rtl="0">
+              <a:spcBef>
+                <a:spcPts val="0"/>
+              </a:spcBef>
+              <a:spcAft>
+                <a:spcPts val="0"/>
+              </a:spcAft>
+              <a:buNone/>
+            </a:pPr>
+            <a:r>
+              <a:rPr lang="pt-BR" sz="2400" b="1" dirty="0" err="1">
+                <a:solidFill>
+                  <a:srgbClr val="20409A"/>
+                </a:solidFill>
+                <a:latin typeface="Roboto"/>
+                <a:ea typeface="Roboto"/>
+                <a:cs typeface="Roboto"/>
+                <a:sym typeface="Roboto"/>
+              </a:rPr>
+              <a:t>Docker</a:t>
+            </a:r>
+            <a:endParaRPr sz="2400" b="1" dirty="0">
+              <a:solidFill>
+                <a:srgbClr val="20409A"/>
+              </a:solidFill>
+              <a:latin typeface="Roboto"/>
+              <a:ea typeface="Roboto"/>
+              <a:cs typeface="Roboto"/>
+              <a:sym typeface="Roboto"/>
+            </a:endParaRPr>
+          </a:p>
+        </p:txBody>
+      </p:sp>
+      <p:sp>
+        <p:nvSpPr>
+          <p:cNvPr id="3" name="TextBox 2">
+            <a:extLst>
+              <a:ext uri="{FF2B5EF4-FFF2-40B4-BE49-F238E27FC236}">
+                <a16:creationId xmlns:a16="http://schemas.microsoft.com/office/drawing/2014/main" id="{5D0B4E50-32E8-2A48-80C2-3D7BA3201957}"/>
+              </a:ext>
+            </a:extLst>
+          </p:cNvPr>
+          <p:cNvSpPr txBox="1"/>
+          <p:nvPr/>
+        </p:nvSpPr>
+        <p:spPr>
+          <a:xfrm>
+            <a:off x="246490" y="911282"/>
+            <a:ext cx="8211710" cy="369332"/>
+          </a:xfrm>
+          <a:prstGeom prst="rect">
+            <a:avLst/>
+          </a:prstGeom>
+          <a:noFill/>
+        </p:spPr>
+        <p:txBody>
+          <a:bodyPr wrap="square" rtlCol="0">
+            <a:spAutoFit/>
+          </a:bodyPr>
+          <a:lstStyle/>
+          <a:p>
+            <a:pPr marL="285750" indent="-285750">
+              <a:spcAft>
+                <a:spcPts val="1200"/>
+              </a:spcAft>
+              <a:buFont typeface="Arial" panose="020B0604020202020204" pitchFamily="34" charset="0"/>
+              <a:buChar char="•"/>
+            </a:pPr>
+            <a:endParaRPr lang="en-BR" sz="1800" dirty="0"/>
+          </a:p>
+        </p:txBody>
+      </p:sp>
+      <p:pic>
+        <p:nvPicPr>
+          <p:cNvPr id="1026" name="Picture 2" descr="O Docker está depreciado no Kubernetes. E com o que devemos nos preocupar?  – Developer Initiative">
+            <a:extLst>
+              <a:ext uri="{FF2B5EF4-FFF2-40B4-BE49-F238E27FC236}">
+                <a16:creationId xmlns:a16="http://schemas.microsoft.com/office/drawing/2014/main" id="{BE149A8C-7C71-0C47-9E20-88C13C5239CC}"/>
+              </a:ext>
+            </a:extLst>
+          </p:cNvPr>
+          <p:cNvPicPr>
+            <a:picLocks noChangeAspect="1" noChangeArrowheads="1"/>
+          </p:cNvPicPr>
+          <p:nvPr/>
+        </p:nvPicPr>
+        <p:blipFill>
+          <a:blip r:embed="rId3">
+            <a:extLst>
+              <a:ext uri="{28A0092B-C50C-407E-A947-70E740481C1C}">
+                <a14:useLocalDpi xmlns:a14="http://schemas.microsoft.com/office/drawing/2010/main" val="0"/>
+              </a:ext>
+            </a:extLst>
+          </a:blip>
+          <a:srcRect/>
+          <a:stretch>
+            <a:fillRect/>
+          </a:stretch>
+        </p:blipFill>
+        <p:spPr bwMode="auto">
+          <a:xfrm>
+            <a:off x="3334799" y="911282"/>
+            <a:ext cx="2474402" cy="3430494"/>
+          </a:xfrm>
+          <a:prstGeom prst="rect">
+            <a:avLst/>
+          </a:prstGeom>
+          <a:noFill/>
+          <a:extLst>
+            <a:ext uri="{909E8E84-426E-40DD-AFC4-6F175D3DCCD1}">
+              <a14:hiddenFill xmlns:a14="http://schemas.microsoft.com/office/drawing/2010/main">
+                <a:solidFill>
+                  <a:srgbClr val="FFFFFF"/>
+                </a:solidFill>
+              </a14:hiddenFill>
+            </a:ext>
+          </a:extLst>
+        </p:spPr>
+      </p:pic>
+    </p:spTree>
   </p:cSld>
   <p:clrMapOvr>
     <a:masterClrMapping/>
@@ -19954,7 +19207,7 @@
                 <a:latin typeface="Roboto" panose="02000000000000000000" pitchFamily="2" charset="0"/>
                 <a:ea typeface="Roboto" panose="02000000000000000000" pitchFamily="2" charset="0"/>
               </a:rPr>
-              <a:t> o </a:t>
+              <a:t> a </a:t>
             </a:r>
             <a:r>
               <a:rPr lang="en-US" dirty="0" err="1">
@@ -20779,8 +20032,8 @@
         </p:nvSpPr>
         <p:spPr>
           <a:xfrm>
-            <a:off x="330612" y="911282"/>
-            <a:ext cx="8121625" cy="1785104"/>
+            <a:off x="402175" y="911282"/>
+            <a:ext cx="8121625" cy="1046440"/>
           </a:xfrm>
           <a:prstGeom prst="rect">
             <a:avLst/>
@@ -20889,113 +20142,55 @@
               <a:t>;</a:t>
             </a:r>
           </a:p>
-          <a:p>
-            <a:pPr marL="285750" indent="-285750">
-              <a:spcAft>
-                <a:spcPts val="1200"/>
-              </a:spcAft>
-              <a:buFont typeface="Arial" panose="020B0604020202020204" pitchFamily="34" charset="0"/>
-              <a:buChar char="•"/>
-            </a:pPr>
-            <a:r>
-              <a:rPr lang="en-US" dirty="0" err="1">
-                <a:solidFill>
-                  <a:srgbClr val="0B214A"/>
-                </a:solidFill>
-                <a:latin typeface="Roboto" panose="02000000000000000000" pitchFamily="2" charset="0"/>
-                <a:ea typeface="Roboto" panose="02000000000000000000" pitchFamily="2" charset="0"/>
-              </a:rPr>
-              <a:t>Frequentemente</a:t>
-            </a:r>
-            <a:r>
-              <a:rPr lang="en-US" dirty="0">
-                <a:solidFill>
-                  <a:srgbClr val="0B214A"/>
-                </a:solidFill>
-                <a:latin typeface="Roboto" panose="02000000000000000000" pitchFamily="2" charset="0"/>
-                <a:ea typeface="Roboto" panose="02000000000000000000" pitchFamily="2" charset="0"/>
-              </a:rPr>
-              <a:t> </a:t>
-            </a:r>
-            <a:r>
-              <a:rPr lang="en-US" dirty="0" err="1">
-                <a:solidFill>
-                  <a:srgbClr val="0B214A"/>
-                </a:solidFill>
-                <a:latin typeface="Roboto" panose="02000000000000000000" pitchFamily="2" charset="0"/>
-                <a:ea typeface="Roboto" panose="02000000000000000000" pitchFamily="2" charset="0"/>
-              </a:rPr>
-              <a:t>funciona</a:t>
-            </a:r>
-            <a:r>
-              <a:rPr lang="en-US" dirty="0">
-                <a:solidFill>
-                  <a:srgbClr val="0B214A"/>
-                </a:solidFill>
-                <a:latin typeface="Roboto" panose="02000000000000000000" pitchFamily="2" charset="0"/>
-                <a:ea typeface="Roboto" panose="02000000000000000000" pitchFamily="2" charset="0"/>
-              </a:rPr>
-              <a:t> </a:t>
-            </a:r>
-            <a:r>
-              <a:rPr lang="en-US" dirty="0" err="1">
-                <a:solidFill>
-                  <a:srgbClr val="0B214A"/>
-                </a:solidFill>
-                <a:latin typeface="Roboto" panose="02000000000000000000" pitchFamily="2" charset="0"/>
-                <a:ea typeface="Roboto" panose="02000000000000000000" pitchFamily="2" charset="0"/>
-              </a:rPr>
-              <a:t>em</a:t>
-            </a:r>
-            <a:r>
-              <a:rPr lang="en-US" dirty="0">
-                <a:solidFill>
-                  <a:srgbClr val="0B214A"/>
-                </a:solidFill>
-                <a:latin typeface="Roboto" panose="02000000000000000000" pitchFamily="2" charset="0"/>
-                <a:ea typeface="Roboto" panose="02000000000000000000" pitchFamily="2" charset="0"/>
-              </a:rPr>
-              <a:t> conjunto com service meshes (</a:t>
-            </a:r>
-            <a:r>
-              <a:rPr lang="en-US" dirty="0" err="1">
-                <a:solidFill>
-                  <a:srgbClr val="0B214A"/>
-                </a:solidFill>
-                <a:latin typeface="Roboto" panose="02000000000000000000" pitchFamily="2" charset="0"/>
-                <a:ea typeface="Roboto" panose="02000000000000000000" pitchFamily="2" charset="0"/>
-              </a:rPr>
-              <a:t>istio</a:t>
-            </a:r>
-            <a:r>
-              <a:rPr lang="en-US" dirty="0">
-                <a:solidFill>
-                  <a:srgbClr val="0B214A"/>
-                </a:solidFill>
-                <a:latin typeface="Roboto" panose="02000000000000000000" pitchFamily="2" charset="0"/>
-                <a:ea typeface="Roboto" panose="02000000000000000000" pitchFamily="2" charset="0"/>
-              </a:rPr>
-              <a:t>).</a:t>
-            </a:r>
-          </a:p>
-          <a:p>
-            <a:pPr marL="285750" indent="-285750">
-              <a:spcAft>
-                <a:spcPts val="1200"/>
-              </a:spcAft>
-              <a:buFont typeface="Arial" panose="020B0604020202020204" pitchFamily="34" charset="0"/>
-              <a:buChar char="•"/>
-            </a:pPr>
-            <a:endParaRPr lang="en-US" dirty="0">
-              <a:solidFill>
-                <a:srgbClr val="0B214A"/>
-              </a:solidFill>
-              <a:latin typeface="Roboto" panose="02000000000000000000" pitchFamily="2" charset="0"/>
-              <a:ea typeface="Roboto" panose="02000000000000000000" pitchFamily="2" charset="0"/>
-            </a:endParaRPr>
-          </a:p>
         </p:txBody>
       </p:sp>
+      <p:pic>
+        <p:nvPicPr>
+          <p:cNvPr id="8" name="Picture 2" descr="Kubernetes na AWS | Amazon Web Services">
+            <a:extLst>
+              <a:ext uri="{FF2B5EF4-FFF2-40B4-BE49-F238E27FC236}">
+                <a16:creationId xmlns:a16="http://schemas.microsoft.com/office/drawing/2014/main" id="{AF9C912A-327E-E547-B2B8-E09577D7A5A1}"/>
+              </a:ext>
+            </a:extLst>
+          </p:cNvPr>
+          <p:cNvPicPr>
+            <a:picLocks noChangeAspect="1" noChangeArrowheads="1"/>
+          </p:cNvPicPr>
+          <p:nvPr/>
+        </p:nvPicPr>
+        <p:blipFill>
+          <a:blip r:embed="rId3">
+            <a:extLst>
+              <a:ext uri="{28A0092B-C50C-407E-A947-70E740481C1C}">
+                <a14:useLocalDpi xmlns:a14="http://schemas.microsoft.com/office/drawing/2010/main" val="0"/>
+              </a:ext>
+            </a:extLst>
+          </a:blip>
+          <a:srcRect/>
+          <a:stretch>
+            <a:fillRect/>
+          </a:stretch>
+        </p:blipFill>
+        <p:spPr bwMode="auto">
+          <a:xfrm>
+            <a:off x="3646074" y="2106602"/>
+            <a:ext cx="1866755" cy="1415623"/>
+          </a:xfrm>
+          <a:prstGeom prst="rect">
+            <a:avLst/>
+          </a:prstGeom>
+          <a:noFill/>
+          <a:extLst>
+            <a:ext uri="{909E8E84-426E-40DD-AFC4-6F175D3DCCD1}">
+              <a14:hiddenFill xmlns:a14="http://schemas.microsoft.com/office/drawing/2010/main">
+                <a:solidFill>
+                  <a:srgbClr val="FFFFFF"/>
+                </a:solidFill>
+              </a14:hiddenFill>
+            </a:ext>
+          </a:extLst>
+        </p:spPr>
+      </p:pic>
     </p:spTree>
     <p:extLst>
       <p:ext uri="{BB962C8B-B14F-4D97-AF65-F5344CB8AC3E}">
@@ -22244,7 +21439,7 @@
                 <a:cs typeface="Roboto"/>
                 <a:sym typeface="Roboto"/>
               </a:rPr>
-              <a:t>O que é um container?</a:t>
+              <a:t>Container != Máquina Virtual</a:t>
             </a:r>
             <a:endParaRPr sz="2400" b="1" dirty="0">
               <a:solidFill>
@@ -22260,10 +21455,10 @@
       </p:sp>
       <p:sp>
         <p:nvSpPr>
-          <p:cNvPr id="3" name="TextBox 2">
+          <p:cNvPr id="7" name="TextBox 6">
             <a:extLst>
               <a:ext uri="{FF2B5EF4-FFF2-40B4-BE49-F238E27FC236}">
-                <a16:creationId xmlns:a16="http://schemas.microsoft.com/office/drawing/2014/main" id="{5D0B4E50-32E8-2A48-80C2-3D7BA3201957}"/>
+                <a16:creationId xmlns:a16="http://schemas.microsoft.com/office/drawing/2014/main" id="{F73CB89D-FBCE-DA47-9145-6C08E544E686}"/>
               </a:ext>
             </a:extLst>
           </p:cNvPr>
@@ -22273,7 +21468,7 @@
         <p:spPr>
           <a:xfrm>
             <a:off x="246490" y="911282"/>
-            <a:ext cx="8211710" cy="369332"/>
+            <a:ext cx="8449454" cy="369332"/>
           </a:xfrm>
           <a:prstGeom prst="rect">
             <a:avLst/>
@@ -22293,58 +21488,1032 @@
               <a:buFont typeface="Arial" panose="020B0604020202020204" pitchFamily="34" charset="0"/>
               <a:buChar char="•"/>
             </a:pPr>
-            <a:endParaRPr lang="en-BR" sz="1800" dirty="0"/>
+            <a:endParaRPr lang="pt-BR" sz="1800" dirty="0"/>
           </a:p>
         </p:txBody>
       </p:sp>
-      <p:pic>
-        <p:nvPicPr>
-          <p:cNvPr id="1026" name="Picture 2" descr="O Docker está depreciado no Kubernetes. E com o que devemos nos preocupar?  – Developer Initiative">
+      <p:sp>
+        <p:nvSpPr>
+          <p:cNvPr id="6" name="TextBox 5">
             <a:extLst>
               <a:ext uri="{FF2B5EF4-FFF2-40B4-BE49-F238E27FC236}">
-                <a16:creationId xmlns:a16="http://schemas.microsoft.com/office/drawing/2014/main" id="{BE149A8C-7C71-0C47-9E20-88C13C5239CC}"/>
+                <a16:creationId xmlns:a16="http://schemas.microsoft.com/office/drawing/2014/main" id="{E6343561-60DB-2944-BA69-6FCBDC7526F5}"/>
               </a:ext>
             </a:extLst>
           </p:cNvPr>
-          <p:cNvPicPr>
-            <a:picLocks noChangeAspect="1" noChangeArrowheads="1"/>
-          </p:cNvPicPr>
+          <p:cNvSpPr txBox="1"/>
           <p:nvPr/>
-        </p:nvPicPr>
-        <p:blipFill>
-          <a:blip r:embed="rId3">
-            <a:extLst>
-              <a:ext uri="{28A0092B-C50C-407E-A947-70E740481C1C}">
-                <a14:useLocalDpi xmlns:a14="http://schemas.microsoft.com/office/drawing/2010/main" val="0"/>
-              </a:ext>
-            </a:extLst>
-          </a:blip>
-          <a:srcRect/>
-          <a:stretch>
-            <a:fillRect/>
-          </a:stretch>
-        </p:blipFill>
-        <p:spPr bwMode="auto">
+        </p:nvSpPr>
+        <p:spPr>
           <a:xfrm>
-            <a:off x="3334799" y="911282"/>
-            <a:ext cx="2474402" cy="3430494"/>
+            <a:off x="330612" y="911282"/>
+            <a:ext cx="8121625" cy="3241913"/>
           </a:xfrm>
           <a:prstGeom prst="rect">
             <a:avLst/>
           </a:prstGeom>
           <a:noFill/>
-          <a:extLst>
-            <a:ext uri="{909E8E84-426E-40DD-AFC4-6F175D3DCCD1}">
-              <a14:hiddenFill xmlns:a14="http://schemas.microsoft.com/office/drawing/2010/main">
-                <a:solidFill>
-                  <a:srgbClr val="FFFFFF"/>
-                </a:solidFill>
-              </a14:hiddenFill>
-            </a:ext>
-          </a:extLst>
         </p:spPr>
-      </p:pic>
+        <p:txBody>
+          <a:bodyPr wrap="square">
+            <a:spAutoFit/>
+          </a:bodyPr>
+          <a:lstStyle/>
+          <a:p>
+            <a:pPr marL="285750" indent="-285750">
+              <a:spcAft>
+                <a:spcPts val="1200"/>
+              </a:spcAft>
+              <a:buFont typeface="Arial" panose="020B0604020202020204" pitchFamily="34" charset="0"/>
+              <a:buChar char="•"/>
+            </a:pPr>
+            <a:r>
+              <a:rPr lang="en-US" b="0" i="0" dirty="0">
+                <a:solidFill>
+                  <a:srgbClr val="0B214A"/>
+                </a:solidFill>
+                <a:effectLst/>
+                <a:latin typeface="Roboto" panose="02000000000000000000" pitchFamily="2" charset="0"/>
+                <a:ea typeface="Roboto" panose="02000000000000000000" pitchFamily="2" charset="0"/>
+              </a:rPr>
+              <a:t>Containers </a:t>
+            </a:r>
+            <a:r>
+              <a:rPr lang="en-US" b="0" i="0" dirty="0" err="1">
+                <a:solidFill>
+                  <a:srgbClr val="0B214A"/>
+                </a:solidFill>
+                <a:effectLst/>
+                <a:latin typeface="Roboto" panose="02000000000000000000" pitchFamily="2" charset="0"/>
+                <a:ea typeface="Roboto" panose="02000000000000000000" pitchFamily="2" charset="0"/>
+              </a:rPr>
+              <a:t>virtualizam</a:t>
+            </a:r>
+            <a:r>
+              <a:rPr lang="en-US" b="0" i="0" dirty="0">
+                <a:solidFill>
+                  <a:srgbClr val="0B214A"/>
+                </a:solidFill>
+                <a:effectLst/>
+                <a:latin typeface="Roboto" panose="02000000000000000000" pitchFamily="2" charset="0"/>
+                <a:ea typeface="Roboto" panose="02000000000000000000" pitchFamily="2" charset="0"/>
+              </a:rPr>
+              <a:t> o Sistema </a:t>
+            </a:r>
+            <a:r>
+              <a:rPr lang="en-US" b="0" i="0" dirty="0" err="1">
+                <a:solidFill>
+                  <a:srgbClr val="0B214A"/>
+                </a:solidFill>
+                <a:effectLst/>
+                <a:latin typeface="Roboto" panose="02000000000000000000" pitchFamily="2" charset="0"/>
+                <a:ea typeface="Roboto" panose="02000000000000000000" pitchFamily="2" charset="0"/>
+              </a:rPr>
+              <a:t>operacional</a:t>
+            </a:r>
+            <a:r>
+              <a:rPr lang="en-US" b="0" i="0" dirty="0">
+                <a:solidFill>
+                  <a:srgbClr val="0B214A"/>
+                </a:solidFill>
+                <a:effectLst/>
+                <a:latin typeface="Roboto" panose="02000000000000000000" pitchFamily="2" charset="0"/>
+                <a:ea typeface="Roboto" panose="02000000000000000000" pitchFamily="2" charset="0"/>
+              </a:rPr>
+              <a:t> </a:t>
+            </a:r>
+            <a:r>
+              <a:rPr lang="en-US" b="0" i="0" dirty="0" err="1">
+                <a:solidFill>
+                  <a:srgbClr val="0B214A"/>
+                </a:solidFill>
+                <a:effectLst/>
+                <a:latin typeface="Roboto" panose="02000000000000000000" pitchFamily="2" charset="0"/>
+                <a:ea typeface="Roboto" panose="02000000000000000000" pitchFamily="2" charset="0"/>
+              </a:rPr>
+              <a:t>ao</a:t>
+            </a:r>
+            <a:r>
+              <a:rPr lang="en-US" b="0" i="0" dirty="0">
+                <a:solidFill>
+                  <a:srgbClr val="0B214A"/>
+                </a:solidFill>
+                <a:effectLst/>
+                <a:latin typeface="Roboto" panose="02000000000000000000" pitchFamily="2" charset="0"/>
+                <a:ea typeface="Roboto" panose="02000000000000000000" pitchFamily="2" charset="0"/>
+              </a:rPr>
+              <a:t> </a:t>
+            </a:r>
+            <a:r>
+              <a:rPr lang="en-US" b="0" i="0" dirty="0" err="1">
+                <a:solidFill>
+                  <a:srgbClr val="0B214A"/>
+                </a:solidFill>
+                <a:effectLst/>
+                <a:latin typeface="Roboto" panose="02000000000000000000" pitchFamily="2" charset="0"/>
+                <a:ea typeface="Roboto" panose="02000000000000000000" pitchFamily="2" charset="0"/>
+              </a:rPr>
+              <a:t>invés</a:t>
+            </a:r>
+            <a:r>
+              <a:rPr lang="en-US" b="0" i="0" dirty="0">
+                <a:solidFill>
+                  <a:srgbClr val="0B214A"/>
+                </a:solidFill>
+                <a:effectLst/>
+                <a:latin typeface="Roboto" panose="02000000000000000000" pitchFamily="2" charset="0"/>
+                <a:ea typeface="Roboto" panose="02000000000000000000" pitchFamily="2" charset="0"/>
+              </a:rPr>
+              <a:t> de hardware</a:t>
+            </a:r>
+            <a:r>
+              <a:rPr lang="en-US" dirty="0">
+                <a:solidFill>
+                  <a:srgbClr val="0B214A"/>
+                </a:solidFill>
+                <a:latin typeface="Roboto" panose="02000000000000000000" pitchFamily="2" charset="0"/>
+                <a:ea typeface="Roboto" panose="02000000000000000000" pitchFamily="2" charset="0"/>
+              </a:rPr>
+              <a:t>;</a:t>
+            </a:r>
+            <a:endParaRPr lang="en-US" b="0" i="0" dirty="0">
+              <a:solidFill>
+                <a:srgbClr val="0B214A"/>
+              </a:solidFill>
+              <a:effectLst/>
+              <a:latin typeface="Roboto" panose="02000000000000000000" pitchFamily="2" charset="0"/>
+              <a:ea typeface="Roboto" panose="02000000000000000000" pitchFamily="2" charset="0"/>
+            </a:endParaRPr>
+          </a:p>
+          <a:p>
+            <a:pPr marL="285750" indent="-285750">
+              <a:spcAft>
+                <a:spcPts val="1200"/>
+              </a:spcAft>
+              <a:buFont typeface="Arial" panose="020B0604020202020204" pitchFamily="34" charset="0"/>
+              <a:buChar char="•"/>
+            </a:pPr>
+            <a:r>
+              <a:rPr lang="en-US" b="0" i="0" dirty="0" err="1">
+                <a:solidFill>
+                  <a:srgbClr val="0B214A"/>
+                </a:solidFill>
+                <a:effectLst/>
+                <a:latin typeface="Roboto" panose="02000000000000000000" pitchFamily="2" charset="0"/>
+                <a:ea typeface="Roboto" panose="02000000000000000000" pitchFamily="2" charset="0"/>
+              </a:rPr>
+              <a:t>Todos</a:t>
+            </a:r>
+            <a:r>
+              <a:rPr lang="en-US" b="0" i="0" dirty="0">
+                <a:solidFill>
+                  <a:srgbClr val="0B214A"/>
+                </a:solidFill>
+                <a:effectLst/>
+                <a:latin typeface="Roboto" panose="02000000000000000000" pitchFamily="2" charset="0"/>
+                <a:ea typeface="Roboto" panose="02000000000000000000" pitchFamily="2" charset="0"/>
+              </a:rPr>
+              <a:t> </a:t>
+            </a:r>
+            <a:r>
+              <a:rPr lang="en-US" b="0" i="0" dirty="0" err="1">
+                <a:solidFill>
+                  <a:srgbClr val="0B214A"/>
+                </a:solidFill>
+                <a:effectLst/>
+                <a:latin typeface="Roboto" panose="02000000000000000000" pitchFamily="2" charset="0"/>
+                <a:ea typeface="Roboto" panose="02000000000000000000" pitchFamily="2" charset="0"/>
+              </a:rPr>
+              <a:t>os</a:t>
+            </a:r>
+            <a:r>
+              <a:rPr lang="en-US" b="0" i="0" dirty="0">
+                <a:solidFill>
+                  <a:srgbClr val="0B214A"/>
+                </a:solidFill>
+                <a:effectLst/>
+                <a:latin typeface="Roboto" panose="02000000000000000000" pitchFamily="2" charset="0"/>
+                <a:ea typeface="Roboto" panose="02000000000000000000" pitchFamily="2" charset="0"/>
+              </a:rPr>
+              <a:t> containers </a:t>
+            </a:r>
+            <a:r>
+              <a:rPr lang="en-US" b="0" i="0" dirty="0" err="1">
+                <a:solidFill>
+                  <a:srgbClr val="0B214A"/>
+                </a:solidFill>
+                <a:effectLst/>
+                <a:latin typeface="Roboto" panose="02000000000000000000" pitchFamily="2" charset="0"/>
+                <a:ea typeface="Roboto" panose="02000000000000000000" pitchFamily="2" charset="0"/>
+              </a:rPr>
+              <a:t>compartilham</a:t>
+            </a:r>
+            <a:r>
+              <a:rPr lang="en-US" b="0" i="0" dirty="0">
+                <a:solidFill>
+                  <a:srgbClr val="0B214A"/>
+                </a:solidFill>
+                <a:effectLst/>
+                <a:latin typeface="Roboto" panose="02000000000000000000" pitchFamily="2" charset="0"/>
+                <a:ea typeface="Roboto" panose="02000000000000000000" pitchFamily="2" charset="0"/>
+              </a:rPr>
+              <a:t> </a:t>
+            </a:r>
+            <a:r>
+              <a:rPr lang="en-US" b="0" i="0" dirty="0" err="1">
+                <a:solidFill>
+                  <a:srgbClr val="0B214A"/>
+                </a:solidFill>
+                <a:effectLst/>
+                <a:latin typeface="Roboto" panose="02000000000000000000" pitchFamily="2" charset="0"/>
+                <a:ea typeface="Roboto" panose="02000000000000000000" pitchFamily="2" charset="0"/>
+              </a:rPr>
+              <a:t>recursos</a:t>
+            </a:r>
+            <a:r>
+              <a:rPr lang="en-US" b="0" i="0" dirty="0">
+                <a:solidFill>
+                  <a:srgbClr val="0B214A"/>
+                </a:solidFill>
+                <a:effectLst/>
+                <a:latin typeface="Roboto" panose="02000000000000000000" pitchFamily="2" charset="0"/>
+                <a:ea typeface="Roboto" panose="02000000000000000000" pitchFamily="2" charset="0"/>
+              </a:rPr>
+              <a:t> do </a:t>
+            </a:r>
+            <a:r>
+              <a:rPr lang="en-US" b="0" i="0" dirty="0" err="1">
+                <a:solidFill>
+                  <a:srgbClr val="0B214A"/>
+                </a:solidFill>
+                <a:effectLst/>
+                <a:latin typeface="Roboto" panose="02000000000000000000" pitchFamily="2" charset="0"/>
+                <a:ea typeface="Roboto" panose="02000000000000000000" pitchFamily="2" charset="0"/>
+              </a:rPr>
+              <a:t>mesmo</a:t>
+            </a:r>
+            <a:r>
+              <a:rPr lang="en-US" b="0" i="0" dirty="0">
+                <a:solidFill>
+                  <a:srgbClr val="0B214A"/>
+                </a:solidFill>
+                <a:effectLst/>
+                <a:latin typeface="Roboto" panose="02000000000000000000" pitchFamily="2" charset="0"/>
+                <a:ea typeface="Roboto" panose="02000000000000000000" pitchFamily="2" charset="0"/>
+              </a:rPr>
+              <a:t> </a:t>
+            </a:r>
+            <a:r>
+              <a:rPr lang="en-US" b="0" i="0" dirty="0" err="1">
+                <a:solidFill>
+                  <a:srgbClr val="0B214A"/>
+                </a:solidFill>
+                <a:effectLst/>
+                <a:latin typeface="Roboto" panose="02000000000000000000" pitchFamily="2" charset="0"/>
+                <a:ea typeface="Roboto" panose="02000000000000000000" pitchFamily="2" charset="0"/>
+              </a:rPr>
+              <a:t>sistema</a:t>
+            </a:r>
+            <a:r>
+              <a:rPr lang="en-US" b="0" i="0" dirty="0">
+                <a:solidFill>
+                  <a:srgbClr val="0B214A"/>
+                </a:solidFill>
+                <a:effectLst/>
+                <a:latin typeface="Roboto" panose="02000000000000000000" pitchFamily="2" charset="0"/>
+                <a:ea typeface="Roboto" panose="02000000000000000000" pitchFamily="2" charset="0"/>
+              </a:rPr>
+              <a:t> </a:t>
+            </a:r>
+            <a:r>
+              <a:rPr lang="en-US" b="0" i="0" dirty="0" err="1">
+                <a:solidFill>
+                  <a:srgbClr val="0B214A"/>
+                </a:solidFill>
+                <a:effectLst/>
+                <a:latin typeface="Roboto" panose="02000000000000000000" pitchFamily="2" charset="0"/>
+                <a:ea typeface="Roboto" panose="02000000000000000000" pitchFamily="2" charset="0"/>
+              </a:rPr>
+              <a:t>operacional</a:t>
+            </a:r>
+            <a:r>
+              <a:rPr lang="en-US" b="0" i="0" dirty="0">
+                <a:solidFill>
+                  <a:srgbClr val="0B214A"/>
+                </a:solidFill>
+                <a:effectLst/>
+                <a:latin typeface="Roboto" panose="02000000000000000000" pitchFamily="2" charset="0"/>
+                <a:ea typeface="Roboto" panose="02000000000000000000" pitchFamily="2" charset="0"/>
+              </a:rPr>
+              <a:t> da </a:t>
+            </a:r>
+            <a:r>
+              <a:rPr lang="en-US" b="0" i="0" dirty="0" err="1">
+                <a:solidFill>
+                  <a:srgbClr val="0B214A"/>
+                </a:solidFill>
+                <a:effectLst/>
+                <a:latin typeface="Roboto" panose="02000000000000000000" pitchFamily="2" charset="0"/>
+                <a:ea typeface="Roboto" panose="02000000000000000000" pitchFamily="2" charset="0"/>
+              </a:rPr>
+              <a:t>máquina</a:t>
+            </a:r>
+            <a:r>
+              <a:rPr lang="en-US" b="0" i="0" dirty="0">
+                <a:solidFill>
+                  <a:srgbClr val="0B214A"/>
+                </a:solidFill>
+                <a:effectLst/>
+                <a:latin typeface="Roboto" panose="02000000000000000000" pitchFamily="2" charset="0"/>
+                <a:ea typeface="Roboto" panose="02000000000000000000" pitchFamily="2" charset="0"/>
+              </a:rPr>
+              <a:t>, </a:t>
+            </a:r>
+            <a:r>
+              <a:rPr lang="en-US" b="0" i="0" dirty="0" err="1">
+                <a:solidFill>
+                  <a:srgbClr val="0B214A"/>
+                </a:solidFill>
+                <a:effectLst/>
+                <a:latin typeface="Roboto" panose="02000000000000000000" pitchFamily="2" charset="0"/>
+                <a:ea typeface="Roboto" panose="02000000000000000000" pitchFamily="2" charset="0"/>
+              </a:rPr>
+              <a:t>rodando</a:t>
+            </a:r>
+            <a:r>
+              <a:rPr lang="en-US" b="0" i="0" dirty="0">
+                <a:solidFill>
+                  <a:srgbClr val="0B214A"/>
+                </a:solidFill>
+                <a:effectLst/>
+                <a:latin typeface="Roboto" panose="02000000000000000000" pitchFamily="2" charset="0"/>
+                <a:ea typeface="Roboto" panose="02000000000000000000" pitchFamily="2" charset="0"/>
+              </a:rPr>
+              <a:t> </a:t>
+            </a:r>
+            <a:r>
+              <a:rPr lang="en-US" b="0" i="0" dirty="0" err="1">
+                <a:solidFill>
+                  <a:srgbClr val="0B214A"/>
+                </a:solidFill>
+                <a:effectLst/>
+                <a:latin typeface="Roboto" panose="02000000000000000000" pitchFamily="2" charset="0"/>
+                <a:ea typeface="Roboto" panose="02000000000000000000" pitchFamily="2" charset="0"/>
+              </a:rPr>
+              <a:t>como</a:t>
+            </a:r>
+            <a:r>
+              <a:rPr lang="en-US" b="0" i="0" dirty="0">
+                <a:solidFill>
+                  <a:srgbClr val="0B214A"/>
+                </a:solidFill>
+                <a:effectLst/>
+                <a:latin typeface="Roboto" panose="02000000000000000000" pitchFamily="2" charset="0"/>
+                <a:ea typeface="Roboto" panose="02000000000000000000" pitchFamily="2" charset="0"/>
+              </a:rPr>
+              <a:t> </a:t>
+            </a:r>
+            <a:r>
+              <a:rPr lang="en-US" b="0" i="0" dirty="0" err="1">
+                <a:solidFill>
+                  <a:srgbClr val="0B214A"/>
+                </a:solidFill>
+                <a:effectLst/>
+                <a:latin typeface="Roboto" panose="02000000000000000000" pitchFamily="2" charset="0"/>
+                <a:ea typeface="Roboto" panose="02000000000000000000" pitchFamily="2" charset="0"/>
+              </a:rPr>
+              <a:t>processo</a:t>
+            </a:r>
+            <a:r>
+              <a:rPr lang="en-US" dirty="0" err="1">
+                <a:solidFill>
+                  <a:srgbClr val="0B214A"/>
+                </a:solidFill>
+                <a:latin typeface="Roboto" panose="02000000000000000000" pitchFamily="2" charset="0"/>
+                <a:ea typeface="Roboto" panose="02000000000000000000" pitchFamily="2" charset="0"/>
+              </a:rPr>
+              <a:t>s</a:t>
+            </a:r>
+            <a:r>
+              <a:rPr lang="en-US" dirty="0">
+                <a:solidFill>
+                  <a:srgbClr val="0B214A"/>
+                </a:solidFill>
+                <a:latin typeface="Roboto" panose="02000000000000000000" pitchFamily="2" charset="0"/>
+                <a:ea typeface="Roboto" panose="02000000000000000000" pitchFamily="2" charset="0"/>
+              </a:rPr>
+              <a:t> </a:t>
+            </a:r>
+            <a:r>
+              <a:rPr lang="en-US" dirty="0" err="1">
+                <a:solidFill>
+                  <a:srgbClr val="0B214A"/>
+                </a:solidFill>
+                <a:latin typeface="Roboto" panose="02000000000000000000" pitchFamily="2" charset="0"/>
+                <a:ea typeface="Roboto" panose="02000000000000000000" pitchFamily="2" charset="0"/>
+              </a:rPr>
+              <a:t>isolados</a:t>
+            </a:r>
+            <a:r>
+              <a:rPr lang="en-US" dirty="0">
+                <a:solidFill>
+                  <a:srgbClr val="0B214A"/>
+                </a:solidFill>
+                <a:latin typeface="Roboto" panose="02000000000000000000" pitchFamily="2" charset="0"/>
+                <a:ea typeface="Roboto" panose="02000000000000000000" pitchFamily="2" charset="0"/>
+              </a:rPr>
+              <a:t> no </a:t>
+            </a:r>
+            <a:r>
+              <a:rPr lang="en-US" dirty="0" err="1">
+                <a:solidFill>
+                  <a:srgbClr val="0B214A"/>
+                </a:solidFill>
+                <a:latin typeface="Roboto" panose="02000000000000000000" pitchFamily="2" charset="0"/>
+                <a:ea typeface="Roboto" panose="02000000000000000000" pitchFamily="2" charset="0"/>
+              </a:rPr>
+              <a:t>espaço</a:t>
+            </a:r>
+            <a:r>
+              <a:rPr lang="en-US" dirty="0">
+                <a:solidFill>
+                  <a:srgbClr val="0B214A"/>
+                </a:solidFill>
+                <a:latin typeface="Roboto" panose="02000000000000000000" pitchFamily="2" charset="0"/>
+                <a:ea typeface="Roboto" panose="02000000000000000000" pitchFamily="2" charset="0"/>
+              </a:rPr>
+              <a:t> do </a:t>
+            </a:r>
+            <a:r>
+              <a:rPr lang="en-US" dirty="0" err="1">
+                <a:solidFill>
+                  <a:srgbClr val="0B214A"/>
+                </a:solidFill>
+                <a:latin typeface="Roboto" panose="02000000000000000000" pitchFamily="2" charset="0"/>
+                <a:ea typeface="Roboto" panose="02000000000000000000" pitchFamily="2" charset="0"/>
+              </a:rPr>
+              <a:t>usuário</a:t>
+            </a:r>
+            <a:r>
+              <a:rPr lang="en-US" b="0" i="0" dirty="0">
+                <a:solidFill>
+                  <a:srgbClr val="0B214A"/>
+                </a:solidFill>
+                <a:effectLst/>
+                <a:latin typeface="Roboto" panose="02000000000000000000" pitchFamily="2" charset="0"/>
+                <a:ea typeface="Roboto" panose="02000000000000000000" pitchFamily="2" charset="0"/>
+              </a:rPr>
+              <a:t>;</a:t>
+            </a:r>
+          </a:p>
+          <a:p>
+            <a:pPr marL="285750" indent="-285750">
+              <a:lnSpc>
+                <a:spcPct val="150000"/>
+              </a:lnSpc>
+              <a:spcAft>
+                <a:spcPts val="1200"/>
+              </a:spcAft>
+              <a:buFont typeface="Arial" panose="020B0604020202020204" pitchFamily="34" charset="0"/>
+              <a:buChar char="•"/>
+            </a:pPr>
+            <a:r>
+              <a:rPr lang="en-US" dirty="0">
+                <a:solidFill>
+                  <a:srgbClr val="0B214A"/>
+                </a:solidFill>
+                <a:latin typeface="Roboto" panose="02000000000000000000" pitchFamily="2" charset="0"/>
+                <a:ea typeface="Roboto" panose="02000000000000000000" pitchFamily="2" charset="0"/>
+              </a:rPr>
+              <a:t>Imagens de containers </a:t>
+            </a:r>
+            <a:r>
+              <a:rPr lang="en-US" dirty="0" err="1">
+                <a:solidFill>
+                  <a:srgbClr val="0B214A"/>
+                </a:solidFill>
+                <a:latin typeface="Roboto" panose="02000000000000000000" pitchFamily="2" charset="0"/>
+                <a:ea typeface="Roboto" panose="02000000000000000000" pitchFamily="2" charset="0"/>
+              </a:rPr>
+              <a:t>são</a:t>
+            </a:r>
+            <a:r>
+              <a:rPr lang="en-US" dirty="0">
+                <a:solidFill>
+                  <a:srgbClr val="0B214A"/>
+                </a:solidFill>
+                <a:latin typeface="Roboto" panose="02000000000000000000" pitchFamily="2" charset="0"/>
+                <a:ea typeface="Roboto" panose="02000000000000000000" pitchFamily="2" charset="0"/>
+              </a:rPr>
+              <a:t> </a:t>
+            </a:r>
+            <a:r>
+              <a:rPr lang="en-US" dirty="0" err="1">
+                <a:solidFill>
+                  <a:srgbClr val="0B214A"/>
+                </a:solidFill>
+                <a:latin typeface="Roboto" panose="02000000000000000000" pitchFamily="2" charset="0"/>
+                <a:ea typeface="Roboto" panose="02000000000000000000" pitchFamily="2" charset="0"/>
+              </a:rPr>
+              <a:t>muito</a:t>
+            </a:r>
+            <a:r>
+              <a:rPr lang="en-US" dirty="0">
+                <a:solidFill>
+                  <a:srgbClr val="0B214A"/>
+                </a:solidFill>
+                <a:latin typeface="Roboto" panose="02000000000000000000" pitchFamily="2" charset="0"/>
+                <a:ea typeface="Roboto" panose="02000000000000000000" pitchFamily="2" charset="0"/>
+              </a:rPr>
+              <a:t> </a:t>
+            </a:r>
+            <a:r>
+              <a:rPr lang="en-US" dirty="0" err="1">
+                <a:solidFill>
+                  <a:srgbClr val="0B214A"/>
+                </a:solidFill>
+                <a:latin typeface="Roboto" panose="02000000000000000000" pitchFamily="2" charset="0"/>
+                <a:ea typeface="Roboto" panose="02000000000000000000" pitchFamily="2" charset="0"/>
+              </a:rPr>
+              <a:t>menores</a:t>
+            </a:r>
+            <a:r>
+              <a:rPr lang="en-US" dirty="0">
+                <a:solidFill>
+                  <a:srgbClr val="0B214A"/>
+                </a:solidFill>
+                <a:latin typeface="Roboto" panose="02000000000000000000" pitchFamily="2" charset="0"/>
+                <a:ea typeface="Roboto" panose="02000000000000000000" pitchFamily="2" charset="0"/>
+              </a:rPr>
+              <a:t> que imagens de </a:t>
+            </a:r>
+            <a:r>
+              <a:rPr lang="en-US" dirty="0" err="1">
+                <a:solidFill>
+                  <a:srgbClr val="0B214A"/>
+                </a:solidFill>
+                <a:latin typeface="Roboto" panose="02000000000000000000" pitchFamily="2" charset="0"/>
+                <a:ea typeface="Roboto" panose="02000000000000000000" pitchFamily="2" charset="0"/>
+              </a:rPr>
+              <a:t>máquinas</a:t>
+            </a:r>
+            <a:r>
+              <a:rPr lang="en-US" dirty="0">
+                <a:solidFill>
+                  <a:srgbClr val="0B214A"/>
+                </a:solidFill>
+                <a:latin typeface="Roboto" panose="02000000000000000000" pitchFamily="2" charset="0"/>
+                <a:ea typeface="Roboto" panose="02000000000000000000" pitchFamily="2" charset="0"/>
+              </a:rPr>
+              <a:t> </a:t>
+            </a:r>
+            <a:r>
+              <a:rPr lang="en-US" dirty="0" err="1">
+                <a:solidFill>
+                  <a:srgbClr val="0B214A"/>
+                </a:solidFill>
+                <a:latin typeface="Roboto" panose="02000000000000000000" pitchFamily="2" charset="0"/>
+                <a:ea typeface="Roboto" panose="02000000000000000000" pitchFamily="2" charset="0"/>
+              </a:rPr>
+              <a:t>virtuais</a:t>
+            </a:r>
+            <a:r>
+              <a:rPr lang="en-US" dirty="0">
+                <a:solidFill>
+                  <a:srgbClr val="0B214A"/>
+                </a:solidFill>
+                <a:latin typeface="Roboto" panose="02000000000000000000" pitchFamily="2" charset="0"/>
+                <a:ea typeface="Roboto" panose="02000000000000000000" pitchFamily="2" charset="0"/>
+              </a:rPr>
+              <a:t>;</a:t>
+            </a:r>
+          </a:p>
+          <a:p>
+            <a:pPr marL="285750" indent="-285750">
+              <a:lnSpc>
+                <a:spcPct val="150000"/>
+              </a:lnSpc>
+              <a:spcAft>
+                <a:spcPts val="1200"/>
+              </a:spcAft>
+              <a:buFont typeface="Arial" panose="020B0604020202020204" pitchFamily="34" charset="0"/>
+              <a:buChar char="•"/>
+            </a:pPr>
+            <a:r>
+              <a:rPr lang="en-US" dirty="0">
+                <a:solidFill>
+                  <a:srgbClr val="0B214A"/>
+                </a:solidFill>
+                <a:latin typeface="Roboto" panose="02000000000000000000" pitchFamily="2" charset="0"/>
+                <a:ea typeface="Roboto" panose="02000000000000000000" pitchFamily="2" charset="0"/>
+              </a:rPr>
+              <a:t>Containers </a:t>
+            </a:r>
+            <a:r>
+              <a:rPr lang="en-US" dirty="0" err="1">
+                <a:solidFill>
+                  <a:srgbClr val="0B214A"/>
+                </a:solidFill>
+                <a:latin typeface="Roboto" panose="02000000000000000000" pitchFamily="2" charset="0"/>
+                <a:ea typeface="Roboto" panose="02000000000000000000" pitchFamily="2" charset="0"/>
+              </a:rPr>
+              <a:t>são</a:t>
+            </a:r>
+            <a:r>
+              <a:rPr lang="en-US" dirty="0">
+                <a:solidFill>
+                  <a:srgbClr val="0B214A"/>
+                </a:solidFill>
+                <a:latin typeface="Roboto" panose="02000000000000000000" pitchFamily="2" charset="0"/>
+                <a:ea typeface="Roboto" panose="02000000000000000000" pitchFamily="2" charset="0"/>
+              </a:rPr>
+              <a:t> </a:t>
+            </a:r>
+            <a:r>
+              <a:rPr lang="en-US" dirty="0" err="1">
+                <a:solidFill>
+                  <a:srgbClr val="0B214A"/>
+                </a:solidFill>
+                <a:latin typeface="Roboto" panose="02000000000000000000" pitchFamily="2" charset="0"/>
+                <a:ea typeface="Roboto" panose="02000000000000000000" pitchFamily="2" charset="0"/>
+              </a:rPr>
+              <a:t>mais</a:t>
+            </a:r>
+            <a:r>
+              <a:rPr lang="en-US" dirty="0">
+                <a:solidFill>
+                  <a:srgbClr val="0B214A"/>
+                </a:solidFill>
+                <a:latin typeface="Roboto" panose="02000000000000000000" pitchFamily="2" charset="0"/>
+                <a:ea typeface="Roboto" panose="02000000000000000000" pitchFamily="2" charset="0"/>
+              </a:rPr>
+              <a:t> </a:t>
+            </a:r>
+            <a:r>
+              <a:rPr lang="en-US" dirty="0" err="1">
+                <a:solidFill>
+                  <a:srgbClr val="0B214A"/>
+                </a:solidFill>
+                <a:latin typeface="Roboto" panose="02000000000000000000" pitchFamily="2" charset="0"/>
+                <a:ea typeface="Roboto" panose="02000000000000000000" pitchFamily="2" charset="0"/>
+              </a:rPr>
+              <a:t>performáticos</a:t>
+            </a:r>
+            <a:r>
+              <a:rPr lang="en-US" dirty="0">
+                <a:solidFill>
+                  <a:srgbClr val="0B214A"/>
+                </a:solidFill>
+                <a:latin typeface="Roboto" panose="02000000000000000000" pitchFamily="2" charset="0"/>
+                <a:ea typeface="Roboto" panose="02000000000000000000" pitchFamily="2" charset="0"/>
+              </a:rPr>
+              <a:t>;</a:t>
+            </a:r>
+          </a:p>
+          <a:p>
+            <a:pPr marL="285750" indent="-285750">
+              <a:lnSpc>
+                <a:spcPct val="150000"/>
+              </a:lnSpc>
+              <a:spcAft>
+                <a:spcPts val="1200"/>
+              </a:spcAft>
+              <a:buFont typeface="Arial" panose="020B0604020202020204" pitchFamily="34" charset="0"/>
+              <a:buChar char="•"/>
+            </a:pPr>
+            <a:r>
+              <a:rPr lang="en-US" dirty="0" err="1">
+                <a:solidFill>
+                  <a:srgbClr val="0B214A"/>
+                </a:solidFill>
+                <a:latin typeface="Roboto" panose="02000000000000000000" pitchFamily="2" charset="0"/>
+                <a:ea typeface="Roboto" panose="02000000000000000000" pitchFamily="2" charset="0"/>
+              </a:rPr>
+              <a:t>Pode</a:t>
+            </a:r>
+            <a:r>
+              <a:rPr lang="en-US" dirty="0">
+                <a:solidFill>
+                  <a:srgbClr val="0B214A"/>
+                </a:solidFill>
+                <a:latin typeface="Roboto" panose="02000000000000000000" pitchFamily="2" charset="0"/>
+                <a:ea typeface="Roboto" panose="02000000000000000000" pitchFamily="2" charset="0"/>
+              </a:rPr>
+              <a:t> </a:t>
+            </a:r>
+            <a:r>
+              <a:rPr lang="en-US" dirty="0" err="1">
+                <a:solidFill>
+                  <a:srgbClr val="0B214A"/>
+                </a:solidFill>
+                <a:latin typeface="Roboto" panose="02000000000000000000" pitchFamily="2" charset="0"/>
+                <a:ea typeface="Roboto" panose="02000000000000000000" pitchFamily="2" charset="0"/>
+              </a:rPr>
+              <a:t>rodar</a:t>
+            </a:r>
+            <a:r>
+              <a:rPr lang="en-US" dirty="0">
+                <a:solidFill>
+                  <a:srgbClr val="0B214A"/>
+                </a:solidFill>
+                <a:latin typeface="Roboto" panose="02000000000000000000" pitchFamily="2" charset="0"/>
+                <a:ea typeface="Roboto" panose="02000000000000000000" pitchFamily="2" charset="0"/>
+              </a:rPr>
+              <a:t> </a:t>
+            </a:r>
+            <a:r>
+              <a:rPr lang="en-US" dirty="0" err="1">
+                <a:solidFill>
+                  <a:srgbClr val="0B214A"/>
+                </a:solidFill>
+                <a:latin typeface="Roboto" panose="02000000000000000000" pitchFamily="2" charset="0"/>
+                <a:ea typeface="Roboto" panose="02000000000000000000" pitchFamily="2" charset="0"/>
+              </a:rPr>
+              <a:t>vários</a:t>
+            </a:r>
+            <a:r>
+              <a:rPr lang="en-US" dirty="0">
+                <a:solidFill>
+                  <a:srgbClr val="0B214A"/>
+                </a:solidFill>
+                <a:latin typeface="Roboto" panose="02000000000000000000" pitchFamily="2" charset="0"/>
+                <a:ea typeface="Roboto" panose="02000000000000000000" pitchFamily="2" charset="0"/>
+              </a:rPr>
+              <a:t> containers no </a:t>
+            </a:r>
+            <a:r>
+              <a:rPr lang="en-US" dirty="0" err="1">
+                <a:solidFill>
+                  <a:srgbClr val="0B214A"/>
+                </a:solidFill>
+                <a:latin typeface="Roboto" panose="02000000000000000000" pitchFamily="2" charset="0"/>
+                <a:ea typeface="Roboto" panose="02000000000000000000" pitchFamily="2" charset="0"/>
+              </a:rPr>
+              <a:t>mesmo</a:t>
+            </a:r>
+            <a:r>
+              <a:rPr lang="en-US" dirty="0">
+                <a:solidFill>
+                  <a:srgbClr val="0B214A"/>
+                </a:solidFill>
+                <a:latin typeface="Roboto" panose="02000000000000000000" pitchFamily="2" charset="0"/>
+                <a:ea typeface="Roboto" panose="02000000000000000000" pitchFamily="2" charset="0"/>
+              </a:rPr>
+              <a:t> </a:t>
+            </a:r>
+            <a:r>
+              <a:rPr lang="en-US" dirty="0" err="1">
+                <a:solidFill>
+                  <a:srgbClr val="0B214A"/>
+                </a:solidFill>
+                <a:latin typeface="Roboto" panose="02000000000000000000" pitchFamily="2" charset="0"/>
+                <a:ea typeface="Roboto" panose="02000000000000000000" pitchFamily="2" charset="0"/>
+              </a:rPr>
+              <a:t>ambiente</a:t>
+            </a:r>
+            <a:r>
+              <a:rPr lang="en-US" dirty="0">
+                <a:solidFill>
+                  <a:srgbClr val="0B214A"/>
+                </a:solidFill>
+                <a:latin typeface="Roboto" panose="02000000000000000000" pitchFamily="2" charset="0"/>
+                <a:ea typeface="Roboto" panose="02000000000000000000" pitchFamily="2" charset="0"/>
+              </a:rPr>
+              <a:t>;</a:t>
+            </a:r>
+          </a:p>
+          <a:p>
+            <a:pPr marL="285750" indent="-285750">
+              <a:lnSpc>
+                <a:spcPct val="150000"/>
+              </a:lnSpc>
+              <a:spcAft>
+                <a:spcPts val="1200"/>
+              </a:spcAft>
+              <a:buFont typeface="Arial" panose="020B0604020202020204" pitchFamily="34" charset="0"/>
+              <a:buChar char="•"/>
+            </a:pPr>
+            <a:r>
+              <a:rPr lang="en-US" dirty="0">
+                <a:solidFill>
+                  <a:srgbClr val="0B214A"/>
+                </a:solidFill>
+                <a:latin typeface="Roboto" panose="02000000000000000000" pitchFamily="2" charset="0"/>
+                <a:ea typeface="Roboto" panose="02000000000000000000" pitchFamily="2" charset="0"/>
+              </a:rPr>
+              <a:t>Containers </a:t>
+            </a:r>
+            <a:r>
+              <a:rPr lang="en-US" dirty="0" err="1">
+                <a:solidFill>
+                  <a:srgbClr val="0B214A"/>
+                </a:solidFill>
+                <a:latin typeface="Roboto" panose="02000000000000000000" pitchFamily="2" charset="0"/>
+                <a:ea typeface="Roboto" panose="02000000000000000000" pitchFamily="2" charset="0"/>
+              </a:rPr>
+              <a:t>foram</a:t>
+            </a:r>
+            <a:r>
+              <a:rPr lang="en-US" dirty="0">
+                <a:solidFill>
+                  <a:srgbClr val="0B214A"/>
+                </a:solidFill>
+                <a:latin typeface="Roboto" panose="02000000000000000000" pitchFamily="2" charset="0"/>
+                <a:ea typeface="Roboto" panose="02000000000000000000" pitchFamily="2" charset="0"/>
+              </a:rPr>
+              <a:t> </a:t>
+            </a:r>
+            <a:r>
+              <a:rPr lang="en-US" dirty="0" err="1">
+                <a:solidFill>
+                  <a:srgbClr val="0B214A"/>
+                </a:solidFill>
+                <a:latin typeface="Roboto" panose="02000000000000000000" pitchFamily="2" charset="0"/>
+                <a:ea typeface="Roboto" panose="02000000000000000000" pitchFamily="2" charset="0"/>
+              </a:rPr>
+              <a:t>criados</a:t>
+            </a:r>
+            <a:r>
+              <a:rPr lang="en-US" dirty="0">
+                <a:solidFill>
+                  <a:srgbClr val="0B214A"/>
+                </a:solidFill>
+                <a:latin typeface="Roboto" panose="02000000000000000000" pitchFamily="2" charset="0"/>
+                <a:ea typeface="Roboto" panose="02000000000000000000" pitchFamily="2" charset="0"/>
+              </a:rPr>
+              <a:t> </a:t>
+            </a:r>
+            <a:r>
+              <a:rPr lang="en-US" dirty="0" err="1">
+                <a:solidFill>
+                  <a:srgbClr val="0B214A"/>
+                </a:solidFill>
+                <a:latin typeface="Roboto" panose="02000000000000000000" pitchFamily="2" charset="0"/>
+                <a:ea typeface="Roboto" panose="02000000000000000000" pitchFamily="2" charset="0"/>
+              </a:rPr>
+              <a:t>pensando</a:t>
+            </a:r>
+            <a:r>
+              <a:rPr lang="en-US" dirty="0">
+                <a:solidFill>
+                  <a:srgbClr val="0B214A"/>
+                </a:solidFill>
+                <a:latin typeface="Roboto" panose="02000000000000000000" pitchFamily="2" charset="0"/>
+                <a:ea typeface="Roboto" panose="02000000000000000000" pitchFamily="2" charset="0"/>
+              </a:rPr>
+              <a:t> </a:t>
+            </a:r>
+            <a:r>
+              <a:rPr lang="en-US" dirty="0" err="1">
+                <a:solidFill>
+                  <a:srgbClr val="0B214A"/>
+                </a:solidFill>
+                <a:latin typeface="Roboto" panose="02000000000000000000" pitchFamily="2" charset="0"/>
+                <a:ea typeface="Roboto" panose="02000000000000000000" pitchFamily="2" charset="0"/>
+              </a:rPr>
+              <a:t>na</a:t>
+            </a:r>
+            <a:r>
+              <a:rPr lang="en-US" dirty="0">
+                <a:solidFill>
+                  <a:srgbClr val="0B214A"/>
+                </a:solidFill>
+                <a:latin typeface="Roboto" panose="02000000000000000000" pitchFamily="2" charset="0"/>
+                <a:ea typeface="Roboto" panose="02000000000000000000" pitchFamily="2" charset="0"/>
+              </a:rPr>
+              <a:t> </a:t>
+            </a:r>
+            <a:r>
+              <a:rPr lang="en-US" dirty="0" err="1">
+                <a:solidFill>
+                  <a:srgbClr val="0B214A"/>
+                </a:solidFill>
+                <a:latin typeface="Roboto" panose="02000000000000000000" pitchFamily="2" charset="0"/>
+                <a:ea typeface="Roboto" panose="02000000000000000000" pitchFamily="2" charset="0"/>
+              </a:rPr>
+              <a:t>portabilidade</a:t>
+            </a:r>
+            <a:r>
+              <a:rPr lang="en-US" dirty="0">
+                <a:solidFill>
+                  <a:srgbClr val="0B214A"/>
+                </a:solidFill>
+                <a:latin typeface="Roboto" panose="02000000000000000000" pitchFamily="2" charset="0"/>
+                <a:ea typeface="Roboto" panose="02000000000000000000" pitchFamily="2" charset="0"/>
+              </a:rPr>
+              <a:t>;</a:t>
+            </a:r>
+          </a:p>
+          <a:p>
+            <a:pPr marL="285750" indent="-285750">
+              <a:lnSpc>
+                <a:spcPct val="150000"/>
+              </a:lnSpc>
+              <a:spcAft>
+                <a:spcPts val="1200"/>
+              </a:spcAft>
+              <a:buFont typeface="Arial" panose="020B0604020202020204" pitchFamily="34" charset="0"/>
+              <a:buChar char="•"/>
+            </a:pPr>
+            <a:r>
+              <a:rPr lang="en-US" dirty="0">
+                <a:solidFill>
+                  <a:srgbClr val="0B214A"/>
+                </a:solidFill>
+                <a:latin typeface="Roboto" panose="02000000000000000000" pitchFamily="2" charset="0"/>
+                <a:ea typeface="Roboto" panose="02000000000000000000" pitchFamily="2" charset="0"/>
+              </a:rPr>
+              <a:t>Containers </a:t>
+            </a:r>
+            <a:r>
+              <a:rPr lang="en-US" dirty="0" err="1">
+                <a:solidFill>
+                  <a:srgbClr val="0B214A"/>
+                </a:solidFill>
+                <a:latin typeface="Roboto" panose="02000000000000000000" pitchFamily="2" charset="0"/>
+                <a:ea typeface="Roboto" panose="02000000000000000000" pitchFamily="2" charset="0"/>
+              </a:rPr>
+              <a:t>fazem</a:t>
+            </a:r>
+            <a:r>
+              <a:rPr lang="en-US" dirty="0">
+                <a:solidFill>
+                  <a:srgbClr val="0B214A"/>
+                </a:solidFill>
+                <a:latin typeface="Roboto" panose="02000000000000000000" pitchFamily="2" charset="0"/>
+                <a:ea typeface="Roboto" panose="02000000000000000000" pitchFamily="2" charset="0"/>
+              </a:rPr>
+              <a:t> boot </a:t>
+            </a:r>
+            <a:r>
+              <a:rPr lang="en-US" dirty="0" err="1">
+                <a:solidFill>
+                  <a:srgbClr val="0B214A"/>
+                </a:solidFill>
+                <a:latin typeface="Roboto" panose="02000000000000000000" pitchFamily="2" charset="0"/>
+                <a:ea typeface="Roboto" panose="02000000000000000000" pitchFamily="2" charset="0"/>
+              </a:rPr>
+              <a:t>muito</a:t>
+            </a:r>
+            <a:r>
+              <a:rPr lang="en-US" dirty="0">
+                <a:solidFill>
+                  <a:srgbClr val="0B214A"/>
+                </a:solidFill>
+                <a:latin typeface="Roboto" panose="02000000000000000000" pitchFamily="2" charset="0"/>
+                <a:ea typeface="Roboto" panose="02000000000000000000" pitchFamily="2" charset="0"/>
+              </a:rPr>
+              <a:t> </a:t>
+            </a:r>
+            <a:r>
+              <a:rPr lang="en-US" dirty="0" err="1">
+                <a:solidFill>
+                  <a:srgbClr val="0B214A"/>
+                </a:solidFill>
+                <a:latin typeface="Roboto" panose="02000000000000000000" pitchFamily="2" charset="0"/>
+                <a:ea typeface="Roboto" panose="02000000000000000000" pitchFamily="2" charset="0"/>
+              </a:rPr>
+              <a:t>mais</a:t>
+            </a:r>
+            <a:r>
+              <a:rPr lang="en-US" dirty="0">
+                <a:solidFill>
+                  <a:srgbClr val="0B214A"/>
+                </a:solidFill>
+                <a:latin typeface="Roboto" panose="02000000000000000000" pitchFamily="2" charset="0"/>
+                <a:ea typeface="Roboto" panose="02000000000000000000" pitchFamily="2" charset="0"/>
+              </a:rPr>
+              <a:t> </a:t>
+            </a:r>
+            <a:r>
+              <a:rPr lang="en-US" dirty="0" err="1">
+                <a:solidFill>
+                  <a:srgbClr val="0B214A"/>
+                </a:solidFill>
+                <a:latin typeface="Roboto" panose="02000000000000000000" pitchFamily="2" charset="0"/>
+                <a:ea typeface="Roboto" panose="02000000000000000000" pitchFamily="2" charset="0"/>
+              </a:rPr>
+              <a:t>rápido</a:t>
+            </a:r>
+            <a:r>
+              <a:rPr lang="en-US" dirty="0">
+                <a:solidFill>
+                  <a:srgbClr val="0B214A"/>
+                </a:solidFill>
+                <a:latin typeface="Roboto" panose="02000000000000000000" pitchFamily="2" charset="0"/>
+                <a:ea typeface="Roboto" panose="02000000000000000000" pitchFamily="2" charset="0"/>
+              </a:rPr>
+              <a:t>;</a:t>
+            </a:r>
+          </a:p>
+        </p:txBody>
+      </p:sp>
     </p:spTree>
+    <p:extLst>
+      <p:ext uri="{BB962C8B-B14F-4D97-AF65-F5344CB8AC3E}">
+        <p14:creationId xmlns:p14="http://schemas.microsoft.com/office/powerpoint/2010/main" val="1216418219"/>
+      </p:ext>
+    </p:extLst>
   </p:cSld>
   <p:clrMapOvr>
     <a:masterClrMapping/>
@@ -26910,7 +27079,7 @@
                 <a:cs typeface="Roboto"/>
                 <a:sym typeface="Roboto"/>
               </a:rPr>
-              <a:t>Container != Máquina Virtual</a:t>
+              <a:t>Conceitos importantes</a:t>
             </a:r>
             <a:endParaRPr sz="2400" b="1" dirty="0">
               <a:solidFill>
@@ -26965,10 +27134,10 @@
       </p:sp>
       <p:sp>
         <p:nvSpPr>
-          <p:cNvPr id="6" name="TextBox 5">
+          <p:cNvPr id="8" name="TextBox 7">
             <a:extLst>
               <a:ext uri="{FF2B5EF4-FFF2-40B4-BE49-F238E27FC236}">
-                <a16:creationId xmlns:a16="http://schemas.microsoft.com/office/drawing/2014/main" id="{E6343561-60DB-2944-BA69-6FCBDC7526F5}"/>
+                <a16:creationId xmlns:a16="http://schemas.microsoft.com/office/drawing/2014/main" id="{81F9BAC4-62BA-CD44-BB03-17AA7561D4DA}"/>
               </a:ext>
             </a:extLst>
           </p:cNvPr>
@@ -26978,7 +27147,7 @@
         <p:spPr>
           <a:xfrm>
             <a:off x="330612" y="911282"/>
-            <a:ext cx="8121625" cy="3241913"/>
+            <a:ext cx="8121625" cy="3980577"/>
           </a:xfrm>
           <a:prstGeom prst="rect">
             <a:avLst/>
@@ -26999,108 +27168,36 @@
               <a:buChar char="•"/>
             </a:pPr>
             <a:r>
+              <a:rPr lang="en-US" dirty="0">
+                <a:solidFill>
+                  <a:schemeClr val="bg1">
+                    <a:lumMod val="75000"/>
+                  </a:schemeClr>
+                </a:solidFill>
+                <a:latin typeface="Roboto" panose="02000000000000000000" pitchFamily="2" charset="0"/>
+                <a:ea typeface="Roboto" panose="02000000000000000000" pitchFamily="2" charset="0"/>
+              </a:rPr>
+              <a:t>C</a:t>
+            </a:r>
+            <a:r>
               <a:rPr lang="en-US" b="0" i="0" dirty="0">
                 <a:solidFill>
-                  <a:srgbClr val="0B214A"/>
+                  <a:schemeClr val="bg1">
+                    <a:lumMod val="75000"/>
+                  </a:schemeClr>
                 </a:solidFill>
                 <a:effectLst/>
                 <a:latin typeface="Roboto" panose="02000000000000000000" pitchFamily="2" charset="0"/>
                 <a:ea typeface="Roboto" panose="02000000000000000000" pitchFamily="2" charset="0"/>
               </a:rPr>
-              <a:t>Containers </a:t>
-            </a:r>
-            <a:r>
-              <a:rPr lang="en-US" b="0" i="0" dirty="0" err="1">
-                <a:solidFill>
-                  <a:srgbClr val="0B214A"/>
-                </a:solidFill>
-                <a:effectLst/>
-                <a:latin typeface="Roboto" panose="02000000000000000000" pitchFamily="2" charset="0"/>
-                <a:ea typeface="Roboto" panose="02000000000000000000" pitchFamily="2" charset="0"/>
-              </a:rPr>
-              <a:t>virtualizam</a:t>
-            </a:r>
-            <a:r>
-              <a:rPr lang="en-US" b="0" i="0" dirty="0">
-                <a:solidFill>
-                  <a:srgbClr val="0B214A"/>
-                </a:solidFill>
-                <a:effectLst/>
-                <a:latin typeface="Roboto" panose="02000000000000000000" pitchFamily="2" charset="0"/>
-                <a:ea typeface="Roboto" panose="02000000000000000000" pitchFamily="2" charset="0"/>
-              </a:rPr>
-              <a:t> o Sistema </a:t>
-            </a:r>
-            <a:r>
-              <a:rPr lang="en-US" b="0" i="0" dirty="0" err="1">
-                <a:solidFill>
-                  <a:srgbClr val="0B214A"/>
-                </a:solidFill>
-                <a:effectLst/>
-                <a:latin typeface="Roboto" panose="02000000000000000000" pitchFamily="2" charset="0"/>
-                <a:ea typeface="Roboto" panose="02000000000000000000" pitchFamily="2" charset="0"/>
-              </a:rPr>
-              <a:t>operacional</a:t>
-            </a:r>
-            <a:r>
-              <a:rPr lang="en-US" b="0" i="0" dirty="0">
-                <a:solidFill>
-                  <a:srgbClr val="0B214A"/>
-                </a:solidFill>
-                <a:effectLst/>
-                <a:latin typeface="Roboto" panose="02000000000000000000" pitchFamily="2" charset="0"/>
-                <a:ea typeface="Roboto" panose="02000000000000000000" pitchFamily="2" charset="0"/>
-              </a:rPr>
-              <a:t> </a:t>
-            </a:r>
-            <a:r>
-              <a:rPr lang="en-US" b="0" i="0" dirty="0" err="1">
-                <a:solidFill>
-                  <a:srgbClr val="0B214A"/>
-                </a:solidFill>
-                <a:effectLst/>
-                <a:latin typeface="Roboto" panose="02000000000000000000" pitchFamily="2" charset="0"/>
-                <a:ea typeface="Roboto" panose="02000000000000000000" pitchFamily="2" charset="0"/>
-              </a:rPr>
-              <a:t>ao</a:t>
-            </a:r>
-            <a:r>
-              <a:rPr lang="en-US" b="0" i="0" dirty="0">
-                <a:solidFill>
-                  <a:srgbClr val="0B214A"/>
-                </a:solidFill>
-                <a:effectLst/>
-                <a:latin typeface="Roboto" panose="02000000000000000000" pitchFamily="2" charset="0"/>
-                <a:ea typeface="Roboto" panose="02000000000000000000" pitchFamily="2" charset="0"/>
-              </a:rPr>
-              <a:t> </a:t>
-            </a:r>
-            <a:r>
-              <a:rPr lang="en-US" b="0" i="0" dirty="0" err="1">
-                <a:solidFill>
-                  <a:srgbClr val="0B214A"/>
-                </a:solidFill>
-                <a:effectLst/>
-                <a:latin typeface="Roboto" panose="02000000000000000000" pitchFamily="2" charset="0"/>
-                <a:ea typeface="Roboto" panose="02000000000000000000" pitchFamily="2" charset="0"/>
-              </a:rPr>
-              <a:t>invés</a:t>
-            </a:r>
-            <a:r>
-              <a:rPr lang="en-US" b="0" i="0" dirty="0">
-                <a:solidFill>
-                  <a:srgbClr val="0B214A"/>
-                </a:solidFill>
-                <a:effectLst/>
-                <a:latin typeface="Roboto" panose="02000000000000000000" pitchFamily="2" charset="0"/>
-                <a:ea typeface="Roboto" panose="02000000000000000000" pitchFamily="2" charset="0"/>
-              </a:rPr>
-              <a:t> de hardware</a:t>
-            </a:r>
-            <a:r>
-              <a:rPr lang="en-US" dirty="0">
-                <a:solidFill>
-                  <a:srgbClr val="0B214A"/>
+              <a:t>ontainers</a:t>
+            </a:r>
+            <a:r>
+              <a:rPr lang="en-US" dirty="0">
+                <a:solidFill>
+                  <a:schemeClr val="bg1">
+                    <a:lumMod val="75000"/>
+                  </a:schemeClr>
                 </a:solidFill>
                 <a:latin typeface="Roboto" panose="02000000000000000000" pitchFamily="2" charset="0"/>
                 <a:ea typeface="Roboto" panose="02000000000000000000" pitchFamily="2" charset="0"/>
@@ -27109,7 +27206,9 @@
             </a:r>
             <a:endParaRPr lang="en-US" b="0" i="0" dirty="0">
               <a:solidFill>
-                <a:srgbClr val="0B214A"/>
+                <a:schemeClr val="bg1">
+                  <a:lumMod val="75000"/>
+                </a:schemeClr>
               </a:solidFill>
               <a:effectLst/>
               <a:latin typeface="Roboto" panose="02000000000000000000" pitchFamily="2" charset="0"/>
@@ -27125,7 +27224,7 @@
               <a:buChar char="•"/>
             </a:pPr>
             <a:r>
-              <a:rPr lang="en-US" b="0" i="0" dirty="0" err="1">
+              <a:rPr lang="en-US" b="0" i="0" dirty="0">
                 <a:solidFill>
                   <a:srgbClr val="0B214A"/>
                 </a:solidFill>
@@ -27133,308 +27232,7 @@
                 <a:latin typeface="Roboto" panose="02000000000000000000" pitchFamily="2" charset="0"/>
                 <a:ea typeface="Roboto" panose="02000000000000000000" pitchFamily="2" charset="0"/>
               </a:rPr>
-              <a:t>Todos</a:t>
-            </a:r>
-            <a:r>
-              <a:rPr lang="en-US" b="0" i="0" dirty="0">
-                <a:solidFill>
-                  <a:srgbClr val="0B214A"/>
-                </a:solidFill>
-                <a:effectLst/>
-                <a:latin typeface="Roboto" panose="02000000000000000000" pitchFamily="2" charset="0"/>
-                <a:ea typeface="Roboto" panose="02000000000000000000" pitchFamily="2" charset="0"/>
-              </a:rPr>
-              <a:t> </a:t>
-            </a:r>
-            <a:r>
-              <a:rPr lang="en-US" b="0" i="0" dirty="0" err="1">
-                <a:solidFill>
-                  <a:srgbClr val="0B214A"/>
-                </a:solidFill>
-                <a:effectLst/>
-                <a:latin typeface="Roboto" panose="02000000000000000000" pitchFamily="2" charset="0"/>
-                <a:ea typeface="Roboto" panose="02000000000000000000" pitchFamily="2" charset="0"/>
-              </a:rPr>
-              <a:t>os</a:t>
-            </a:r>
-            <a:r>
-              <a:rPr lang="en-US" b="0" i="0" dirty="0">
-                <a:solidFill>
-                  <a:srgbClr val="0B214A"/>
-                </a:solidFill>
-                <a:effectLst/>
-                <a:latin typeface="Roboto" panose="02000000000000000000" pitchFamily="2" charset="0"/>
-                <a:ea typeface="Roboto" panose="02000000000000000000" pitchFamily="2" charset="0"/>
-              </a:rPr>
-              <a:t> containers </a:t>
-            </a:r>
-            <a:r>
-              <a:rPr lang="en-US" b="0" i="0" dirty="0" err="1">
-                <a:solidFill>
-                  <a:srgbClr val="0B214A"/>
-                </a:solidFill>
-                <a:effectLst/>
-                <a:latin typeface="Roboto" panose="02000000000000000000" pitchFamily="2" charset="0"/>
-                <a:ea typeface="Roboto" panose="02000000000000000000" pitchFamily="2" charset="0"/>
-              </a:rPr>
-              <a:t>compartilham</a:t>
-            </a:r>
-            <a:r>
-              <a:rPr lang="en-US" b="0" i="0" dirty="0">
-                <a:solidFill>
-                  <a:srgbClr val="0B214A"/>
-                </a:solidFill>
-                <a:effectLst/>
-                <a:latin typeface="Roboto" panose="02000000000000000000" pitchFamily="2" charset="0"/>
-                <a:ea typeface="Roboto" panose="02000000000000000000" pitchFamily="2" charset="0"/>
-              </a:rPr>
-              <a:t> </a:t>
-            </a:r>
-            <a:r>
-              <a:rPr lang="en-US" b="0" i="0" dirty="0" err="1">
-                <a:solidFill>
-                  <a:srgbClr val="0B214A"/>
-                </a:solidFill>
-                <a:effectLst/>
-                <a:latin typeface="Roboto" panose="02000000000000000000" pitchFamily="2" charset="0"/>
-                <a:ea typeface="Roboto" panose="02000000000000000000" pitchFamily="2" charset="0"/>
-              </a:rPr>
-              <a:t>recursos</a:t>
-            </a:r>
-            <a:r>
-              <a:rPr lang="en-US" b="0" i="0" dirty="0">
-                <a:solidFill>
-                  <a:srgbClr val="0B214A"/>
-                </a:solidFill>
-                <a:effectLst/>
-                <a:latin typeface="Roboto" panose="02000000000000000000" pitchFamily="2" charset="0"/>
-                <a:ea typeface="Roboto" panose="02000000000000000000" pitchFamily="2" charset="0"/>
-              </a:rPr>
-              <a:t> do </a:t>
-            </a:r>
-            <a:r>
-              <a:rPr lang="en-US" b="0" i="0" dirty="0" err="1">
-                <a:solidFill>
-                  <a:srgbClr val="0B214A"/>
-                </a:solidFill>
-                <a:effectLst/>
-                <a:latin typeface="Roboto" panose="02000000000000000000" pitchFamily="2" charset="0"/>
-                <a:ea typeface="Roboto" panose="02000000000000000000" pitchFamily="2" charset="0"/>
-              </a:rPr>
-              <a:t>mesmo</a:t>
-            </a:r>
-            <a:r>
-              <a:rPr lang="en-US" b="0" i="0" dirty="0">
-                <a:solidFill>
-                  <a:srgbClr val="0B214A"/>
-                </a:solidFill>
-                <a:effectLst/>
-                <a:latin typeface="Roboto" panose="02000000000000000000" pitchFamily="2" charset="0"/>
-                <a:ea typeface="Roboto" panose="02000000000000000000" pitchFamily="2" charset="0"/>
-              </a:rPr>
-              <a:t> </a:t>
-            </a:r>
-            <a:r>
-              <a:rPr lang="en-US" b="0" i="0" dirty="0" err="1">
-                <a:solidFill>
-                  <a:srgbClr val="0B214A"/>
-                </a:solidFill>
-                <a:effectLst/>
-                <a:latin typeface="Roboto" panose="02000000000000000000" pitchFamily="2" charset="0"/>
-                <a:ea typeface="Roboto" panose="02000000000000000000" pitchFamily="2" charset="0"/>
-              </a:rPr>
-              <a:t>sistema</a:t>
-            </a:r>
-            <a:r>
-              <a:rPr lang="en-US" b="0" i="0" dirty="0">
-                <a:solidFill>
-                  <a:srgbClr val="0B214A"/>
-                </a:solidFill>
-                <a:effectLst/>
-                <a:latin typeface="Roboto" panose="02000000000000000000" pitchFamily="2" charset="0"/>
-                <a:ea typeface="Roboto" panose="02000000000000000000" pitchFamily="2" charset="0"/>
-              </a:rPr>
-              <a:t> </a:t>
-            </a:r>
-            <a:r>
-              <a:rPr lang="en-US" b="0" i="0" dirty="0" err="1">
-                <a:solidFill>
-                  <a:srgbClr val="0B214A"/>
-                </a:solidFill>
-                <a:effectLst/>
-                <a:latin typeface="Roboto" panose="02000000000000000000" pitchFamily="2" charset="0"/>
-                <a:ea typeface="Roboto" panose="02000000000000000000" pitchFamily="2" charset="0"/>
-              </a:rPr>
-              <a:t>operacional</a:t>
-            </a:r>
-            <a:r>
-              <a:rPr lang="en-US" b="0" i="0" dirty="0">
-                <a:solidFill>
-                  <a:srgbClr val="0B214A"/>
-                </a:solidFill>
-                <a:effectLst/>
-                <a:latin typeface="Roboto" panose="02000000000000000000" pitchFamily="2" charset="0"/>
-                <a:ea typeface="Roboto" panose="02000000000000000000" pitchFamily="2" charset="0"/>
-              </a:rPr>
-              <a:t> da </a:t>
-            </a:r>
-            <a:r>
-              <a:rPr lang="en-US" b="0" i="0" dirty="0" err="1">
-                <a:solidFill>
-                  <a:srgbClr val="0B214A"/>
-                </a:solidFill>
-                <a:effectLst/>
-                <a:latin typeface="Roboto" panose="02000000000000000000" pitchFamily="2" charset="0"/>
-                <a:ea typeface="Roboto" panose="02000000000000000000" pitchFamily="2" charset="0"/>
-              </a:rPr>
-              <a:t>máquina</a:t>
-            </a:r>
-            <a:r>
-              <a:rPr lang="en-US" b="0" i="0" dirty="0">
-                <a:solidFill>
-                  <a:srgbClr val="0B214A"/>
-                </a:solidFill>
-                <a:effectLst/>
-                <a:latin typeface="Roboto" panose="02000000000000000000" pitchFamily="2" charset="0"/>
-                <a:ea typeface="Roboto" panose="02000000000000000000" pitchFamily="2" charset="0"/>
-              </a:rPr>
-              <a:t>, </a:t>
-            </a:r>
-            <a:r>
-              <a:rPr lang="en-US" b="0" i="0" dirty="0" err="1">
-                <a:solidFill>
-                  <a:srgbClr val="0B214A"/>
-                </a:solidFill>
-                <a:effectLst/>
-                <a:latin typeface="Roboto" panose="02000000000000000000" pitchFamily="2" charset="0"/>
-                <a:ea typeface="Roboto" panose="02000000000000000000" pitchFamily="2" charset="0"/>
-              </a:rPr>
-              <a:t>rodando</a:t>
-            </a:r>
-            <a:r>
-              <a:rPr lang="en-US" b="0" i="0" dirty="0">
-                <a:solidFill>
-                  <a:srgbClr val="0B214A"/>
-                </a:solidFill>
-                <a:effectLst/>
-                <a:latin typeface="Roboto" panose="02000000000000000000" pitchFamily="2" charset="0"/>
-                <a:ea typeface="Roboto" panose="02000000000000000000" pitchFamily="2" charset="0"/>
-              </a:rPr>
-              <a:t> </a:t>
-            </a:r>
-            <a:r>
-              <a:rPr lang="en-US" b="0" i="0" dirty="0" err="1">
-                <a:solidFill>
-                  <a:srgbClr val="0B214A"/>
-                </a:solidFill>
-                <a:effectLst/>
-                <a:latin typeface="Roboto" panose="02000000000000000000" pitchFamily="2" charset="0"/>
-                <a:ea typeface="Roboto" panose="02000000000000000000" pitchFamily="2" charset="0"/>
-              </a:rPr>
-              <a:t>como</a:t>
-            </a:r>
-            <a:r>
-              <a:rPr lang="en-US" b="0" i="0" dirty="0">
-                <a:solidFill>
-                  <a:srgbClr val="0B214A"/>
-                </a:solidFill>
-                <a:effectLst/>
-                <a:latin typeface="Roboto" panose="02000000000000000000" pitchFamily="2" charset="0"/>
-                <a:ea typeface="Roboto" panose="02000000000000000000" pitchFamily="2" charset="0"/>
-              </a:rPr>
-              <a:t> </a:t>
-            </a:r>
-            <a:r>
-              <a:rPr lang="en-US" b="0" i="0" dirty="0" err="1">
-                <a:solidFill>
-                  <a:srgbClr val="0B214A"/>
-                </a:solidFill>
-                <a:effectLst/>
-                <a:latin typeface="Roboto" panose="02000000000000000000" pitchFamily="2" charset="0"/>
-                <a:ea typeface="Roboto" panose="02000000000000000000" pitchFamily="2" charset="0"/>
-              </a:rPr>
-              <a:t>processo</a:t>
-            </a:r>
-            <a:r>
-              <a:rPr lang="en-US" dirty="0" err="1">
-                <a:solidFill>
-                  <a:srgbClr val="0B214A"/>
-                </a:solidFill>
-                <a:latin typeface="Roboto" panose="02000000000000000000" pitchFamily="2" charset="0"/>
-                <a:ea typeface="Roboto" panose="02000000000000000000" pitchFamily="2" charset="0"/>
-              </a:rPr>
-              <a:t>s</a:t>
-            </a:r>
-            <a:r>
-              <a:rPr lang="en-US" dirty="0">
-                <a:solidFill>
-                  <a:srgbClr val="0B214A"/>
-                </a:solidFill>
-                <a:latin typeface="Roboto" panose="02000000000000000000" pitchFamily="2" charset="0"/>
-                <a:ea typeface="Roboto" panose="02000000000000000000" pitchFamily="2" charset="0"/>
-              </a:rPr>
-              <a:t> </a:t>
-            </a:r>
-            <a:r>
-              <a:rPr lang="en-US" dirty="0" err="1">
-                <a:solidFill>
-                  <a:srgbClr val="0B214A"/>
-                </a:solidFill>
-                <a:latin typeface="Roboto" panose="02000000000000000000" pitchFamily="2" charset="0"/>
-                <a:ea typeface="Roboto" panose="02000000000000000000" pitchFamily="2" charset="0"/>
-              </a:rPr>
-              <a:t>isolados</a:t>
-            </a:r>
-            <a:r>
-              <a:rPr lang="en-US" dirty="0">
-                <a:solidFill>
-                  <a:srgbClr val="0B214A"/>
-                </a:solidFill>
-                <a:latin typeface="Roboto" panose="02000000000000000000" pitchFamily="2" charset="0"/>
-                <a:ea typeface="Roboto" panose="02000000000000000000" pitchFamily="2" charset="0"/>
-              </a:rPr>
-              <a:t> no </a:t>
-            </a:r>
-            <a:r>
-              <a:rPr lang="en-US" dirty="0" err="1">
-                <a:solidFill>
-                  <a:srgbClr val="0B214A"/>
-                </a:solidFill>
-                <a:latin typeface="Roboto" panose="02000000000000000000" pitchFamily="2" charset="0"/>
-                <a:ea typeface="Roboto" panose="02000000000000000000" pitchFamily="2" charset="0"/>
-              </a:rPr>
-              <a:t>espaço</a:t>
-            </a:r>
-            <a:r>
-              <a:rPr lang="en-US" dirty="0">
-                <a:solidFill>
-                  <a:srgbClr val="0B214A"/>
-                </a:solidFill>
-                <a:latin typeface="Roboto" panose="02000000000000000000" pitchFamily="2" charset="0"/>
-                <a:ea typeface="Roboto" panose="02000000000000000000" pitchFamily="2" charset="0"/>
-              </a:rPr>
-              <a:t> do </a:t>
-            </a:r>
-            <a:r>
-              <a:rPr lang="en-US" dirty="0" err="1">
-                <a:solidFill>
-                  <a:srgbClr val="0B214A"/>
-                </a:solidFill>
-                <a:latin typeface="Roboto" panose="02000000000000000000" pitchFamily="2" charset="0"/>
-                <a:ea typeface="Roboto" panose="02000000000000000000" pitchFamily="2" charset="0"/>
-              </a:rPr>
-              <a:t>usuário</a:t>
-            </a:r>
-            <a:r>
-              <a:rPr lang="en-US" b="0" i="0" dirty="0">
-                <a:solidFill>
-                  <a:srgbClr val="0B214A"/>
-                </a:solidFill>
-                <a:effectLst/>
-                <a:latin typeface="Roboto" panose="02000000000000000000" pitchFamily="2" charset="0"/>
-                <a:ea typeface="Roboto" panose="02000000000000000000" pitchFamily="2" charset="0"/>
-              </a:rPr>
-              <a:t>;</a:t>
+              <a:t>Container images;</a:t>
             </a:r>
           </a:p>
           <a:p>
@@ -27456,107 +27254,7 @@
                 <a:latin typeface="Roboto" panose="02000000000000000000" pitchFamily="2" charset="0"/>
                 <a:ea typeface="Roboto" panose="02000000000000000000" pitchFamily="2" charset="0"/>
               </a:rPr>
-              <a:t>Imagens de containers </a:t>
-            </a:r>
-            <a:r>
-              <a:rPr lang="en-US" dirty="0" err="1">
-                <a:solidFill>
-                  <a:srgbClr val="0B214A"/>
-                </a:solidFill>
-                <a:latin typeface="Roboto" panose="02000000000000000000" pitchFamily="2" charset="0"/>
-                <a:ea typeface="Roboto" panose="02000000000000000000" pitchFamily="2" charset="0"/>
-              </a:rPr>
-              <a:t>são</a:t>
-            </a:r>
-            <a:r>
-              <a:rPr lang="en-US" dirty="0">
-                <a:solidFill>
-                  <a:srgbClr val="0B214A"/>
-                </a:solidFill>
-                <a:latin typeface="Roboto" panose="02000000000000000000" pitchFamily="2" charset="0"/>
-                <a:ea typeface="Roboto" panose="02000000000000000000" pitchFamily="2" charset="0"/>
-              </a:rPr>
-              <a:t> </a:t>
-            </a:r>
-            <a:r>
-              <a:rPr lang="en-US" dirty="0" err="1">
-                <a:solidFill>
-                  <a:srgbClr val="0B214A"/>
-                </a:solidFill>
-                <a:latin typeface="Roboto" panose="02000000000000000000" pitchFamily="2" charset="0"/>
-                <a:ea typeface="Roboto" panose="02000000000000000000" pitchFamily="2" charset="0"/>
-              </a:rPr>
-              <a:t>muito</a:t>
-            </a:r>
-            <a:r>
-              <a:rPr lang="en-US" dirty="0">
-                <a:solidFill>
-                  <a:srgbClr val="0B214A"/>
-                </a:solidFill>
-                <a:latin typeface="Roboto" panose="02000000000000000000" pitchFamily="2" charset="0"/>
-                <a:ea typeface="Roboto" panose="02000000000000000000" pitchFamily="2" charset="0"/>
-              </a:rPr>
-              <a:t> </a:t>
-            </a:r>
-            <a:r>
-              <a:rPr lang="en-US" dirty="0" err="1">
-                <a:solidFill>
-                  <a:srgbClr val="0B214A"/>
-                </a:solidFill>
-                <a:latin typeface="Roboto" panose="02000000000000000000" pitchFamily="2" charset="0"/>
-                <a:ea typeface="Roboto" panose="02000000000000000000" pitchFamily="2" charset="0"/>
-              </a:rPr>
-              <a:t>menores</a:t>
-            </a:r>
-            <a:r>
-              <a:rPr lang="en-US" dirty="0">
-                <a:solidFill>
-                  <a:srgbClr val="0B214A"/>
-                </a:solidFill>
-                <a:latin typeface="Roboto" panose="02000000000000000000" pitchFamily="2" charset="0"/>
-                <a:ea typeface="Roboto" panose="02000000000000000000" pitchFamily="2" charset="0"/>
-              </a:rPr>
-              <a:t> que imagens de </a:t>
-            </a:r>
-            <a:r>
-              <a:rPr lang="en-US" dirty="0" err="1">
-                <a:solidFill>
-                  <a:srgbClr val="0B214A"/>
-                </a:solidFill>
-                <a:latin typeface="Roboto" panose="02000000000000000000" pitchFamily="2" charset="0"/>
-                <a:ea typeface="Roboto" panose="02000000000000000000" pitchFamily="2" charset="0"/>
-              </a:rPr>
-              <a:t>máquinas</a:t>
-            </a:r>
-            <a:r>
-              <a:rPr lang="en-US" dirty="0">
-                <a:solidFill>
-                  <a:srgbClr val="0B214A"/>
-                </a:solidFill>
-                <a:latin typeface="Roboto" panose="02000000000000000000" pitchFamily="2" charset="0"/>
-                <a:ea typeface="Roboto" panose="02000000000000000000" pitchFamily="2" charset="0"/>
-              </a:rPr>
-              <a:t> </a:t>
-            </a:r>
-            <a:r>
-              <a:rPr lang="en-US" dirty="0" err="1">
-                <a:solidFill>
-                  <a:srgbClr val="0B214A"/>
-                </a:solidFill>
-                <a:latin typeface="Roboto" panose="02000000000000000000" pitchFamily="2" charset="0"/>
-                <a:ea typeface="Roboto" panose="02000000000000000000" pitchFamily="2" charset="0"/>
-              </a:rPr>
-              <a:t>virtuais</a:t>
-            </a:r>
-            <a:r>
-              <a:rPr lang="en-US" dirty="0">
-                <a:solidFill>
-                  <a:srgbClr val="0B214A"/>
-                </a:solidFill>
-                <a:latin typeface="Roboto" panose="02000000000000000000" pitchFamily="2" charset="0"/>
-                <a:ea typeface="Roboto" panose="02000000000000000000" pitchFamily="2" charset="0"/>
-              </a:rPr>
-              <a:t>;</a:t>
+              <a:t>Container engines;</a:t>
             </a:r>
           </a:p>
           <a:p>
@@ -27578,67 +27276,7 @@
                 <a:latin typeface="Roboto" panose="02000000000000000000" pitchFamily="2" charset="0"/>
                 <a:ea typeface="Roboto" panose="02000000000000000000" pitchFamily="2" charset="0"/>
               </a:rPr>
-              <a:t>Containers </a:t>
-            </a:r>
-            <a:r>
-              <a:rPr lang="en-US" dirty="0" err="1">
-                <a:solidFill>
-                  <a:srgbClr val="0B214A"/>
-                </a:solidFill>
-                <a:latin typeface="Roboto" panose="02000000000000000000" pitchFamily="2" charset="0"/>
-                <a:ea typeface="Roboto" panose="02000000000000000000" pitchFamily="2" charset="0"/>
-              </a:rPr>
-              <a:t>são</a:t>
-            </a:r>
-            <a:r>
-              <a:rPr lang="en-US" dirty="0">
-                <a:solidFill>
-                  <a:srgbClr val="0B214A"/>
-                </a:solidFill>
-                <a:latin typeface="Roboto" panose="02000000000000000000" pitchFamily="2" charset="0"/>
-                <a:ea typeface="Roboto" panose="02000000000000000000" pitchFamily="2" charset="0"/>
-              </a:rPr>
-              <a:t> </a:t>
-            </a:r>
-            <a:r>
-              <a:rPr lang="en-US" dirty="0" err="1">
-                <a:solidFill>
-                  <a:srgbClr val="0B214A"/>
-                </a:solidFill>
-                <a:latin typeface="Roboto" panose="02000000000000000000" pitchFamily="2" charset="0"/>
-                <a:ea typeface="Roboto" panose="02000000000000000000" pitchFamily="2" charset="0"/>
-              </a:rPr>
-              <a:t>mais</a:t>
-            </a:r>
-            <a:r>
-              <a:rPr lang="en-US" dirty="0">
-                <a:solidFill>
-                  <a:srgbClr val="0B214A"/>
-                </a:solidFill>
-                <a:latin typeface="Roboto" panose="02000000000000000000" pitchFamily="2" charset="0"/>
-                <a:ea typeface="Roboto" panose="02000000000000000000" pitchFamily="2" charset="0"/>
-              </a:rPr>
-              <a:t> </a:t>
-            </a:r>
-            <a:r>
-              <a:rPr lang="en-US" dirty="0" err="1">
-                <a:solidFill>
-                  <a:srgbClr val="0B214A"/>
-                </a:solidFill>
-                <a:latin typeface="Roboto" panose="02000000000000000000" pitchFamily="2" charset="0"/>
-                <a:ea typeface="Roboto" panose="02000000000000000000" pitchFamily="2" charset="0"/>
-              </a:rPr>
-              <a:t>performáticos</a:t>
-            </a:r>
-            <a:r>
-              <a:rPr lang="en-US" dirty="0">
-                <a:solidFill>
-                  <a:srgbClr val="0B214A"/>
-                </a:solidFill>
-                <a:latin typeface="Roboto" panose="02000000000000000000" pitchFamily="2" charset="0"/>
-                <a:ea typeface="Roboto" panose="02000000000000000000" pitchFamily="2" charset="0"/>
-              </a:rPr>
-              <a:t>;</a:t>
+              <a:t>Container host;</a:t>
             </a:r>
           </a:p>
           <a:p>
@@ -27653,104 +27291,14 @@
               <a:buChar char="•"/>
             </a:pPr>
             <a:r>
-              <a:rPr lang="en-US" dirty="0" err="1">
-                <a:solidFill>
-                  <a:srgbClr val="0B214A"/>
-                </a:solidFill>
-                <a:latin typeface="Roboto" panose="02000000000000000000" pitchFamily="2" charset="0"/>
-                <a:ea typeface="Roboto" panose="02000000000000000000" pitchFamily="2" charset="0"/>
-              </a:rPr>
-              <a:t>Pode</a:t>
-            </a:r>
-            <a:r>
-              <a:rPr lang="en-US" dirty="0">
-                <a:solidFill>
-                  <a:srgbClr val="0B214A"/>
-                </a:solidFill>
-                <a:latin typeface="Roboto" panose="02000000000000000000" pitchFamily="2" charset="0"/>
-                <a:ea typeface="Roboto" panose="02000000000000000000" pitchFamily="2" charset="0"/>
-              </a:rPr>
-              <a:t> </a:t>
-            </a:r>
-            <a:r>
-              <a:rPr lang="en-US" dirty="0" err="1">
-                <a:solidFill>
-                  <a:srgbClr val="0B214A"/>
-                </a:solidFill>
-                <a:latin typeface="Roboto" panose="02000000000000000000" pitchFamily="2" charset="0"/>
-                <a:ea typeface="Roboto" panose="02000000000000000000" pitchFamily="2" charset="0"/>
-              </a:rPr>
-              <a:t>rodar</a:t>
-            </a:r>
-            <a:r>
-              <a:rPr lang="en-US" dirty="0">
-                <a:solidFill>
-                  <a:srgbClr val="0B214A"/>
-                </a:solidFill>
-                <a:latin typeface="Roboto" panose="02000000000000000000" pitchFamily="2" charset="0"/>
-                <a:ea typeface="Roboto" panose="02000000000000000000" pitchFamily="2" charset="0"/>
-              </a:rPr>
-              <a:t> </a:t>
-            </a:r>
-            <a:r>
-              <a:rPr lang="en-US" dirty="0" err="1">
-                <a:solidFill>
-                  <a:srgbClr val="0B214A"/>
-                </a:solidFill>
-                <a:latin typeface="Roboto" panose="02000000000000000000" pitchFamily="2" charset="0"/>
-                <a:ea typeface="Roboto" panose="02000000000000000000" pitchFamily="2" charset="0"/>
-              </a:rPr>
-              <a:t>vários</a:t>
-            </a:r>
-            <a:r>
-              <a:rPr lang="en-US" dirty="0">
-                <a:solidFill>
-                  <a:srgbClr val="0B214A"/>
-                </a:solidFill>
-                <a:latin typeface="Roboto" panose="02000000000000000000" pitchFamily="2" charset="0"/>
-                <a:ea typeface="Roboto" panose="02000000000000000000" pitchFamily="2" charset="0"/>
-              </a:rPr>
-              <a:t> containers no </a:t>
-            </a:r>
-            <a:r>
-              <a:rPr lang="en-US" dirty="0" err="1">
-                <a:solidFill>
-                  <a:srgbClr val="0B214A"/>
-                </a:solidFill>
-                <a:latin typeface="Roboto" panose="02000000000000000000" pitchFamily="2" charset="0"/>
-                <a:ea typeface="Roboto" panose="02000000000000000000" pitchFamily="2" charset="0"/>
-              </a:rPr>
-              <a:t>mesmo</a:t>
-            </a:r>
-            <a:r>
-              <a:rPr lang="en-US" dirty="0">
-                <a:solidFill>
-                  <a:srgbClr val="0B214A"/>
-                </a:solidFill>
-                <a:latin typeface="Roboto" panose="02000000000000000000" pitchFamily="2" charset="0"/>
-                <a:ea typeface="Roboto" panose="02000000000000000000" pitchFamily="2" charset="0"/>
-              </a:rPr>
-              <a:t> </a:t>
-            </a:r>
-            <a:r>
-              <a:rPr lang="en-US" dirty="0" err="1">
-                <a:solidFill>
-                  <a:srgbClr val="0B214A"/>
-                </a:solidFill>
-                <a:latin typeface="Roboto" panose="02000000000000000000" pitchFamily="2" charset="0"/>
-                <a:ea typeface="Roboto" panose="02000000000000000000" pitchFamily="2" charset="0"/>
-              </a:rPr>
-              <a:t>ambiente</a:t>
-            </a:r>
-            <a:r>
-              <a:rPr lang="en-US" dirty="0">
-                <a:solidFill>
-                  <a:srgbClr val="0B214A"/>
-                </a:solidFill>
-                <a:latin typeface="Roboto" panose="02000000000000000000" pitchFamily="2" charset="0"/>
-                <a:ea typeface="Roboto" panose="02000000000000000000" pitchFamily="2" charset="0"/>
-              </a:rPr>
-              <a:t>;</a:t>
+              <a:rPr lang="en-US" dirty="0">
+                <a:solidFill>
+                  <a:srgbClr val="0B214A"/>
+                </a:solidFill>
+                <a:latin typeface="Roboto" panose="02000000000000000000" pitchFamily="2" charset="0"/>
+                <a:ea typeface="Roboto" panose="02000000000000000000" pitchFamily="2" charset="0"/>
+              </a:rPr>
+              <a:t>Registry;</a:t>
             </a:r>
           </a:p>
           <a:p>
@@ -27772,107 +27320,7 @@
                 <a:latin typeface="Roboto" panose="02000000000000000000" pitchFamily="2" charset="0"/>
                 <a:ea typeface="Roboto" panose="02000000000000000000" pitchFamily="2" charset="0"/>
               </a:rPr>
-              <a:t>Containers </a:t>
-            </a:r>
-            <a:r>
-              <a:rPr lang="en-US" dirty="0" err="1">
-                <a:solidFill>
-                  <a:srgbClr val="0B214A"/>
-                </a:solidFill>
-                <a:latin typeface="Roboto" panose="02000000000000000000" pitchFamily="2" charset="0"/>
-                <a:ea typeface="Roboto" panose="02000000000000000000" pitchFamily="2" charset="0"/>
-              </a:rPr>
-              <a:t>foram</a:t>
-            </a:r>
-            <a:r>
-              <a:rPr lang="en-US" dirty="0">
-                <a:solidFill>
-                  <a:srgbClr val="0B214A"/>
-                </a:solidFill>
-                <a:latin typeface="Roboto" panose="02000000000000000000" pitchFamily="2" charset="0"/>
-                <a:ea typeface="Roboto" panose="02000000000000000000" pitchFamily="2" charset="0"/>
-              </a:rPr>
-              <a:t> </a:t>
-            </a:r>
-            <a:r>
-              <a:rPr lang="en-US" dirty="0" err="1">
-                <a:solidFill>
-                  <a:srgbClr val="0B214A"/>
-                </a:solidFill>
-                <a:latin typeface="Roboto" panose="02000000000000000000" pitchFamily="2" charset="0"/>
-                <a:ea typeface="Roboto" panose="02000000000000000000" pitchFamily="2" charset="0"/>
-              </a:rPr>
-              <a:t>criados</a:t>
-            </a:r>
-            <a:r>
-              <a:rPr lang="en-US" dirty="0">
-                <a:solidFill>
-                  <a:srgbClr val="0B214A"/>
-                </a:solidFill>
-                <a:latin typeface="Roboto" panose="02000000000000000000" pitchFamily="2" charset="0"/>
-                <a:ea typeface="Roboto" panose="02000000000000000000" pitchFamily="2" charset="0"/>
-              </a:rPr>
-              <a:t> </a:t>
-            </a:r>
-            <a:r>
-              <a:rPr lang="en-US" dirty="0" err="1">
-                <a:solidFill>
-                  <a:srgbClr val="0B214A"/>
-                </a:solidFill>
-                <a:latin typeface="Roboto" panose="02000000000000000000" pitchFamily="2" charset="0"/>
-                <a:ea typeface="Roboto" panose="02000000000000000000" pitchFamily="2" charset="0"/>
-              </a:rPr>
-              <a:t>pensando</a:t>
-            </a:r>
-            <a:r>
-              <a:rPr lang="en-US" dirty="0">
-                <a:solidFill>
-                  <a:srgbClr val="0B214A"/>
-                </a:solidFill>
-                <a:latin typeface="Roboto" panose="02000000000000000000" pitchFamily="2" charset="0"/>
-                <a:ea typeface="Roboto" panose="02000000000000000000" pitchFamily="2" charset="0"/>
-              </a:rPr>
-              <a:t> </a:t>
-            </a:r>
-            <a:r>
-              <a:rPr lang="en-US" dirty="0" err="1">
-                <a:solidFill>
-                  <a:srgbClr val="0B214A"/>
-                </a:solidFill>
-                <a:latin typeface="Roboto" panose="02000000000000000000" pitchFamily="2" charset="0"/>
-                <a:ea typeface="Roboto" panose="02000000000000000000" pitchFamily="2" charset="0"/>
-              </a:rPr>
-              <a:t>na</a:t>
-            </a:r>
-            <a:r>
-              <a:rPr lang="en-US" dirty="0">
-                <a:solidFill>
-                  <a:srgbClr val="0B214A"/>
-                </a:solidFill>
-                <a:latin typeface="Roboto" panose="02000000000000000000" pitchFamily="2" charset="0"/>
-                <a:ea typeface="Roboto" panose="02000000000000000000" pitchFamily="2" charset="0"/>
-              </a:rPr>
-              <a:t> </a:t>
-            </a:r>
-            <a:r>
-              <a:rPr lang="en-US" dirty="0" err="1">
-                <a:solidFill>
-                  <a:srgbClr val="0B214A"/>
-                </a:solidFill>
-                <a:latin typeface="Roboto" panose="02000000000000000000" pitchFamily="2" charset="0"/>
-                <a:ea typeface="Roboto" panose="02000000000000000000" pitchFamily="2" charset="0"/>
-              </a:rPr>
-              <a:t>portabilidade</a:t>
-            </a:r>
-            <a:r>
-              <a:rPr lang="en-US" dirty="0">
-                <a:solidFill>
-                  <a:srgbClr val="0B214A"/>
-                </a:solidFill>
-                <a:latin typeface="Roboto" panose="02000000000000000000" pitchFamily="2" charset="0"/>
-                <a:ea typeface="Roboto" panose="02000000000000000000" pitchFamily="2" charset="0"/>
-              </a:rPr>
-              <a:t>;</a:t>
+              <a:t>Image Layers;</a:t>
             </a:r>
           </a:p>
           <a:p>
@@ -27886,103 +27334,58 @@
               <a:buFont typeface="Arial" panose="020B0604020202020204" pitchFamily="34" charset="0"/>
               <a:buChar char="•"/>
             </a:pPr>
-            <a:r>
-              <a:rPr lang="en-US" dirty="0">
-                <a:solidFill>
-                  <a:srgbClr val="0B214A"/>
-                </a:solidFill>
-                <a:latin typeface="Roboto" panose="02000000000000000000" pitchFamily="2" charset="0"/>
-                <a:ea typeface="Roboto" panose="02000000000000000000" pitchFamily="2" charset="0"/>
-              </a:rPr>
-              <a:t>Containers </a:t>
-            </a:r>
-            <a:r>
-              <a:rPr lang="en-US" dirty="0" err="1">
-                <a:solidFill>
-                  <a:srgbClr val="0B214A"/>
-                </a:solidFill>
-                <a:latin typeface="Roboto" panose="02000000000000000000" pitchFamily="2" charset="0"/>
-                <a:ea typeface="Roboto" panose="02000000000000000000" pitchFamily="2" charset="0"/>
-              </a:rPr>
-              <a:t>fazem</a:t>
-            </a:r>
-            <a:r>
-              <a:rPr lang="en-US" dirty="0">
-                <a:solidFill>
-                  <a:srgbClr val="0B214A"/>
-                </a:solidFill>
-                <a:latin typeface="Roboto" panose="02000000000000000000" pitchFamily="2" charset="0"/>
-                <a:ea typeface="Roboto" panose="02000000000000000000" pitchFamily="2" charset="0"/>
-              </a:rPr>
-              <a:t> boot </a:t>
-            </a:r>
-            <a:r>
-              <a:rPr lang="en-US" dirty="0" err="1">
-                <a:solidFill>
-                  <a:srgbClr val="0B214A"/>
-                </a:solidFill>
-                <a:latin typeface="Roboto" panose="02000000000000000000" pitchFamily="2" charset="0"/>
-                <a:ea typeface="Roboto" panose="02000000000000000000" pitchFamily="2" charset="0"/>
-              </a:rPr>
-              <a:t>muito</a:t>
-            </a:r>
-            <a:r>
-              <a:rPr lang="en-US" dirty="0">
-                <a:solidFill>
-                  <a:srgbClr val="0B214A"/>
-                </a:solidFill>
-                <a:latin typeface="Roboto" panose="02000000000000000000" pitchFamily="2" charset="0"/>
-                <a:ea typeface="Roboto" panose="02000000000000000000" pitchFamily="2" charset="0"/>
-              </a:rPr>
-              <a:t> </a:t>
-            </a:r>
-            <a:r>
-              <a:rPr lang="en-US" dirty="0" err="1">
-                <a:solidFill>
-                  <a:srgbClr val="0B214A"/>
-                </a:solidFill>
-                <a:latin typeface="Roboto" panose="02000000000000000000" pitchFamily="2" charset="0"/>
-                <a:ea typeface="Roboto" panose="02000000000000000000" pitchFamily="2" charset="0"/>
-              </a:rPr>
-              <a:t>mais</a:t>
-            </a:r>
-            <a:r>
-              <a:rPr lang="en-US" dirty="0">
-                <a:solidFill>
-                  <a:srgbClr val="0B214A"/>
-                </a:solidFill>
-                <a:latin typeface="Roboto" panose="02000000000000000000" pitchFamily="2" charset="0"/>
-                <a:ea typeface="Roboto" panose="02000000000000000000" pitchFamily="2" charset="0"/>
-              </a:rPr>
-              <a:t> </a:t>
-            </a:r>
-            <a:r>
-              <a:rPr lang="en-US" dirty="0" err="1">
-                <a:solidFill>
-                  <a:srgbClr val="0B214A"/>
-                </a:solidFill>
-                <a:latin typeface="Roboto" panose="02000000000000000000" pitchFamily="2" charset="0"/>
-                <a:ea typeface="Roboto" panose="02000000000000000000" pitchFamily="2" charset="0"/>
-              </a:rPr>
-              <a:t>rápido</a:t>
-            </a:r>
-            <a:r>
-              <a:rPr lang="en-US" dirty="0">
-                <a:solidFill>
-                  <a:srgbClr val="0B214A"/>
-                </a:solidFill>
-                <a:latin typeface="Roboto" panose="02000000000000000000" pitchFamily="2" charset="0"/>
-                <a:ea typeface="Roboto" panose="02000000000000000000" pitchFamily="2" charset="0"/>
-              </a:rPr>
-              <a:t>;</a:t>
-            </a:r>
+            <a:endParaRPr lang="en-US" dirty="0">
+              <a:solidFill>
+                <a:srgbClr val="0B214A"/>
+              </a:solidFill>
+              <a:latin typeface="Roboto" panose="02000000000000000000" pitchFamily="2" charset="0"/>
+              <a:ea typeface="Roboto" panose="02000000000000000000" pitchFamily="2" charset="0"/>
+            </a:endParaRPr>
+          </a:p>
+          <a:p>
+            <a:pPr marL="285750" indent="-285750">
+              <a:lnSpc>
+                <a:spcPct val="150000"/>
+              </a:lnSpc>
+              <a:spcAft>
+                <a:spcPts val="1200"/>
+              </a:spcAft>
+              <a:buFont typeface="Arial" panose="020B0604020202020204" pitchFamily="34" charset="0"/>
+              <a:buChar char="•"/>
+            </a:pPr>
+            <a:endParaRPr lang="en-US" dirty="0">
+              <a:solidFill>
+                <a:srgbClr val="0B214A"/>
+              </a:solidFill>
+              <a:latin typeface="Roboto" panose="02000000000000000000" pitchFamily="2" charset="0"/>
+              <a:ea typeface="Roboto" panose="02000000000000000000" pitchFamily="2" charset="0"/>
+            </a:endParaRPr>
+          </a:p>
+          <a:p>
+            <a:pPr marL="285750" indent="-285750">
+              <a:lnSpc>
+                <a:spcPct val="150000"/>
+              </a:lnSpc>
+              <a:spcAft>
+                <a:spcPts val="1200"/>
+              </a:spcAft>
+              <a:buFont typeface="Arial" panose="020B0604020202020204" pitchFamily="34" charset="0"/>
+              <a:buChar char="•"/>
+            </a:pPr>
+            <a:endParaRPr lang="en-US" dirty="0">
+              <a:solidFill>
+                <a:srgbClr val="0B214A"/>
+              </a:solidFill>
+              <a:latin typeface="Roboto" panose="02000000000000000000" pitchFamily="2" charset="0"/>
+              <a:ea typeface="Roboto" panose="02000000000000000000" pitchFamily="2" charset="0"/>
+            </a:endParaRPr>
           </a:p>
         </p:txBody>
       </p:sp>
     </p:spTree>
     <p:extLst>
       <p:ext uri="{BB962C8B-B14F-4D97-AF65-F5344CB8AC3E}">
-        <p14:creationId xmlns:p14="http://schemas.microsoft.com/office/powerpoint/2010/main" val="1216418219"/>
+        <p14:creationId xmlns:p14="http://schemas.microsoft.com/office/powerpoint/2010/main" val="2185059527"/>
       </p:ext>
     </p:extLst>
   </p:cSld>
@@ -28149,7 +27552,19 @@
                 <a:cs typeface="Roboto"/>
                 <a:sym typeface="Roboto"/>
               </a:rPr>
-              <a:t>Conceitos importantes</a:t>
+              <a:t>Container </a:t>
+            </a:r>
+            <a:r>
+              <a:rPr lang="pt-BR" sz="2400" b="1" dirty="0" err="1">
+                <a:solidFill>
+                  <a:srgbClr val="20409A"/>
+                </a:solidFill>
+                <a:latin typeface="Roboto"/>
+                <a:ea typeface="Roboto"/>
+                <a:cs typeface="Roboto"/>
+                <a:sym typeface="Roboto"/>
+              </a:rPr>
+              <a:t>images</a:t>
             </a:r>
             <a:endParaRPr sz="2400" b="1" dirty="0">
               <a:solidFill>
@@ -28204,10 +27619,10 @@
       </p:sp>
       <p:sp>
         <p:nvSpPr>
-          <p:cNvPr id="8" name="TextBox 7">
+          <p:cNvPr id="6" name="TextBox 5">
             <a:extLst>
               <a:ext uri="{FF2B5EF4-FFF2-40B4-BE49-F238E27FC236}">
-                <a16:creationId xmlns:a16="http://schemas.microsoft.com/office/drawing/2014/main" id="{81F9BAC4-62BA-CD44-BB03-17AA7561D4DA}"/>
+                <a16:creationId xmlns:a16="http://schemas.microsoft.com/office/drawing/2014/main" id="{F9DD03DE-B2A7-4B4A-AD12-AB2A163CCEE9}"/>
               </a:ext>
             </a:extLst>
           </p:cNvPr>
@@ -28217,7 +27632,7 @@
         <p:spPr>
           <a:xfrm>
             <a:off x="330612" y="911282"/>
-            <a:ext cx="8121625" cy="3980577"/>
+            <a:ext cx="8121625" cy="2000548"/>
           </a:xfrm>
           <a:prstGeom prst="rect">
             <a:avLst/>
@@ -28238,52 +27653,205 @@
               <a:buChar char="•"/>
             </a:pPr>
             <a:r>
-              <a:rPr lang="en-US" dirty="0">
-                <a:solidFill>
-                  <a:schemeClr val="bg1">
-                    <a:lumMod val="75000"/>
-                  </a:schemeClr>
-                </a:solidFill>
-                <a:latin typeface="Roboto" panose="02000000000000000000" pitchFamily="2" charset="0"/>
-                <a:ea typeface="Roboto" panose="02000000000000000000" pitchFamily="2" charset="0"/>
-              </a:rPr>
-              <a:t>C</a:t>
-            </a:r>
-            <a:r>
-              <a:rPr lang="en-US" b="0" i="0" dirty="0">
-                <a:solidFill>
-                  <a:schemeClr val="bg1">
-                    <a:lumMod val="75000"/>
-                  </a:schemeClr>
-                </a:solidFill>
-                <a:effectLst/>
-                <a:latin typeface="Roboto" panose="02000000000000000000" pitchFamily="2" charset="0"/>
-                <a:ea typeface="Roboto" panose="02000000000000000000" pitchFamily="2" charset="0"/>
-              </a:rPr>
-              <a:t>ontainers</a:t>
-            </a:r>
-            <a:r>
-              <a:rPr lang="en-US" dirty="0">
-                <a:solidFill>
-                  <a:schemeClr val="bg1">
-                    <a:lumMod val="75000"/>
-                  </a:schemeClr>
+              <a:rPr lang="en-US" dirty="0" err="1">
+                <a:solidFill>
+                  <a:srgbClr val="0B214A"/>
+                </a:solidFill>
+                <a:latin typeface="Roboto" panose="02000000000000000000" pitchFamily="2" charset="0"/>
+                <a:ea typeface="Roboto" panose="02000000000000000000" pitchFamily="2" charset="0"/>
+              </a:rPr>
+              <a:t>É</a:t>
+            </a:r>
+            <a:r>
+              <a:rPr lang="en-US" dirty="0">
+                <a:solidFill>
+                  <a:srgbClr val="0B214A"/>
+                </a:solidFill>
+                <a:latin typeface="Roboto" panose="02000000000000000000" pitchFamily="2" charset="0"/>
+                <a:ea typeface="Roboto" panose="02000000000000000000" pitchFamily="2" charset="0"/>
+              </a:rPr>
+              <a:t> um </a:t>
+            </a:r>
+            <a:r>
+              <a:rPr lang="en-US" dirty="0" err="1">
+                <a:solidFill>
+                  <a:srgbClr val="0B214A"/>
+                </a:solidFill>
+                <a:latin typeface="Roboto" panose="02000000000000000000" pitchFamily="2" charset="0"/>
+                <a:ea typeface="Roboto" panose="02000000000000000000" pitchFamily="2" charset="0"/>
+              </a:rPr>
+              <a:t>arquivo</a:t>
+            </a:r>
+            <a:r>
+              <a:rPr lang="en-US" dirty="0">
+                <a:solidFill>
+                  <a:srgbClr val="0B214A"/>
+                </a:solidFill>
+                <a:latin typeface="Roboto" panose="02000000000000000000" pitchFamily="2" charset="0"/>
+                <a:ea typeface="Roboto" panose="02000000000000000000" pitchFamily="2" charset="0"/>
+              </a:rPr>
+              <a:t> “</a:t>
+            </a:r>
+            <a:r>
+              <a:rPr lang="en-US" dirty="0" err="1">
+                <a:solidFill>
+                  <a:srgbClr val="0B214A"/>
+                </a:solidFill>
+                <a:latin typeface="Roboto" panose="02000000000000000000" pitchFamily="2" charset="0"/>
+                <a:ea typeface="Roboto" panose="02000000000000000000" pitchFamily="2" charset="0"/>
+              </a:rPr>
+              <a:t>executável</a:t>
+            </a:r>
+            <a:r>
+              <a:rPr lang="en-US" dirty="0">
+                <a:solidFill>
+                  <a:srgbClr val="0B214A"/>
+                </a:solidFill>
+                <a:latin typeface="Roboto" panose="02000000000000000000" pitchFamily="2" charset="0"/>
+                <a:ea typeface="Roboto" panose="02000000000000000000" pitchFamily="2" charset="0"/>
+              </a:rPr>
+              <a:t>” </a:t>
+            </a:r>
+            <a:r>
+              <a:rPr lang="en-US" dirty="0" err="1">
+                <a:solidFill>
+                  <a:srgbClr val="0B214A"/>
+                </a:solidFill>
+                <a:latin typeface="Roboto" panose="02000000000000000000" pitchFamily="2" charset="0"/>
+                <a:ea typeface="Roboto" panose="02000000000000000000" pitchFamily="2" charset="0"/>
+              </a:rPr>
+              <a:t>baixado</a:t>
+            </a:r>
+            <a:r>
+              <a:rPr lang="en-US" dirty="0">
+                <a:solidFill>
+                  <a:srgbClr val="0B214A"/>
+                </a:solidFill>
+                <a:latin typeface="Roboto" panose="02000000000000000000" pitchFamily="2" charset="0"/>
+                <a:ea typeface="Roboto" panose="02000000000000000000" pitchFamily="2" charset="0"/>
+              </a:rPr>
+              <a:t> de um registry que </a:t>
+            </a:r>
+            <a:r>
+              <a:rPr lang="en-US" dirty="0" err="1">
+                <a:solidFill>
+                  <a:srgbClr val="0B214A"/>
+                </a:solidFill>
+                <a:latin typeface="Roboto" panose="02000000000000000000" pitchFamily="2" charset="0"/>
+                <a:ea typeface="Roboto" panose="02000000000000000000" pitchFamily="2" charset="0"/>
+              </a:rPr>
+              <a:t>contém</a:t>
+            </a:r>
+            <a:r>
+              <a:rPr lang="en-US" dirty="0">
+                <a:solidFill>
+                  <a:srgbClr val="0B214A"/>
+                </a:solidFill>
+                <a:latin typeface="Roboto" panose="02000000000000000000" pitchFamily="2" charset="0"/>
+                <a:ea typeface="Roboto" panose="02000000000000000000" pitchFamily="2" charset="0"/>
+              </a:rPr>
+              <a:t> </a:t>
+            </a:r>
+            <a:r>
+              <a:rPr lang="en-US" dirty="0" err="1">
+                <a:solidFill>
+                  <a:srgbClr val="0B214A"/>
+                </a:solidFill>
+                <a:latin typeface="Roboto" panose="02000000000000000000" pitchFamily="2" charset="0"/>
+                <a:ea typeface="Roboto" panose="02000000000000000000" pitchFamily="2" charset="0"/>
+              </a:rPr>
+              <a:t>tudo</a:t>
+            </a:r>
+            <a:r>
+              <a:rPr lang="en-US" dirty="0">
+                <a:solidFill>
+                  <a:srgbClr val="0B214A"/>
+                </a:solidFill>
+                <a:latin typeface="Roboto" panose="02000000000000000000" pitchFamily="2" charset="0"/>
+                <a:ea typeface="Roboto" panose="02000000000000000000" pitchFamily="2" charset="0"/>
+              </a:rPr>
+              <a:t> que </a:t>
+            </a:r>
+            <a:r>
+              <a:rPr lang="en-US" dirty="0" err="1">
+                <a:solidFill>
+                  <a:srgbClr val="0B214A"/>
+                </a:solidFill>
+                <a:latin typeface="Roboto" panose="02000000000000000000" pitchFamily="2" charset="0"/>
+                <a:ea typeface="Roboto" panose="02000000000000000000" pitchFamily="2" charset="0"/>
+              </a:rPr>
+              <a:t>é</a:t>
+            </a:r>
+            <a:r>
+              <a:rPr lang="en-US" dirty="0">
+                <a:solidFill>
+                  <a:srgbClr val="0B214A"/>
+                </a:solidFill>
+                <a:latin typeface="Roboto" panose="02000000000000000000" pitchFamily="2" charset="0"/>
+                <a:ea typeface="Roboto" panose="02000000000000000000" pitchFamily="2" charset="0"/>
+              </a:rPr>
+              <a:t> </a:t>
+            </a:r>
+            <a:r>
+              <a:rPr lang="en-US" dirty="0" err="1">
+                <a:solidFill>
+                  <a:srgbClr val="0B214A"/>
+                </a:solidFill>
+                <a:latin typeface="Roboto" panose="02000000000000000000" pitchFamily="2" charset="0"/>
+                <a:ea typeface="Roboto" panose="02000000000000000000" pitchFamily="2" charset="0"/>
+              </a:rPr>
+              <a:t>necessário</a:t>
+            </a:r>
+            <a:r>
+              <a:rPr lang="en-US" dirty="0">
+                <a:solidFill>
+                  <a:srgbClr val="0B214A"/>
+                </a:solidFill>
+                <a:latin typeface="Roboto" panose="02000000000000000000" pitchFamily="2" charset="0"/>
+                <a:ea typeface="Roboto" panose="02000000000000000000" pitchFamily="2" charset="0"/>
+              </a:rPr>
+              <a:t> para </a:t>
+            </a:r>
+            <a:r>
+              <a:rPr lang="en-US" dirty="0" err="1">
+                <a:solidFill>
+                  <a:srgbClr val="0B214A"/>
+                </a:solidFill>
+                <a:latin typeface="Roboto" panose="02000000000000000000" pitchFamily="2" charset="0"/>
+                <a:ea typeface="Roboto" panose="02000000000000000000" pitchFamily="2" charset="0"/>
+              </a:rPr>
+              <a:t>rodar</a:t>
+            </a:r>
+            <a:r>
+              <a:rPr lang="en-US" dirty="0">
+                <a:solidFill>
+                  <a:srgbClr val="0B214A"/>
+                </a:solidFill>
+                <a:latin typeface="Roboto" panose="02000000000000000000" pitchFamily="2" charset="0"/>
+                <a:ea typeface="Roboto" panose="02000000000000000000" pitchFamily="2" charset="0"/>
+              </a:rPr>
+              <a:t> a </a:t>
+            </a:r>
+            <a:r>
+              <a:rPr lang="en-US" dirty="0" err="1">
+                <a:solidFill>
+                  <a:srgbClr val="0B214A"/>
+                </a:solidFill>
+                <a:latin typeface="Roboto" panose="02000000000000000000" pitchFamily="2" charset="0"/>
+                <a:ea typeface="Roboto" panose="02000000000000000000" pitchFamily="2" charset="0"/>
+              </a:rPr>
+              <a:t>aplicação</a:t>
+            </a:r>
+            <a:r>
+              <a:rPr lang="en-US" dirty="0">
+                <a:solidFill>
+                  <a:srgbClr val="0B214A"/>
                 </a:solidFill>
                 <a:latin typeface="Roboto" panose="02000000000000000000" pitchFamily="2" charset="0"/>
                 <a:ea typeface="Roboto" panose="02000000000000000000" pitchFamily="2" charset="0"/>
               </a:rPr>
               <a:t>;</a:t>
             </a:r>
-            <a:endParaRPr lang="en-US" b="0" i="0" dirty="0">
-              <a:solidFill>
-                <a:schemeClr val="bg1">
-                  <a:lumMod val="75000"/>
-                </a:schemeClr>
-              </a:solidFill>
-              <a:effectLst/>
-              <a:latin typeface="Roboto" panose="02000000000000000000" pitchFamily="2" charset="0"/>
-              <a:ea typeface="Roboto" panose="02000000000000000000" pitchFamily="2" charset="0"/>
-            </a:endParaRPr>
           </a:p>
           <a:p>
             <a:pPr marL="285750" indent="-285750">
@@ -28294,6 +27862,17 @@
               <a:buChar char="•"/>
             </a:pPr>
             <a:r>
+              <a:rPr lang="en-US" b="0" i="0" dirty="0" err="1">
+                <a:solidFill>
+                  <a:srgbClr val="0B214A"/>
+                </a:solidFill>
+                <a:effectLst/>
+                <a:latin typeface="Roboto" panose="02000000000000000000" pitchFamily="2" charset="0"/>
+                <a:ea typeface="Roboto" panose="02000000000000000000" pitchFamily="2" charset="0"/>
+              </a:rPr>
+              <a:t>Elemento</a:t>
+            </a:r>
+            <a:r>
               <a:rPr lang="en-US" b="0" i="0" dirty="0">
                 <a:solidFill>
                   <a:srgbClr val="0B214A"/>
@@ -28302,14 +27881,99 @@
                 <a:latin typeface="Roboto" panose="02000000000000000000" pitchFamily="2" charset="0"/>
                 <a:ea typeface="Roboto" panose="02000000000000000000" pitchFamily="2" charset="0"/>
               </a:rPr>
-              <a:t>Container images;</a:t>
+              <a:t> </a:t>
+            </a:r>
+            <a:r>
+              <a:rPr lang="en-US" b="0" i="0" dirty="0" err="1">
+                <a:solidFill>
+                  <a:srgbClr val="0B214A"/>
+                </a:solidFill>
+                <a:effectLst/>
+                <a:latin typeface="Roboto" panose="02000000000000000000" pitchFamily="2" charset="0"/>
+                <a:ea typeface="Roboto" panose="02000000000000000000" pitchFamily="2" charset="0"/>
+              </a:rPr>
+              <a:t>estático</a:t>
+            </a:r>
+            <a:r>
+              <a:rPr lang="en-US" b="0" i="0" dirty="0">
+                <a:solidFill>
+                  <a:srgbClr val="0B214A"/>
+                </a:solidFill>
+                <a:effectLst/>
+                <a:latin typeface="Roboto" panose="02000000000000000000" pitchFamily="2" charset="0"/>
+                <a:ea typeface="Roboto" panose="02000000000000000000" pitchFamily="2" charset="0"/>
+              </a:rPr>
+              <a:t> que </a:t>
+            </a:r>
+            <a:r>
+              <a:rPr lang="en-US" b="0" i="0" dirty="0" err="1">
+                <a:solidFill>
+                  <a:srgbClr val="0B214A"/>
+                </a:solidFill>
+                <a:effectLst/>
+                <a:latin typeface="Roboto" panose="02000000000000000000" pitchFamily="2" charset="0"/>
+                <a:ea typeface="Roboto" panose="02000000000000000000" pitchFamily="2" charset="0"/>
+              </a:rPr>
+              <a:t>origina</a:t>
+            </a:r>
+            <a:r>
+              <a:rPr lang="en-US" b="0" i="0" dirty="0">
+                <a:solidFill>
+                  <a:srgbClr val="0B214A"/>
+                </a:solidFill>
+                <a:effectLst/>
+                <a:latin typeface="Roboto" panose="02000000000000000000" pitchFamily="2" charset="0"/>
+                <a:ea typeface="Roboto" panose="02000000000000000000" pitchFamily="2" charset="0"/>
+              </a:rPr>
+              <a:t> containers </a:t>
+            </a:r>
+            <a:r>
+              <a:rPr lang="en-US" b="0" i="0" dirty="0" err="1">
+                <a:solidFill>
+                  <a:srgbClr val="0B214A"/>
+                </a:solidFill>
+                <a:effectLst/>
+                <a:latin typeface="Roboto" panose="02000000000000000000" pitchFamily="2" charset="0"/>
+                <a:ea typeface="Roboto" panose="02000000000000000000" pitchFamily="2" charset="0"/>
+              </a:rPr>
+              <a:t>quando</a:t>
+            </a:r>
+            <a:r>
+              <a:rPr lang="en-US" b="0" i="0" dirty="0">
+                <a:solidFill>
+                  <a:srgbClr val="0B214A"/>
+                </a:solidFill>
+                <a:effectLst/>
+                <a:latin typeface="Roboto" panose="02000000000000000000" pitchFamily="2" charset="0"/>
+                <a:ea typeface="Roboto" panose="02000000000000000000" pitchFamily="2" charset="0"/>
+              </a:rPr>
+              <a:t> </a:t>
+            </a:r>
+            <a:r>
+              <a:rPr lang="en-US" b="0" i="0" dirty="0" err="1">
+                <a:solidFill>
+                  <a:srgbClr val="0B214A"/>
+                </a:solidFill>
+                <a:effectLst/>
+                <a:latin typeface="Roboto" panose="02000000000000000000" pitchFamily="2" charset="0"/>
+                <a:ea typeface="Roboto" panose="02000000000000000000" pitchFamily="2" charset="0"/>
+              </a:rPr>
+              <a:t>instanciado</a:t>
+            </a:r>
+            <a:r>
+              <a:rPr lang="en-US" b="0" i="0" dirty="0">
+                <a:solidFill>
+                  <a:srgbClr val="0B214A"/>
+                </a:solidFill>
+                <a:effectLst/>
+                <a:latin typeface="Roboto" panose="02000000000000000000" pitchFamily="2" charset="0"/>
+                <a:ea typeface="Roboto" panose="02000000000000000000" pitchFamily="2" charset="0"/>
+              </a:rPr>
+              <a:t>;</a:t>
             </a:r>
           </a:p>
           <a:p>
             <a:pPr marL="285750" indent="-285750">
-              <a:lnSpc>
-                <a:spcPct val="150000"/>
-              </a:lnSpc>
               <a:spcAft>
                 <a:spcPts val="1200"/>
               </a:spcAft>
@@ -28317,21 +27981,162 @@
               <a:buChar char="•"/>
             </a:pPr>
             <a:r>
-              <a:rPr lang="en-US" dirty="0">
-                <a:solidFill>
-                  <a:srgbClr val="0B214A"/>
-                </a:solidFill>
-                <a:latin typeface="Roboto" panose="02000000000000000000" pitchFamily="2" charset="0"/>
-                <a:ea typeface="Roboto" panose="02000000000000000000" pitchFamily="2" charset="0"/>
-              </a:rPr>
-              <a:t>Container engines;</a:t>
+              <a:rPr lang="en-US" b="0" i="0" dirty="0" err="1">
+                <a:solidFill>
+                  <a:srgbClr val="0B214A"/>
+                </a:solidFill>
+                <a:effectLst/>
+                <a:latin typeface="Roboto" panose="02000000000000000000" pitchFamily="2" charset="0"/>
+                <a:ea typeface="Roboto" panose="02000000000000000000" pitchFamily="2" charset="0"/>
+              </a:rPr>
+              <a:t>Pode</a:t>
+            </a:r>
+            <a:r>
+              <a:rPr lang="en-US" b="0" i="0" dirty="0">
+                <a:solidFill>
+                  <a:srgbClr val="0B214A"/>
+                </a:solidFill>
+                <a:effectLst/>
+                <a:latin typeface="Roboto" panose="02000000000000000000" pitchFamily="2" charset="0"/>
+                <a:ea typeface="Roboto" panose="02000000000000000000" pitchFamily="2" charset="0"/>
+              </a:rPr>
+              <a:t> </a:t>
+            </a:r>
+            <a:r>
+              <a:rPr lang="en-US" b="0" i="0" dirty="0" err="1">
+                <a:solidFill>
+                  <a:srgbClr val="0B214A"/>
+                </a:solidFill>
+                <a:effectLst/>
+                <a:latin typeface="Roboto" panose="02000000000000000000" pitchFamily="2" charset="0"/>
+                <a:ea typeface="Roboto" panose="02000000000000000000" pitchFamily="2" charset="0"/>
+              </a:rPr>
+              <a:t>possuir</a:t>
+            </a:r>
+            <a:r>
+              <a:rPr lang="en-US" b="0" i="0" dirty="0">
+                <a:solidFill>
+                  <a:srgbClr val="0B214A"/>
+                </a:solidFill>
+                <a:effectLst/>
+                <a:latin typeface="Roboto" panose="02000000000000000000" pitchFamily="2" charset="0"/>
+                <a:ea typeface="Roboto" panose="02000000000000000000" pitchFamily="2" charset="0"/>
+              </a:rPr>
+              <a:t> </a:t>
+            </a:r>
+            <a:r>
+              <a:rPr lang="en-US" b="0" i="0" dirty="0" err="1">
+                <a:solidFill>
+                  <a:srgbClr val="0B214A"/>
+                </a:solidFill>
+                <a:effectLst/>
+                <a:latin typeface="Roboto" panose="02000000000000000000" pitchFamily="2" charset="0"/>
+                <a:ea typeface="Roboto" panose="02000000000000000000" pitchFamily="2" charset="0"/>
+              </a:rPr>
+              <a:t>uma</a:t>
+            </a:r>
+            <a:r>
+              <a:rPr lang="en-US" b="0" i="0" dirty="0">
+                <a:solidFill>
+                  <a:srgbClr val="0B214A"/>
+                </a:solidFill>
+                <a:effectLst/>
+                <a:latin typeface="Roboto" panose="02000000000000000000" pitchFamily="2" charset="0"/>
+                <a:ea typeface="Roboto" panose="02000000000000000000" pitchFamily="2" charset="0"/>
+              </a:rPr>
+              <a:t> </a:t>
+            </a:r>
+            <a:r>
+              <a:rPr lang="en-US" b="0" i="0" dirty="0" err="1">
+                <a:solidFill>
+                  <a:srgbClr val="0B214A"/>
+                </a:solidFill>
+                <a:effectLst/>
+                <a:latin typeface="Roboto" panose="02000000000000000000" pitchFamily="2" charset="0"/>
+                <a:ea typeface="Roboto" panose="02000000000000000000" pitchFamily="2" charset="0"/>
+              </a:rPr>
+              <a:t>ou</a:t>
+            </a:r>
+            <a:r>
+              <a:rPr lang="en-US" b="0" i="0" dirty="0">
+                <a:solidFill>
+                  <a:srgbClr val="0B214A"/>
+                </a:solidFill>
+                <a:effectLst/>
+                <a:latin typeface="Roboto" panose="02000000000000000000" pitchFamily="2" charset="0"/>
+                <a:ea typeface="Roboto" panose="02000000000000000000" pitchFamily="2" charset="0"/>
+              </a:rPr>
+              <a:t> </a:t>
+            </a:r>
+            <a:r>
+              <a:rPr lang="en-US" b="0" i="0" dirty="0" err="1">
+                <a:solidFill>
+                  <a:srgbClr val="0B214A"/>
+                </a:solidFill>
+                <a:effectLst/>
+                <a:latin typeface="Roboto" panose="02000000000000000000" pitchFamily="2" charset="0"/>
+                <a:ea typeface="Roboto" panose="02000000000000000000" pitchFamily="2" charset="0"/>
+              </a:rPr>
+              <a:t>mais</a:t>
+            </a:r>
+            <a:r>
+              <a:rPr lang="en-US" b="0" i="0" dirty="0">
+                <a:solidFill>
+                  <a:srgbClr val="0B214A"/>
+                </a:solidFill>
+                <a:effectLst/>
+                <a:latin typeface="Roboto" panose="02000000000000000000" pitchFamily="2" charset="0"/>
+                <a:ea typeface="Roboto" panose="02000000000000000000" pitchFamily="2" charset="0"/>
+              </a:rPr>
+              <a:t> layers, </a:t>
+            </a:r>
+            <a:r>
+              <a:rPr lang="en-US" b="0" i="0" dirty="0" err="1">
+                <a:solidFill>
+                  <a:srgbClr val="0B214A"/>
+                </a:solidFill>
+                <a:effectLst/>
+                <a:latin typeface="Roboto" panose="02000000000000000000" pitchFamily="2" charset="0"/>
+                <a:ea typeface="Roboto" panose="02000000000000000000" pitchFamily="2" charset="0"/>
+              </a:rPr>
+              <a:t>assim</a:t>
+            </a:r>
+            <a:r>
+              <a:rPr lang="en-US" b="0" i="0" dirty="0">
+                <a:solidFill>
+                  <a:srgbClr val="0B214A"/>
+                </a:solidFill>
+                <a:effectLst/>
+                <a:latin typeface="Roboto" panose="02000000000000000000" pitchFamily="2" charset="0"/>
+                <a:ea typeface="Roboto" panose="02000000000000000000" pitchFamily="2" charset="0"/>
+              </a:rPr>
+              <a:t> </a:t>
+            </a:r>
+            <a:r>
+              <a:rPr lang="en-US" b="0" i="0" dirty="0" err="1">
+                <a:solidFill>
+                  <a:srgbClr val="0B214A"/>
+                </a:solidFill>
+                <a:effectLst/>
+                <a:latin typeface="Roboto" panose="02000000000000000000" pitchFamily="2" charset="0"/>
+                <a:ea typeface="Roboto" panose="02000000000000000000" pitchFamily="2" charset="0"/>
+              </a:rPr>
+              <a:t>como</a:t>
+            </a:r>
+            <a:r>
+              <a:rPr lang="en-US" b="0" i="0" dirty="0">
+                <a:solidFill>
+                  <a:srgbClr val="0B214A"/>
+                </a:solidFill>
+                <a:effectLst/>
+                <a:latin typeface="Roboto" panose="02000000000000000000" pitchFamily="2" charset="0"/>
+                <a:ea typeface="Roboto" panose="02000000000000000000" pitchFamily="2" charset="0"/>
+              </a:rPr>
+              <a:t> metadata;</a:t>
             </a:r>
           </a:p>
           <a:p>
             <a:pPr marL="285750" indent="-285750">
-              <a:lnSpc>
-                <a:spcPct val="150000"/>
-              </a:lnSpc>
               <a:spcAft>
                 <a:spcPts val="1200"/>
               </a:spcAft>
@@ -28339,21 +28144,128 @@
               <a:buChar char="•"/>
             </a:pPr>
             <a:r>
-              <a:rPr lang="en-US" dirty="0">
-                <a:solidFill>
-                  <a:srgbClr val="0B214A"/>
-                </a:solidFill>
-                <a:latin typeface="Roboto" panose="02000000000000000000" pitchFamily="2" charset="0"/>
-                <a:ea typeface="Roboto" panose="02000000000000000000" pitchFamily="2" charset="0"/>
-              </a:rPr>
-              <a:t>Container host;</a:t>
+              <a:rPr lang="en-US" dirty="0" err="1">
+                <a:solidFill>
+                  <a:srgbClr val="0B214A"/>
+                </a:solidFill>
+                <a:latin typeface="Roboto" panose="02000000000000000000" pitchFamily="2" charset="0"/>
+                <a:ea typeface="Roboto" panose="02000000000000000000" pitchFamily="2" charset="0"/>
+              </a:rPr>
+              <a:t>Possui</a:t>
+            </a:r>
+            <a:r>
+              <a:rPr lang="en-US" dirty="0">
+                <a:solidFill>
+                  <a:srgbClr val="0B214A"/>
+                </a:solidFill>
+                <a:latin typeface="Roboto" panose="02000000000000000000" pitchFamily="2" charset="0"/>
+                <a:ea typeface="Roboto" panose="02000000000000000000" pitchFamily="2" charset="0"/>
+              </a:rPr>
+              <a:t> um </a:t>
+            </a:r>
+            <a:r>
+              <a:rPr lang="en-US" dirty="0" err="1">
+                <a:solidFill>
+                  <a:srgbClr val="0B214A"/>
+                </a:solidFill>
+                <a:latin typeface="Roboto" panose="02000000000000000000" pitchFamily="2" charset="0"/>
+                <a:ea typeface="Roboto" panose="02000000000000000000" pitchFamily="2" charset="0"/>
+              </a:rPr>
+              <a:t>formato</a:t>
+            </a:r>
+            <a:r>
+              <a:rPr lang="en-US" dirty="0">
+                <a:solidFill>
+                  <a:srgbClr val="0B214A"/>
+                </a:solidFill>
+                <a:latin typeface="Roboto" panose="02000000000000000000" pitchFamily="2" charset="0"/>
+                <a:ea typeface="Roboto" panose="02000000000000000000" pitchFamily="2" charset="0"/>
+              </a:rPr>
+              <a:t> </a:t>
+            </a:r>
+            <a:r>
+              <a:rPr lang="en-US" dirty="0" err="1">
+                <a:solidFill>
+                  <a:srgbClr val="0B214A"/>
+                </a:solidFill>
+                <a:latin typeface="Roboto" panose="02000000000000000000" pitchFamily="2" charset="0"/>
+                <a:ea typeface="Roboto" panose="02000000000000000000" pitchFamily="2" charset="0"/>
+              </a:rPr>
+              <a:t>específico</a:t>
+            </a:r>
+            <a:r>
+              <a:rPr lang="en-US" dirty="0">
+                <a:solidFill>
+                  <a:srgbClr val="0B214A"/>
+                </a:solidFill>
+                <a:latin typeface="Roboto" panose="02000000000000000000" pitchFamily="2" charset="0"/>
+                <a:ea typeface="Roboto" panose="02000000000000000000" pitchFamily="2" charset="0"/>
+              </a:rPr>
+              <a:t>: </a:t>
+            </a:r>
+            <a:r>
+              <a:rPr lang="en-US" dirty="0" err="1">
+                <a:solidFill>
+                  <a:srgbClr val="0B214A"/>
+                </a:solidFill>
+                <a:latin typeface="Roboto" panose="02000000000000000000" pitchFamily="2" charset="0"/>
+                <a:ea typeface="Roboto" panose="02000000000000000000" pitchFamily="2" charset="0"/>
+              </a:rPr>
+              <a:t>hoje</a:t>
+            </a:r>
+            <a:r>
+              <a:rPr lang="en-US" dirty="0">
+                <a:solidFill>
+                  <a:srgbClr val="0B214A"/>
+                </a:solidFill>
+                <a:latin typeface="Roboto" panose="02000000000000000000" pitchFamily="2" charset="0"/>
+                <a:ea typeface="Roboto" panose="02000000000000000000" pitchFamily="2" charset="0"/>
+              </a:rPr>
+              <a:t> o </a:t>
+            </a:r>
+            <a:r>
+              <a:rPr lang="en-US" dirty="0" err="1">
+                <a:solidFill>
+                  <a:srgbClr val="0B214A"/>
+                </a:solidFill>
+                <a:latin typeface="Roboto" panose="02000000000000000000" pitchFamily="2" charset="0"/>
+                <a:ea typeface="Roboto" panose="02000000000000000000" pitchFamily="2" charset="0"/>
+              </a:rPr>
+              <a:t>padrão</a:t>
+            </a:r>
+            <a:r>
+              <a:rPr lang="en-US" dirty="0">
+                <a:solidFill>
+                  <a:srgbClr val="0B214A"/>
+                </a:solidFill>
+                <a:latin typeface="Roboto" panose="02000000000000000000" pitchFamily="2" charset="0"/>
+                <a:ea typeface="Roboto" panose="02000000000000000000" pitchFamily="2" charset="0"/>
+              </a:rPr>
+              <a:t> </a:t>
+            </a:r>
+            <a:r>
+              <a:rPr lang="en-US" dirty="0" err="1">
+                <a:solidFill>
+                  <a:srgbClr val="0B214A"/>
+                </a:solidFill>
+                <a:latin typeface="Roboto" panose="02000000000000000000" pitchFamily="2" charset="0"/>
+                <a:ea typeface="Roboto" panose="02000000000000000000" pitchFamily="2" charset="0"/>
+              </a:rPr>
+              <a:t>é</a:t>
+            </a:r>
+            <a:r>
+              <a:rPr lang="en-US" dirty="0">
+                <a:solidFill>
+                  <a:srgbClr val="0B214A"/>
+                </a:solidFill>
+                <a:latin typeface="Roboto" panose="02000000000000000000" pitchFamily="2" charset="0"/>
+                <a:ea typeface="Roboto" panose="02000000000000000000" pitchFamily="2" charset="0"/>
+              </a:rPr>
+              <a:t> o OCI (Open Container Initiative);</a:t>
             </a:r>
           </a:p>
           <a:p>
             <a:pPr marL="285750" indent="-285750">
-              <a:lnSpc>
-                <a:spcPct val="150000"/>
-              </a:lnSpc>
               <a:spcAft>
                 <a:spcPts val="1200"/>
               </a:spcAft>
@@ -28361,101 +28273,191 @@
               <a:buChar char="•"/>
             </a:pPr>
             <a:r>
-              <a:rPr lang="en-US" dirty="0">
-                <a:solidFill>
-                  <a:srgbClr val="0B214A"/>
-                </a:solidFill>
-                <a:latin typeface="Roboto" panose="02000000000000000000" pitchFamily="2" charset="0"/>
-                <a:ea typeface="Roboto" panose="02000000000000000000" pitchFamily="2" charset="0"/>
-              </a:rPr>
-              <a:t>Registry;</a:t>
-            </a:r>
-          </a:p>
-          <a:p>
-            <a:pPr marL="285750" indent="-285750">
-              <a:lnSpc>
-                <a:spcPct val="150000"/>
-              </a:lnSpc>
-              <a:spcAft>
-                <a:spcPts val="1200"/>
-              </a:spcAft>
-              <a:buFont typeface="Arial" panose="020B0604020202020204" pitchFamily="34" charset="0"/>
-              <a:buChar char="•"/>
-            </a:pPr>
-            <a:r>
-              <a:rPr lang="en-US" dirty="0">
-                <a:solidFill>
-                  <a:srgbClr val="0B214A"/>
-                </a:solidFill>
-                <a:latin typeface="Roboto" panose="02000000000000000000" pitchFamily="2" charset="0"/>
-                <a:ea typeface="Roboto" panose="02000000000000000000" pitchFamily="2" charset="0"/>
-              </a:rPr>
-              <a:t>Image Layers;</a:t>
-            </a:r>
-          </a:p>
-          <a:p>
-            <a:pPr marL="285750" indent="-285750">
-              <a:lnSpc>
-                <a:spcPct val="150000"/>
-              </a:lnSpc>
-              <a:spcAft>
-                <a:spcPts val="1200"/>
-              </a:spcAft>
-              <a:buFont typeface="Arial" panose="020B0604020202020204" pitchFamily="34" charset="0"/>
-              <a:buChar char="•"/>
-            </a:pPr>
-            <a:endParaRPr lang="en-US" dirty="0">
-              <a:solidFill>
-                <a:srgbClr val="0B214A"/>
-              </a:solidFill>
-              <a:latin typeface="Roboto" panose="02000000000000000000" pitchFamily="2" charset="0"/>
-              <a:ea typeface="Roboto" panose="02000000000000000000" pitchFamily="2" charset="0"/>
-            </a:endParaRPr>
-          </a:p>
-          <a:p>
-            <a:pPr marL="285750" indent="-285750">
-              <a:lnSpc>
-                <a:spcPct val="150000"/>
-              </a:lnSpc>
-              <a:spcAft>
-                <a:spcPts val="1200"/>
-              </a:spcAft>
-              <a:buFont typeface="Arial" panose="020B0604020202020204" pitchFamily="34" charset="0"/>
-              <a:buChar char="•"/>
-            </a:pPr>
-            <a:endParaRPr lang="en-US" dirty="0">
-              <a:solidFill>
-                <a:srgbClr val="0B214A"/>
-              </a:solidFill>
-              <a:latin typeface="Roboto" panose="02000000000000000000" pitchFamily="2" charset="0"/>
-              <a:ea typeface="Roboto" panose="02000000000000000000" pitchFamily="2" charset="0"/>
-            </a:endParaRPr>
-          </a:p>
-          <a:p>
-            <a:pPr marL="285750" indent="-285750">
-              <a:lnSpc>
-                <a:spcPct val="150000"/>
-              </a:lnSpc>
-              <a:spcAft>
-                <a:spcPts val="1200"/>
-              </a:spcAft>
-              <a:buFont typeface="Arial" panose="020B0604020202020204" pitchFamily="34" charset="0"/>
-              <a:buChar char="•"/>
-            </a:pPr>
-            <a:endParaRPr lang="en-US" dirty="0">
-              <a:solidFill>
-                <a:srgbClr val="0B214A"/>
-              </a:solidFill>
-              <a:latin typeface="Roboto" panose="02000000000000000000" pitchFamily="2" charset="0"/>
-              <a:ea typeface="Roboto" panose="02000000000000000000" pitchFamily="2" charset="0"/>
-            </a:endParaRPr>
+              <a:rPr lang="en-US" b="0" i="0" dirty="0" err="1">
+                <a:solidFill>
+                  <a:srgbClr val="0B214A"/>
+                </a:solidFill>
+                <a:effectLst/>
+                <a:latin typeface="Roboto" panose="02000000000000000000" pitchFamily="2" charset="0"/>
+                <a:ea typeface="Roboto" panose="02000000000000000000" pitchFamily="2" charset="0"/>
+              </a:rPr>
+              <a:t>Criado</a:t>
+            </a:r>
+            <a:r>
+              <a:rPr lang="en-US" b="0" i="0" dirty="0">
+                <a:solidFill>
+                  <a:srgbClr val="0B214A"/>
+                </a:solidFill>
+                <a:effectLst/>
+                <a:latin typeface="Roboto" panose="02000000000000000000" pitchFamily="2" charset="0"/>
+                <a:ea typeface="Roboto" panose="02000000000000000000" pitchFamily="2" charset="0"/>
+              </a:rPr>
+              <a:t> a </a:t>
+            </a:r>
+            <a:r>
+              <a:rPr lang="en-US" b="0" i="0" dirty="0" err="1">
+                <a:solidFill>
+                  <a:srgbClr val="0B214A"/>
+                </a:solidFill>
+                <a:effectLst/>
+                <a:latin typeface="Roboto" panose="02000000000000000000" pitchFamily="2" charset="0"/>
+                <a:ea typeface="Roboto" panose="02000000000000000000" pitchFamily="2" charset="0"/>
+              </a:rPr>
+              <a:t>partir</a:t>
+            </a:r>
+            <a:r>
+              <a:rPr lang="en-US" b="0" i="0" dirty="0">
+                <a:solidFill>
+                  <a:srgbClr val="0B214A"/>
+                </a:solidFill>
+                <a:effectLst/>
+                <a:latin typeface="Roboto" panose="02000000000000000000" pitchFamily="2" charset="0"/>
+                <a:ea typeface="Roboto" panose="02000000000000000000" pitchFamily="2" charset="0"/>
+              </a:rPr>
+              <a:t> de </a:t>
+            </a:r>
+            <a:r>
+              <a:rPr lang="en-US" b="0" i="0" dirty="0" err="1">
+                <a:solidFill>
+                  <a:srgbClr val="0B214A"/>
+                </a:solidFill>
+                <a:effectLst/>
+                <a:latin typeface="Roboto" panose="02000000000000000000" pitchFamily="2" charset="0"/>
+                <a:ea typeface="Roboto" panose="02000000000000000000" pitchFamily="2" charset="0"/>
+              </a:rPr>
+              <a:t>camadas</a:t>
+            </a:r>
+            <a:r>
+              <a:rPr lang="en-US" b="0" i="0" dirty="0">
+                <a:solidFill>
+                  <a:srgbClr val="0B214A"/>
+                </a:solidFill>
+                <a:effectLst/>
+                <a:latin typeface="Roboto" panose="02000000000000000000" pitchFamily="2" charset="0"/>
+                <a:ea typeface="Roboto" panose="02000000000000000000" pitchFamily="2" charset="0"/>
+              </a:rPr>
+              <a:t> </a:t>
+            </a:r>
+            <a:r>
+              <a:rPr lang="en-US" b="0" i="0" dirty="0" err="1">
+                <a:solidFill>
+                  <a:srgbClr val="0B214A"/>
+                </a:solidFill>
+                <a:effectLst/>
+                <a:latin typeface="Roboto" panose="02000000000000000000" pitchFamily="2" charset="0"/>
+                <a:ea typeface="Roboto" panose="02000000000000000000" pitchFamily="2" charset="0"/>
+              </a:rPr>
+              <a:t>em</a:t>
+            </a:r>
+            <a:r>
+              <a:rPr lang="en-US" b="0" i="0" dirty="0">
+                <a:solidFill>
+                  <a:srgbClr val="0B214A"/>
+                </a:solidFill>
+                <a:effectLst/>
+                <a:latin typeface="Roboto" panose="02000000000000000000" pitchFamily="2" charset="0"/>
+                <a:ea typeface="Roboto" panose="02000000000000000000" pitchFamily="2" charset="0"/>
+              </a:rPr>
+              <a:t> </a:t>
+            </a:r>
+            <a:r>
+              <a:rPr lang="en-US" b="0" i="0" dirty="0" err="1">
+                <a:solidFill>
+                  <a:srgbClr val="0B214A"/>
+                </a:solidFill>
+                <a:effectLst/>
+                <a:latin typeface="Roboto" panose="02000000000000000000" pitchFamily="2" charset="0"/>
+                <a:ea typeface="Roboto" panose="02000000000000000000" pitchFamily="2" charset="0"/>
+              </a:rPr>
+              <a:t>cima</a:t>
+            </a:r>
+            <a:r>
+              <a:rPr lang="en-US" b="0" i="0" dirty="0">
+                <a:solidFill>
+                  <a:srgbClr val="0B214A"/>
+                </a:solidFill>
+                <a:effectLst/>
+                <a:latin typeface="Roboto" panose="02000000000000000000" pitchFamily="2" charset="0"/>
+                <a:ea typeface="Roboto" panose="02000000000000000000" pitchFamily="2" charset="0"/>
+              </a:rPr>
+              <a:t> de um </a:t>
+            </a:r>
+            <a:r>
+              <a:rPr lang="en-US" b="0" i="0" dirty="0" err="1">
+                <a:solidFill>
+                  <a:srgbClr val="0B214A"/>
+                </a:solidFill>
+                <a:effectLst/>
+                <a:latin typeface="Roboto" panose="02000000000000000000" pitchFamily="2" charset="0"/>
+                <a:ea typeface="Roboto" panose="02000000000000000000" pitchFamily="2" charset="0"/>
+              </a:rPr>
+              <a:t>imagem</a:t>
+            </a:r>
+            <a:r>
+              <a:rPr lang="en-US" b="0" i="0" dirty="0">
+                <a:solidFill>
+                  <a:srgbClr val="0B214A"/>
+                </a:solidFill>
+                <a:effectLst/>
+                <a:latin typeface="Roboto" panose="02000000000000000000" pitchFamily="2" charset="0"/>
+                <a:ea typeface="Roboto" panose="02000000000000000000" pitchFamily="2" charset="0"/>
+              </a:rPr>
+              <a:t> base;</a:t>
+            </a:r>
           </a:p>
         </p:txBody>
       </p:sp>
+      <p:pic>
+        <p:nvPicPr>
+          <p:cNvPr id="1026" name="Picture 2" descr="Open Container Initiative - Open Container Initiative">
+            <a:extLst>
+              <a:ext uri="{FF2B5EF4-FFF2-40B4-BE49-F238E27FC236}">
+                <a16:creationId xmlns:a16="http://schemas.microsoft.com/office/drawing/2014/main" id="{46B13683-B942-4143-AFC2-4AF648F1C816}"/>
+              </a:ext>
+            </a:extLst>
+          </p:cNvPr>
+          <p:cNvPicPr>
+            <a:picLocks noChangeAspect="1" noChangeArrowheads="1"/>
+          </p:cNvPicPr>
+          <p:nvPr/>
+        </p:nvPicPr>
+        <p:blipFill>
+          <a:blip r:embed="rId3">
+            <a:extLst>
+              <a:ext uri="{28A0092B-C50C-407E-A947-70E740481C1C}">
+                <a14:useLocalDpi xmlns:a14="http://schemas.microsoft.com/office/drawing/2010/main" val="0"/>
+              </a:ext>
+            </a:extLst>
+          </a:blip>
+          <a:srcRect/>
+          <a:stretch>
+            <a:fillRect/>
+          </a:stretch>
+        </p:blipFill>
+        <p:spPr bwMode="auto">
+          <a:xfrm>
+            <a:off x="5724939" y="3254998"/>
+            <a:ext cx="2283073" cy="498384"/>
+          </a:xfrm>
+          <a:prstGeom prst="rect">
+            <a:avLst/>
+          </a:prstGeom>
+          <a:noFill/>
+          <a:extLst>
+            <a:ext uri="{909E8E84-426E-40DD-AFC4-6F175D3DCCD1}">
+              <a14:hiddenFill xmlns:a14="http://schemas.microsoft.com/office/drawing/2010/main">
+                <a:solidFill>
+                  <a:srgbClr val="FFFFFF"/>
+                </a:solidFill>
+              </a14:hiddenFill>
+            </a:ext>
+          </a:extLst>
+        </p:spPr>
+      </p:pic>
     </p:spTree>
     <p:extLst>
       <p:ext uri="{BB962C8B-B14F-4D97-AF65-F5344CB8AC3E}">
-        <p14:creationId xmlns:p14="http://schemas.microsoft.com/office/powerpoint/2010/main" val="2185059527"/>
+        <p14:creationId xmlns:p14="http://schemas.microsoft.com/office/powerpoint/2010/main" val="197753081"/>
       </p:ext>
     </p:extLst>
   </p:cSld>
@@ -28634,7 +28636,7 @@
                 <a:cs typeface="Roboto"/>
                 <a:sym typeface="Roboto"/>
               </a:rPr>
-              <a:t>images</a:t>
+              <a:t>Engines</a:t>
             </a:r>
             <a:endParaRPr sz="2400" b="1" dirty="0">
               <a:solidFill>
@@ -28702,7 +28704,7 @@
         <p:spPr>
           <a:xfrm>
             <a:off x="330612" y="911282"/>
-            <a:ext cx="8121625" cy="2000548"/>
+            <a:ext cx="8121625" cy="307777"/>
           </a:xfrm>
           <a:prstGeom prst="rect">
             <a:avLst/>
@@ -28723,6 +28725,28 @@
               <a:buChar char="•"/>
             </a:pPr>
             <a:r>
+              <a:rPr lang="en-US" b="0" i="0" dirty="0" err="1">
+                <a:solidFill>
+                  <a:srgbClr val="0B214A"/>
+                </a:solidFill>
+                <a:effectLst/>
+                <a:latin typeface="Roboto" panose="02000000000000000000" pitchFamily="2" charset="0"/>
+                <a:ea typeface="Roboto" panose="02000000000000000000" pitchFamily="2" charset="0"/>
+              </a:rPr>
+              <a:t>Componente</a:t>
+            </a:r>
+            <a:r>
+              <a:rPr lang="en-US" b="0" i="0" dirty="0">
+                <a:solidFill>
+                  <a:srgbClr val="0B214A"/>
+                </a:solidFill>
+                <a:effectLst/>
+                <a:latin typeface="Roboto" panose="02000000000000000000" pitchFamily="2" charset="0"/>
+                <a:ea typeface="Roboto" panose="02000000000000000000" pitchFamily="2" charset="0"/>
+              </a:rPr>
+              <a:t> que </a:t>
+            </a:r>
+            <a:r>
               <a:rPr lang="en-US" dirty="0" err="1">
                 <a:solidFill>
                   <a:srgbClr val="0B214A"/>
@@ -28730,17 +28754,17 @@
                 <a:latin typeface="Roboto" panose="02000000000000000000" pitchFamily="2" charset="0"/>
                 <a:ea typeface="Roboto" panose="02000000000000000000" pitchFamily="2" charset="0"/>
               </a:rPr>
-              <a:t>É</a:t>
-            </a:r>
-            <a:r>
-              <a:rPr lang="en-US" dirty="0">
-                <a:solidFill>
-                  <a:srgbClr val="0B214A"/>
-                </a:solidFill>
-                <a:latin typeface="Roboto" panose="02000000000000000000" pitchFamily="2" charset="0"/>
-                <a:ea typeface="Roboto" panose="02000000000000000000" pitchFamily="2" charset="0"/>
-              </a:rPr>
-              <a:t> um </a:t>
+              <a:t>executa</a:t>
+            </a:r>
+            <a:r>
+              <a:rPr lang="en-US" dirty="0">
+                <a:solidFill>
+                  <a:srgbClr val="0B214A"/>
+                </a:solidFill>
+                <a:latin typeface="Roboto" panose="02000000000000000000" pitchFamily="2" charset="0"/>
+                <a:ea typeface="Roboto" panose="02000000000000000000" pitchFamily="2" charset="0"/>
+              </a:rPr>
+              <a:t> </a:t>
             </a:r>
             <a:r>
               <a:rPr lang="en-US" dirty="0" err="1">
@@ -28750,17 +28774,17 @@
                 <a:latin typeface="Roboto" panose="02000000000000000000" pitchFamily="2" charset="0"/>
                 <a:ea typeface="Roboto" panose="02000000000000000000" pitchFamily="2" charset="0"/>
               </a:rPr>
-              <a:t>arquivo</a:t>
-            </a:r>
-            <a:r>
-              <a:rPr lang="en-US" dirty="0">
-                <a:solidFill>
-                  <a:srgbClr val="0B214A"/>
-                </a:solidFill>
-                <a:latin typeface="Roboto" panose="02000000000000000000" pitchFamily="2" charset="0"/>
-                <a:ea typeface="Roboto" panose="02000000000000000000" pitchFamily="2" charset="0"/>
-              </a:rPr>
-              <a:t> “</a:t>
+              <a:t>comandos</a:t>
+            </a:r>
+            <a:r>
+              <a:rPr lang="en-US" dirty="0">
+                <a:solidFill>
+                  <a:srgbClr val="0B214A"/>
+                </a:solidFill>
+                <a:latin typeface="Roboto" panose="02000000000000000000" pitchFamily="2" charset="0"/>
+                <a:ea typeface="Roboto" panose="02000000000000000000" pitchFamily="2" charset="0"/>
+              </a:rPr>
+              <a:t> do </a:t>
             </a:r>
             <a:r>
               <a:rPr lang="en-US" dirty="0" err="1">
@@ -28770,17 +28794,17 @@
                 <a:latin typeface="Roboto" panose="02000000000000000000" pitchFamily="2" charset="0"/>
                 <a:ea typeface="Roboto" panose="02000000000000000000" pitchFamily="2" charset="0"/>
               </a:rPr>
-              <a:t>executável</a:t>
-            </a:r>
-            <a:r>
-              <a:rPr lang="en-US" dirty="0">
-                <a:solidFill>
-                  <a:srgbClr val="0B214A"/>
-                </a:solidFill>
-                <a:latin typeface="Roboto" panose="02000000000000000000" pitchFamily="2" charset="0"/>
-                <a:ea typeface="Roboto" panose="02000000000000000000" pitchFamily="2" charset="0"/>
-              </a:rPr>
-              <a:t>” </a:t>
+              <a:t>usuário</a:t>
+            </a:r>
+            <a:r>
+              <a:rPr lang="en-US" dirty="0">
+                <a:solidFill>
+                  <a:srgbClr val="0B214A"/>
+                </a:solidFill>
+                <a:latin typeface="Roboto" panose="02000000000000000000" pitchFamily="2" charset="0"/>
+                <a:ea typeface="Roboto" panose="02000000000000000000" pitchFamily="2" charset="0"/>
+              </a:rPr>
+              <a:t> e </a:t>
             </a:r>
             <a:r>
               <a:rPr lang="en-US" dirty="0" err="1">
@@ -28790,699 +28814,35 @@
                 <a:latin typeface="Roboto" panose="02000000000000000000" pitchFamily="2" charset="0"/>
                 <a:ea typeface="Roboto" panose="02000000000000000000" pitchFamily="2" charset="0"/>
               </a:rPr>
-              <a:t>baixado</a:t>
-            </a:r>
-            <a:r>
-              <a:rPr lang="en-US" dirty="0">
-                <a:solidFill>
-                  <a:srgbClr val="0B214A"/>
-                </a:solidFill>
-                <a:latin typeface="Roboto" panose="02000000000000000000" pitchFamily="2" charset="0"/>
-                <a:ea typeface="Roboto" panose="02000000000000000000" pitchFamily="2" charset="0"/>
-              </a:rPr>
-              <a:t> de um registry que </a:t>
-            </a:r>
-            <a:r>
-              <a:rPr lang="en-US" dirty="0" err="1">
-                <a:solidFill>
-                  <a:srgbClr val="0B214A"/>
-                </a:solidFill>
-                <a:latin typeface="Roboto" panose="02000000000000000000" pitchFamily="2" charset="0"/>
-                <a:ea typeface="Roboto" panose="02000000000000000000" pitchFamily="2" charset="0"/>
-              </a:rPr>
-              <a:t>contém</a:t>
-            </a:r>
-            <a:r>
-              <a:rPr lang="en-US" dirty="0">
-                <a:solidFill>
-                  <a:srgbClr val="0B214A"/>
-                </a:solidFill>
-                <a:latin typeface="Roboto" panose="02000000000000000000" pitchFamily="2" charset="0"/>
-                <a:ea typeface="Roboto" panose="02000000000000000000" pitchFamily="2" charset="0"/>
-              </a:rPr>
-              <a:t> </a:t>
-            </a:r>
-            <a:r>
-              <a:rPr lang="en-US" dirty="0" err="1">
-                <a:solidFill>
-                  <a:srgbClr val="0B214A"/>
-                </a:solidFill>
-                <a:latin typeface="Roboto" panose="02000000000000000000" pitchFamily="2" charset="0"/>
-                <a:ea typeface="Roboto" panose="02000000000000000000" pitchFamily="2" charset="0"/>
-              </a:rPr>
-              <a:t>tudo</a:t>
-            </a:r>
-            <a:r>
-              <a:rPr lang="en-US" dirty="0">
-                <a:solidFill>
-                  <a:srgbClr val="0B214A"/>
-                </a:solidFill>
-                <a:latin typeface="Roboto" panose="02000000000000000000" pitchFamily="2" charset="0"/>
-                <a:ea typeface="Roboto" panose="02000000000000000000" pitchFamily="2" charset="0"/>
-              </a:rPr>
-              <a:t> que </a:t>
-            </a:r>
-            <a:r>
-              <a:rPr lang="en-US" dirty="0" err="1">
-                <a:solidFill>
-                  <a:srgbClr val="0B214A"/>
-                </a:solidFill>
-                <a:latin typeface="Roboto" panose="02000000000000000000" pitchFamily="2" charset="0"/>
-                <a:ea typeface="Roboto" panose="02000000000000000000" pitchFamily="2" charset="0"/>
-              </a:rPr>
-              <a:t>é</a:t>
-            </a:r>
-            <a:r>
-              <a:rPr lang="en-US" dirty="0">
-                <a:solidFill>
-                  <a:srgbClr val="0B214A"/>
-                </a:solidFill>
-                <a:latin typeface="Roboto" panose="02000000000000000000" pitchFamily="2" charset="0"/>
-                <a:ea typeface="Roboto" panose="02000000000000000000" pitchFamily="2" charset="0"/>
-              </a:rPr>
-              <a:t> </a:t>
-            </a:r>
-            <a:r>
-              <a:rPr lang="en-US" dirty="0" err="1">
-                <a:solidFill>
-                  <a:srgbClr val="0B214A"/>
-                </a:solidFill>
-                <a:latin typeface="Roboto" panose="02000000000000000000" pitchFamily="2" charset="0"/>
-                <a:ea typeface="Roboto" panose="02000000000000000000" pitchFamily="2" charset="0"/>
-              </a:rPr>
-              <a:t>necessário</a:t>
-            </a:r>
-            <a:r>
-              <a:rPr lang="en-US" dirty="0">
-                <a:solidFill>
-                  <a:srgbClr val="0B214A"/>
-                </a:solidFill>
-                <a:latin typeface="Roboto" panose="02000000000000000000" pitchFamily="2" charset="0"/>
-                <a:ea typeface="Roboto" panose="02000000000000000000" pitchFamily="2" charset="0"/>
-              </a:rPr>
-              <a:t> para </a:t>
-            </a:r>
-            <a:r>
-              <a:rPr lang="en-US" dirty="0" err="1">
-                <a:solidFill>
-                  <a:srgbClr val="0B214A"/>
-                </a:solidFill>
-                <a:latin typeface="Roboto" panose="02000000000000000000" pitchFamily="2" charset="0"/>
-                <a:ea typeface="Roboto" panose="02000000000000000000" pitchFamily="2" charset="0"/>
-              </a:rPr>
-              <a:t>rodar</a:t>
-            </a:r>
-            <a:r>
-              <a:rPr lang="en-US" dirty="0">
-                <a:solidFill>
-                  <a:srgbClr val="0B214A"/>
-                </a:solidFill>
-                <a:latin typeface="Roboto" panose="02000000000000000000" pitchFamily="2" charset="0"/>
-                <a:ea typeface="Roboto" panose="02000000000000000000" pitchFamily="2" charset="0"/>
-              </a:rPr>
-              <a:t> a </a:t>
-            </a:r>
-            <a:r>
-              <a:rPr lang="en-US" dirty="0" err="1">
-                <a:solidFill>
-                  <a:srgbClr val="0B214A"/>
-                </a:solidFill>
-                <a:latin typeface="Roboto" panose="02000000000000000000" pitchFamily="2" charset="0"/>
-                <a:ea typeface="Roboto" panose="02000000000000000000" pitchFamily="2" charset="0"/>
-              </a:rPr>
-              <a:t>aplicação</a:t>
-            </a:r>
-            <a:r>
-              <a:rPr lang="en-US" dirty="0">
-                <a:solidFill>
-                  <a:srgbClr val="0B214A"/>
-                </a:solidFill>
-                <a:latin typeface="Roboto" panose="02000000000000000000" pitchFamily="2" charset="0"/>
-                <a:ea typeface="Roboto" panose="02000000000000000000" pitchFamily="2" charset="0"/>
-              </a:rPr>
-              <a:t>;</a:t>
-            </a:r>
-          </a:p>
-          <a:p>
-            <a:pPr marL="285750" indent="-285750">
-              <a:spcAft>
-                <a:spcPts val="1200"/>
-              </a:spcAft>
-              <a:buFont typeface="Arial" panose="020B0604020202020204" pitchFamily="34" charset="0"/>
-              <a:buChar char="•"/>
-            </a:pPr>
-            <a:r>
-              <a:rPr lang="en-US" b="0" i="0" dirty="0" err="1">
-                <a:solidFill>
-                  <a:srgbClr val="0B214A"/>
-                </a:solidFill>
-                <a:effectLst/>
-                <a:latin typeface="Roboto" panose="02000000000000000000" pitchFamily="2" charset="0"/>
-                <a:ea typeface="Roboto" panose="02000000000000000000" pitchFamily="2" charset="0"/>
-              </a:rPr>
-              <a:t>Elemento</a:t>
-            </a:r>
-            <a:r>
-              <a:rPr lang="en-US" b="0" i="0" dirty="0">
-                <a:solidFill>
-                  <a:srgbClr val="0B214A"/>
-                </a:solidFill>
-                <a:effectLst/>
-                <a:latin typeface="Roboto" panose="02000000000000000000" pitchFamily="2" charset="0"/>
-                <a:ea typeface="Roboto" panose="02000000000000000000" pitchFamily="2" charset="0"/>
-              </a:rPr>
-              <a:t> </a:t>
-            </a:r>
-            <a:r>
-              <a:rPr lang="en-US" b="0" i="0" dirty="0" err="1">
-                <a:solidFill>
-                  <a:srgbClr val="0B214A"/>
-                </a:solidFill>
-                <a:effectLst/>
-                <a:latin typeface="Roboto" panose="02000000000000000000" pitchFamily="2" charset="0"/>
-                <a:ea typeface="Roboto" panose="02000000000000000000" pitchFamily="2" charset="0"/>
-              </a:rPr>
-              <a:t>estático</a:t>
-            </a:r>
-            <a:r>
-              <a:rPr lang="en-US" b="0" i="0" dirty="0">
-                <a:solidFill>
-                  <a:srgbClr val="0B214A"/>
-                </a:solidFill>
-                <a:effectLst/>
-                <a:latin typeface="Roboto" panose="02000000000000000000" pitchFamily="2" charset="0"/>
-                <a:ea typeface="Roboto" panose="02000000000000000000" pitchFamily="2" charset="0"/>
-              </a:rPr>
-              <a:t> que </a:t>
-            </a:r>
-            <a:r>
-              <a:rPr lang="en-US" b="0" i="0" dirty="0" err="1">
-                <a:solidFill>
-                  <a:srgbClr val="0B214A"/>
-                </a:solidFill>
-                <a:effectLst/>
-                <a:latin typeface="Roboto" panose="02000000000000000000" pitchFamily="2" charset="0"/>
-                <a:ea typeface="Roboto" panose="02000000000000000000" pitchFamily="2" charset="0"/>
-              </a:rPr>
-              <a:t>origina</a:t>
-            </a:r>
-            <a:r>
-              <a:rPr lang="en-US" b="0" i="0" dirty="0">
-                <a:solidFill>
-                  <a:srgbClr val="0B214A"/>
-                </a:solidFill>
-                <a:effectLst/>
-                <a:latin typeface="Roboto" panose="02000000000000000000" pitchFamily="2" charset="0"/>
-                <a:ea typeface="Roboto" panose="02000000000000000000" pitchFamily="2" charset="0"/>
-              </a:rPr>
-              <a:t> containers </a:t>
-            </a:r>
-            <a:r>
-              <a:rPr lang="en-US" b="0" i="0" dirty="0" err="1">
-                <a:solidFill>
-                  <a:srgbClr val="0B214A"/>
-                </a:solidFill>
-                <a:effectLst/>
-                <a:latin typeface="Roboto" panose="02000000000000000000" pitchFamily="2" charset="0"/>
-                <a:ea typeface="Roboto" panose="02000000000000000000" pitchFamily="2" charset="0"/>
-              </a:rPr>
-              <a:t>quando</a:t>
-            </a:r>
-            <a:r>
-              <a:rPr lang="en-US" b="0" i="0" dirty="0">
-                <a:solidFill>
-                  <a:srgbClr val="0B214A"/>
-                </a:solidFill>
-                <a:effectLst/>
-                <a:latin typeface="Roboto" panose="02000000000000000000" pitchFamily="2" charset="0"/>
-                <a:ea typeface="Roboto" panose="02000000000000000000" pitchFamily="2" charset="0"/>
-              </a:rPr>
-              <a:t> </a:t>
-            </a:r>
-            <a:r>
-              <a:rPr lang="en-US" b="0" i="0" dirty="0" err="1">
-                <a:solidFill>
-                  <a:srgbClr val="0B214A"/>
-                </a:solidFill>
-                <a:effectLst/>
-                <a:latin typeface="Roboto" panose="02000000000000000000" pitchFamily="2" charset="0"/>
-                <a:ea typeface="Roboto" panose="02000000000000000000" pitchFamily="2" charset="0"/>
-              </a:rPr>
-              <a:t>instanciado</a:t>
-            </a:r>
-            <a:r>
-              <a:rPr lang="en-US" b="0" i="0" dirty="0">
-                <a:solidFill>
-                  <a:srgbClr val="0B214A"/>
-                </a:solidFill>
-                <a:effectLst/>
-                <a:latin typeface="Roboto" panose="02000000000000000000" pitchFamily="2" charset="0"/>
-                <a:ea typeface="Roboto" panose="02000000000000000000" pitchFamily="2" charset="0"/>
-              </a:rPr>
-              <a:t>;</a:t>
-            </a:r>
-          </a:p>
-          <a:p>
-            <a:pPr marL="285750" indent="-285750">
-              <a:spcAft>
-                <a:spcPts val="1200"/>
-              </a:spcAft>
-              <a:buFont typeface="Arial" panose="020B0604020202020204" pitchFamily="34" charset="0"/>
-              <a:buChar char="•"/>
-            </a:pPr>
-            <a:r>
-              <a:rPr lang="en-US" b="0" i="0" dirty="0" err="1">
-                <a:solidFill>
-                  <a:srgbClr val="0B214A"/>
-                </a:solidFill>
-                <a:effectLst/>
-                <a:latin typeface="Roboto" panose="02000000000000000000" pitchFamily="2" charset="0"/>
-                <a:ea typeface="Roboto" panose="02000000000000000000" pitchFamily="2" charset="0"/>
-              </a:rPr>
-              <a:t>Pode</a:t>
-            </a:r>
-            <a:r>
-              <a:rPr lang="en-US" b="0" i="0" dirty="0">
-                <a:solidFill>
-                  <a:srgbClr val="0B214A"/>
-                </a:solidFill>
-                <a:effectLst/>
-                <a:latin typeface="Roboto" panose="02000000000000000000" pitchFamily="2" charset="0"/>
-                <a:ea typeface="Roboto" panose="02000000000000000000" pitchFamily="2" charset="0"/>
-              </a:rPr>
-              <a:t> </a:t>
-            </a:r>
-            <a:r>
-              <a:rPr lang="en-US" b="0" i="0" dirty="0" err="1">
-                <a:solidFill>
-                  <a:srgbClr val="0B214A"/>
-                </a:solidFill>
-                <a:effectLst/>
-                <a:latin typeface="Roboto" panose="02000000000000000000" pitchFamily="2" charset="0"/>
-                <a:ea typeface="Roboto" panose="02000000000000000000" pitchFamily="2" charset="0"/>
-              </a:rPr>
-              <a:t>possuir</a:t>
-            </a:r>
-            <a:r>
-              <a:rPr lang="en-US" b="0" i="0" dirty="0">
-                <a:solidFill>
-                  <a:srgbClr val="0B214A"/>
-                </a:solidFill>
-                <a:effectLst/>
-                <a:latin typeface="Roboto" panose="02000000000000000000" pitchFamily="2" charset="0"/>
-                <a:ea typeface="Roboto" panose="02000000000000000000" pitchFamily="2" charset="0"/>
-              </a:rPr>
-              <a:t> </a:t>
-            </a:r>
-            <a:r>
-              <a:rPr lang="en-US" b="0" i="0" dirty="0" err="1">
-                <a:solidFill>
-                  <a:srgbClr val="0B214A"/>
-                </a:solidFill>
-                <a:effectLst/>
-                <a:latin typeface="Roboto" panose="02000000000000000000" pitchFamily="2" charset="0"/>
-                <a:ea typeface="Roboto" panose="02000000000000000000" pitchFamily="2" charset="0"/>
-              </a:rPr>
-              <a:t>uma</a:t>
-            </a:r>
-            <a:r>
-              <a:rPr lang="en-US" b="0" i="0" dirty="0">
-                <a:solidFill>
-                  <a:srgbClr val="0B214A"/>
-                </a:solidFill>
-                <a:effectLst/>
-                <a:latin typeface="Roboto" panose="02000000000000000000" pitchFamily="2" charset="0"/>
-                <a:ea typeface="Roboto" panose="02000000000000000000" pitchFamily="2" charset="0"/>
-              </a:rPr>
-              <a:t> </a:t>
-            </a:r>
-            <a:r>
-              <a:rPr lang="en-US" b="0" i="0" dirty="0" err="1">
-                <a:solidFill>
-                  <a:srgbClr val="0B214A"/>
-                </a:solidFill>
-                <a:effectLst/>
-                <a:latin typeface="Roboto" panose="02000000000000000000" pitchFamily="2" charset="0"/>
-                <a:ea typeface="Roboto" panose="02000000000000000000" pitchFamily="2" charset="0"/>
-              </a:rPr>
-              <a:t>ou</a:t>
-            </a:r>
-            <a:r>
-              <a:rPr lang="en-US" b="0" i="0" dirty="0">
-                <a:solidFill>
-                  <a:srgbClr val="0B214A"/>
-                </a:solidFill>
-                <a:effectLst/>
-                <a:latin typeface="Roboto" panose="02000000000000000000" pitchFamily="2" charset="0"/>
-                <a:ea typeface="Roboto" panose="02000000000000000000" pitchFamily="2" charset="0"/>
-              </a:rPr>
-              <a:t> </a:t>
-            </a:r>
-            <a:r>
-              <a:rPr lang="en-US" b="0" i="0" dirty="0" err="1">
-                <a:solidFill>
-                  <a:srgbClr val="0B214A"/>
-                </a:solidFill>
-                <a:effectLst/>
-                <a:latin typeface="Roboto" panose="02000000000000000000" pitchFamily="2" charset="0"/>
-                <a:ea typeface="Roboto" panose="02000000000000000000" pitchFamily="2" charset="0"/>
-              </a:rPr>
-              <a:t>mais</a:t>
-            </a:r>
-            <a:r>
-              <a:rPr lang="en-US" b="0" i="0" dirty="0">
-                <a:solidFill>
-                  <a:srgbClr val="0B214A"/>
-                </a:solidFill>
-                <a:effectLst/>
-                <a:latin typeface="Roboto" panose="02000000000000000000" pitchFamily="2" charset="0"/>
-                <a:ea typeface="Roboto" panose="02000000000000000000" pitchFamily="2" charset="0"/>
-              </a:rPr>
-              <a:t> layers, </a:t>
-            </a:r>
-            <a:r>
-              <a:rPr lang="en-US" b="0" i="0" dirty="0" err="1">
-                <a:solidFill>
-                  <a:srgbClr val="0B214A"/>
-                </a:solidFill>
-                <a:effectLst/>
-                <a:latin typeface="Roboto" panose="02000000000000000000" pitchFamily="2" charset="0"/>
-                <a:ea typeface="Roboto" panose="02000000000000000000" pitchFamily="2" charset="0"/>
-              </a:rPr>
-              <a:t>assim</a:t>
-            </a:r>
-            <a:r>
-              <a:rPr lang="en-US" b="0" i="0" dirty="0">
-                <a:solidFill>
-                  <a:srgbClr val="0B214A"/>
-                </a:solidFill>
-                <a:effectLst/>
-                <a:latin typeface="Roboto" panose="02000000000000000000" pitchFamily="2" charset="0"/>
-                <a:ea typeface="Roboto" panose="02000000000000000000" pitchFamily="2" charset="0"/>
-              </a:rPr>
-              <a:t> </a:t>
-            </a:r>
-            <a:r>
-              <a:rPr lang="en-US" b="0" i="0" dirty="0" err="1">
-                <a:solidFill>
-                  <a:srgbClr val="0B214A"/>
-                </a:solidFill>
-                <a:effectLst/>
-                <a:latin typeface="Roboto" panose="02000000000000000000" pitchFamily="2" charset="0"/>
-                <a:ea typeface="Roboto" panose="02000000000000000000" pitchFamily="2" charset="0"/>
-              </a:rPr>
-              <a:t>como</a:t>
-            </a:r>
-            <a:r>
-              <a:rPr lang="en-US" b="0" i="0" dirty="0">
-                <a:solidFill>
-                  <a:srgbClr val="0B214A"/>
-                </a:solidFill>
-                <a:effectLst/>
-                <a:latin typeface="Roboto" panose="02000000000000000000" pitchFamily="2" charset="0"/>
-                <a:ea typeface="Roboto" panose="02000000000000000000" pitchFamily="2" charset="0"/>
-              </a:rPr>
-              <a:t> metadata;</a:t>
-            </a:r>
-          </a:p>
-          <a:p>
-            <a:pPr marL="285750" indent="-285750">
-              <a:spcAft>
-                <a:spcPts val="1200"/>
-              </a:spcAft>
-              <a:buFont typeface="Arial" panose="020B0604020202020204" pitchFamily="34" charset="0"/>
-              <a:buChar char="•"/>
-            </a:pPr>
-            <a:r>
-              <a:rPr lang="en-US" dirty="0" err="1">
-                <a:solidFill>
-                  <a:srgbClr val="0B214A"/>
-                </a:solidFill>
-                <a:latin typeface="Roboto" panose="02000000000000000000" pitchFamily="2" charset="0"/>
-                <a:ea typeface="Roboto" panose="02000000000000000000" pitchFamily="2" charset="0"/>
-              </a:rPr>
-              <a:t>Possui</a:t>
-            </a:r>
-            <a:r>
-              <a:rPr lang="en-US" dirty="0">
-                <a:solidFill>
-                  <a:srgbClr val="0B214A"/>
-                </a:solidFill>
-                <a:latin typeface="Roboto" panose="02000000000000000000" pitchFamily="2" charset="0"/>
-                <a:ea typeface="Roboto" panose="02000000000000000000" pitchFamily="2" charset="0"/>
-              </a:rPr>
-              <a:t> um </a:t>
-            </a:r>
-            <a:r>
-              <a:rPr lang="en-US" dirty="0" err="1">
-                <a:solidFill>
-                  <a:srgbClr val="0B214A"/>
-                </a:solidFill>
-                <a:latin typeface="Roboto" panose="02000000000000000000" pitchFamily="2" charset="0"/>
-                <a:ea typeface="Roboto" panose="02000000000000000000" pitchFamily="2" charset="0"/>
-              </a:rPr>
-              <a:t>formato</a:t>
-            </a:r>
-            <a:r>
-              <a:rPr lang="en-US" dirty="0">
-                <a:solidFill>
-                  <a:srgbClr val="0B214A"/>
-                </a:solidFill>
-                <a:latin typeface="Roboto" panose="02000000000000000000" pitchFamily="2" charset="0"/>
-                <a:ea typeface="Roboto" panose="02000000000000000000" pitchFamily="2" charset="0"/>
-              </a:rPr>
-              <a:t> </a:t>
-            </a:r>
-            <a:r>
-              <a:rPr lang="en-US" dirty="0" err="1">
-                <a:solidFill>
-                  <a:srgbClr val="0B214A"/>
-                </a:solidFill>
-                <a:latin typeface="Roboto" panose="02000000000000000000" pitchFamily="2" charset="0"/>
-                <a:ea typeface="Roboto" panose="02000000000000000000" pitchFamily="2" charset="0"/>
-              </a:rPr>
-              <a:t>específico</a:t>
-            </a:r>
-            <a:r>
-              <a:rPr lang="en-US" dirty="0">
-                <a:solidFill>
-                  <a:srgbClr val="0B214A"/>
-                </a:solidFill>
-                <a:latin typeface="Roboto" panose="02000000000000000000" pitchFamily="2" charset="0"/>
-                <a:ea typeface="Roboto" panose="02000000000000000000" pitchFamily="2" charset="0"/>
-              </a:rPr>
-              <a:t>: </a:t>
-            </a:r>
-            <a:r>
-              <a:rPr lang="en-US" dirty="0" err="1">
-                <a:solidFill>
-                  <a:srgbClr val="0B214A"/>
-                </a:solidFill>
-                <a:latin typeface="Roboto" panose="02000000000000000000" pitchFamily="2" charset="0"/>
-                <a:ea typeface="Roboto" panose="02000000000000000000" pitchFamily="2" charset="0"/>
-              </a:rPr>
-              <a:t>hoje</a:t>
-            </a:r>
-            <a:r>
-              <a:rPr lang="en-US" dirty="0">
-                <a:solidFill>
-                  <a:srgbClr val="0B214A"/>
-                </a:solidFill>
-                <a:latin typeface="Roboto" panose="02000000000000000000" pitchFamily="2" charset="0"/>
-                <a:ea typeface="Roboto" panose="02000000000000000000" pitchFamily="2" charset="0"/>
-              </a:rPr>
-              <a:t> o </a:t>
-            </a:r>
-            <a:r>
-              <a:rPr lang="en-US" dirty="0" err="1">
-                <a:solidFill>
-                  <a:srgbClr val="0B214A"/>
-                </a:solidFill>
-                <a:latin typeface="Roboto" panose="02000000000000000000" pitchFamily="2" charset="0"/>
-                <a:ea typeface="Roboto" panose="02000000000000000000" pitchFamily="2" charset="0"/>
-              </a:rPr>
-              <a:t>padrão</a:t>
-            </a:r>
-            <a:r>
-              <a:rPr lang="en-US" dirty="0">
-                <a:solidFill>
-                  <a:srgbClr val="0B214A"/>
-                </a:solidFill>
-                <a:latin typeface="Roboto" panose="02000000000000000000" pitchFamily="2" charset="0"/>
-                <a:ea typeface="Roboto" panose="02000000000000000000" pitchFamily="2" charset="0"/>
-              </a:rPr>
-              <a:t> </a:t>
-            </a:r>
-            <a:r>
-              <a:rPr lang="en-US" dirty="0" err="1">
-                <a:solidFill>
-                  <a:srgbClr val="0B214A"/>
-                </a:solidFill>
-                <a:latin typeface="Roboto" panose="02000000000000000000" pitchFamily="2" charset="0"/>
-                <a:ea typeface="Roboto" panose="02000000000000000000" pitchFamily="2" charset="0"/>
-              </a:rPr>
-              <a:t>é</a:t>
-            </a:r>
-            <a:r>
-              <a:rPr lang="en-US" dirty="0">
-                <a:solidFill>
-                  <a:srgbClr val="0B214A"/>
-                </a:solidFill>
-                <a:latin typeface="Roboto" panose="02000000000000000000" pitchFamily="2" charset="0"/>
-                <a:ea typeface="Roboto" panose="02000000000000000000" pitchFamily="2" charset="0"/>
-              </a:rPr>
-              <a:t> o OCI (Open Container Initiative);</a:t>
-            </a:r>
-          </a:p>
-          <a:p>
-            <a:pPr marL="285750" indent="-285750">
-              <a:spcAft>
-                <a:spcPts val="1200"/>
-              </a:spcAft>
-              <a:buFont typeface="Arial" panose="020B0604020202020204" pitchFamily="34" charset="0"/>
-              <a:buChar char="•"/>
-            </a:pPr>
-            <a:r>
-              <a:rPr lang="en-US" b="0" i="0" dirty="0" err="1">
-                <a:solidFill>
-                  <a:srgbClr val="0B214A"/>
-                </a:solidFill>
-                <a:effectLst/>
-                <a:latin typeface="Roboto" panose="02000000000000000000" pitchFamily="2" charset="0"/>
-                <a:ea typeface="Roboto" panose="02000000000000000000" pitchFamily="2" charset="0"/>
-              </a:rPr>
-              <a:t>Criado</a:t>
-            </a:r>
-            <a:r>
-              <a:rPr lang="en-US" b="0" i="0" dirty="0">
-                <a:solidFill>
-                  <a:srgbClr val="0B214A"/>
-                </a:solidFill>
-                <a:effectLst/>
-                <a:latin typeface="Roboto" panose="02000000000000000000" pitchFamily="2" charset="0"/>
-                <a:ea typeface="Roboto" panose="02000000000000000000" pitchFamily="2" charset="0"/>
-              </a:rPr>
-              <a:t> a </a:t>
-            </a:r>
-            <a:r>
-              <a:rPr lang="en-US" b="0" i="0" dirty="0" err="1">
-                <a:solidFill>
-                  <a:srgbClr val="0B214A"/>
-                </a:solidFill>
-                <a:effectLst/>
-                <a:latin typeface="Roboto" panose="02000000000000000000" pitchFamily="2" charset="0"/>
-                <a:ea typeface="Roboto" panose="02000000000000000000" pitchFamily="2" charset="0"/>
-              </a:rPr>
-              <a:t>partir</a:t>
-            </a:r>
-            <a:r>
-              <a:rPr lang="en-US" b="0" i="0" dirty="0">
-                <a:solidFill>
-                  <a:srgbClr val="0B214A"/>
-                </a:solidFill>
-                <a:effectLst/>
-                <a:latin typeface="Roboto" panose="02000000000000000000" pitchFamily="2" charset="0"/>
-                <a:ea typeface="Roboto" panose="02000000000000000000" pitchFamily="2" charset="0"/>
-              </a:rPr>
-              <a:t> de </a:t>
-            </a:r>
-            <a:r>
-              <a:rPr lang="en-US" b="0" i="0" dirty="0" err="1">
-                <a:solidFill>
-                  <a:srgbClr val="0B214A"/>
-                </a:solidFill>
-                <a:effectLst/>
-                <a:latin typeface="Roboto" panose="02000000000000000000" pitchFamily="2" charset="0"/>
-                <a:ea typeface="Roboto" panose="02000000000000000000" pitchFamily="2" charset="0"/>
-              </a:rPr>
-              <a:t>camadas</a:t>
-            </a:r>
-            <a:r>
-              <a:rPr lang="en-US" b="0" i="0" dirty="0">
-                <a:solidFill>
-                  <a:srgbClr val="0B214A"/>
-                </a:solidFill>
-                <a:effectLst/>
-                <a:latin typeface="Roboto" panose="02000000000000000000" pitchFamily="2" charset="0"/>
-                <a:ea typeface="Roboto" panose="02000000000000000000" pitchFamily="2" charset="0"/>
-              </a:rPr>
-              <a:t> </a:t>
-            </a:r>
-            <a:r>
-              <a:rPr lang="en-US" b="0" i="0" dirty="0" err="1">
-                <a:solidFill>
-                  <a:srgbClr val="0B214A"/>
-                </a:solidFill>
-                <a:effectLst/>
-                <a:latin typeface="Roboto" panose="02000000000000000000" pitchFamily="2" charset="0"/>
-                <a:ea typeface="Roboto" panose="02000000000000000000" pitchFamily="2" charset="0"/>
-              </a:rPr>
-              <a:t>em</a:t>
-            </a:r>
-            <a:r>
-              <a:rPr lang="en-US" b="0" i="0" dirty="0">
-                <a:solidFill>
-                  <a:srgbClr val="0B214A"/>
-                </a:solidFill>
-                <a:effectLst/>
-                <a:latin typeface="Roboto" panose="02000000000000000000" pitchFamily="2" charset="0"/>
-                <a:ea typeface="Roboto" panose="02000000000000000000" pitchFamily="2" charset="0"/>
-              </a:rPr>
-              <a:t> </a:t>
-            </a:r>
-            <a:r>
-              <a:rPr lang="en-US" b="0" i="0" dirty="0" err="1">
-                <a:solidFill>
-                  <a:srgbClr val="0B214A"/>
-                </a:solidFill>
-                <a:effectLst/>
-                <a:latin typeface="Roboto" panose="02000000000000000000" pitchFamily="2" charset="0"/>
-                <a:ea typeface="Roboto" panose="02000000000000000000" pitchFamily="2" charset="0"/>
-              </a:rPr>
-              <a:t>cima</a:t>
-            </a:r>
-            <a:r>
-              <a:rPr lang="en-US" b="0" i="0" dirty="0">
-                <a:solidFill>
-                  <a:srgbClr val="0B214A"/>
-                </a:solidFill>
-                <a:effectLst/>
-                <a:latin typeface="Roboto" panose="02000000000000000000" pitchFamily="2" charset="0"/>
-                <a:ea typeface="Roboto" panose="02000000000000000000" pitchFamily="2" charset="0"/>
-              </a:rPr>
-              <a:t> de um </a:t>
-            </a:r>
-            <a:r>
-              <a:rPr lang="en-US" b="0" i="0" dirty="0" err="1">
-                <a:solidFill>
-                  <a:srgbClr val="0B214A"/>
-                </a:solidFill>
-                <a:effectLst/>
-                <a:latin typeface="Roboto" panose="02000000000000000000" pitchFamily="2" charset="0"/>
-                <a:ea typeface="Roboto" panose="02000000000000000000" pitchFamily="2" charset="0"/>
-              </a:rPr>
-              <a:t>imagem</a:t>
-            </a:r>
-            <a:r>
-              <a:rPr lang="en-US" b="0" i="0" dirty="0">
-                <a:solidFill>
-                  <a:srgbClr val="0B214A"/>
-                </a:solidFill>
-                <a:effectLst/>
-                <a:latin typeface="Roboto" panose="02000000000000000000" pitchFamily="2" charset="0"/>
-                <a:ea typeface="Roboto" panose="02000000000000000000" pitchFamily="2" charset="0"/>
-              </a:rPr>
-              <a:t> base;</a:t>
-            </a:r>
+              <a:t>roda</a:t>
+            </a:r>
+            <a:r>
+              <a:rPr lang="en-US" dirty="0">
+                <a:solidFill>
+                  <a:srgbClr val="0B214A"/>
+                </a:solidFill>
+                <a:latin typeface="Roboto" panose="02000000000000000000" pitchFamily="2" charset="0"/>
+                <a:ea typeface="Roboto" panose="02000000000000000000" pitchFamily="2" charset="0"/>
+              </a:rPr>
+              <a:t> as container images;</a:t>
+            </a:r>
+            <a:endParaRPr lang="en-US" b="0" i="0" dirty="0">
+              <a:solidFill>
+                <a:srgbClr val="0B214A"/>
+              </a:solidFill>
+              <a:effectLst/>
+              <a:latin typeface="Roboto" panose="02000000000000000000" pitchFamily="2" charset="0"/>
+              <a:ea typeface="Roboto" panose="02000000000000000000" pitchFamily="2" charset="0"/>
+            </a:endParaRPr>
           </a:p>
         </p:txBody>
       </p:sp>
       <p:pic>
         <p:nvPicPr>
-          <p:cNvPr id="1026" name="Picture 2" descr="Open Container Initiative - Open Container Initiative">
+          <p:cNvPr id="6146" name="Picture 2" descr="rkt Reviews 2022: Details, Pricing, &amp; Features | G2">
             <a:extLst>
               <a:ext uri="{FF2B5EF4-FFF2-40B4-BE49-F238E27FC236}">
-                <a16:creationId xmlns:a16="http://schemas.microsoft.com/office/drawing/2014/main" id="{46B13683-B942-4143-AFC2-4AF648F1C816}"/>
+                <a16:creationId xmlns:a16="http://schemas.microsoft.com/office/drawing/2014/main" id="{352F0245-ED95-224E-8908-0FCDD058E27C}"/>
               </a:ext>
             </a:extLst>
           </p:cNvPr>
@@ -29506,8 +28866,8 @@
         </p:blipFill>
         <p:spPr bwMode="auto">
           <a:xfrm>
-            <a:off x="5724939" y="3254998"/>
-            <a:ext cx="2283073" cy="498384"/>
+            <a:off x="765487" y="3404751"/>
+            <a:ext cx="1828800" cy="961595"/>
           </a:xfrm>
           <a:prstGeom prst="rect">
             <a:avLst/>
@@ -29524,10 +28884,245 @@
           </a:extLst>
         </p:spPr>
       </p:pic>
+      <p:pic>
+        <p:nvPicPr>
+          <p:cNvPr id="6148" name="Picture 4" descr="Docker Logos - Docker">
+            <a:extLst>
+              <a:ext uri="{FF2B5EF4-FFF2-40B4-BE49-F238E27FC236}">
+                <a16:creationId xmlns:a16="http://schemas.microsoft.com/office/drawing/2014/main" id="{E5CBE34D-775F-834E-B55E-8704AF6182DB}"/>
+              </a:ext>
+            </a:extLst>
+          </p:cNvPr>
+          <p:cNvPicPr>
+            <a:picLocks noChangeAspect="1" noChangeArrowheads="1"/>
+          </p:cNvPicPr>
+          <p:nvPr/>
+        </p:nvPicPr>
+        <p:blipFill>
+          <a:blip r:embed="rId4">
+            <a:extLst>
+              <a:ext uri="{28A0092B-C50C-407E-A947-70E740481C1C}">
+                <a14:useLocalDpi xmlns:a14="http://schemas.microsoft.com/office/drawing/2010/main" val="0"/>
+              </a:ext>
+            </a:extLst>
+          </a:blip>
+          <a:srcRect/>
+          <a:stretch>
+            <a:fillRect/>
+          </a:stretch>
+        </p:blipFill>
+        <p:spPr bwMode="auto">
+          <a:xfrm>
+            <a:off x="2594287" y="2091904"/>
+            <a:ext cx="3929840" cy="1011291"/>
+          </a:xfrm>
+          <a:prstGeom prst="rect">
+            <a:avLst/>
+          </a:prstGeom>
+          <a:noFill/>
+          <a:extLst>
+            <a:ext uri="{909E8E84-426E-40DD-AFC4-6F175D3DCCD1}">
+              <a14:hiddenFill xmlns:a14="http://schemas.microsoft.com/office/drawing/2010/main">
+                <a:solidFill>
+                  <a:srgbClr val="FFFFFF"/>
+                </a:solidFill>
+              </a14:hiddenFill>
+            </a:ext>
+          </a:extLst>
+        </p:spPr>
+      </p:pic>
+      <p:pic>
+        <p:nvPicPr>
+          <p:cNvPr id="6150" name="Picture 6" descr="Podman Blogs">
+            <a:extLst>
+              <a:ext uri="{FF2B5EF4-FFF2-40B4-BE49-F238E27FC236}">
+                <a16:creationId xmlns:a16="http://schemas.microsoft.com/office/drawing/2014/main" id="{1FD2B016-B52C-3A4C-B728-A8F424F61966}"/>
+              </a:ext>
+            </a:extLst>
+          </p:cNvPr>
+          <p:cNvPicPr>
+            <a:picLocks noChangeAspect="1" noChangeArrowheads="1"/>
+          </p:cNvPicPr>
+          <p:nvPr/>
+        </p:nvPicPr>
+        <p:blipFill>
+          <a:blip r:embed="rId5">
+            <a:extLst>
+              <a:ext uri="{28A0092B-C50C-407E-A947-70E740481C1C}">
+                <a14:useLocalDpi xmlns:a14="http://schemas.microsoft.com/office/drawing/2010/main" val="0"/>
+              </a:ext>
+            </a:extLst>
+          </a:blip>
+          <a:srcRect/>
+          <a:stretch>
+            <a:fillRect/>
+          </a:stretch>
+        </p:blipFill>
+        <p:spPr bwMode="auto">
+          <a:xfrm>
+            <a:off x="6448930" y="1451556"/>
+            <a:ext cx="2318578" cy="619712"/>
+          </a:xfrm>
+          <a:prstGeom prst="rect">
+            <a:avLst/>
+          </a:prstGeom>
+          <a:noFill/>
+          <a:extLst>
+            <a:ext uri="{909E8E84-426E-40DD-AFC4-6F175D3DCCD1}">
+              <a14:hiddenFill xmlns:a14="http://schemas.microsoft.com/office/drawing/2010/main">
+                <a:solidFill>
+                  <a:srgbClr val="FFFFFF"/>
+                </a:solidFill>
+              </a14:hiddenFill>
+            </a:ext>
+          </a:extLst>
+        </p:spPr>
+      </p:pic>
+      <p:pic>
+        <p:nvPicPr>
+          <p:cNvPr id="6152" name="Picture 8" descr="Entendendo as diferenças entre os runtimes containerd e CRI-O">
+            <a:extLst>
+              <a:ext uri="{FF2B5EF4-FFF2-40B4-BE49-F238E27FC236}">
+                <a16:creationId xmlns:a16="http://schemas.microsoft.com/office/drawing/2014/main" id="{356E04D1-7D05-FE47-92C0-54F564783DCD}"/>
+              </a:ext>
+            </a:extLst>
+          </p:cNvPr>
+          <p:cNvPicPr>
+            <a:picLocks noChangeAspect="1" noChangeArrowheads="1"/>
+          </p:cNvPicPr>
+          <p:nvPr/>
+        </p:nvPicPr>
+        <p:blipFill>
+          <a:blip r:embed="rId6">
+            <a:extLst>
+              <a:ext uri="{28A0092B-C50C-407E-A947-70E740481C1C}">
+                <a14:useLocalDpi xmlns:a14="http://schemas.microsoft.com/office/drawing/2010/main" val="0"/>
+              </a:ext>
+            </a:extLst>
+          </a:blip>
+          <a:srcRect/>
+          <a:stretch>
+            <a:fillRect/>
+          </a:stretch>
+        </p:blipFill>
+        <p:spPr bwMode="auto">
+          <a:xfrm>
+            <a:off x="5779418" y="4019677"/>
+            <a:ext cx="1828801" cy="693337"/>
+          </a:xfrm>
+          <a:prstGeom prst="rect">
+            <a:avLst/>
+          </a:prstGeom>
+          <a:noFill/>
+          <a:extLst>
+            <a:ext uri="{909E8E84-426E-40DD-AFC4-6F175D3DCCD1}">
+              <a14:hiddenFill xmlns:a14="http://schemas.microsoft.com/office/drawing/2010/main">
+                <a:solidFill>
+                  <a:srgbClr val="FFFFFF"/>
+                </a:solidFill>
+              </a14:hiddenFill>
+            </a:ext>
+          </a:extLst>
+        </p:spPr>
+      </p:pic>
+      <p:pic>
+        <p:nvPicPr>
+          <p:cNvPr id="6154" name="Picture 10" descr="LXD 3.15: the new version is out | From Linux">
+            <a:extLst>
+              <a:ext uri="{FF2B5EF4-FFF2-40B4-BE49-F238E27FC236}">
+                <a16:creationId xmlns:a16="http://schemas.microsoft.com/office/drawing/2014/main" id="{0D073C93-609D-B54C-A283-47E7EBE4BA68}"/>
+              </a:ext>
+            </a:extLst>
+          </p:cNvPr>
+          <p:cNvPicPr>
+            <a:picLocks noChangeAspect="1" noChangeArrowheads="1"/>
+          </p:cNvPicPr>
+          <p:nvPr/>
+        </p:nvPicPr>
+        <p:blipFill>
+          <a:blip r:embed="rId7">
+            <a:extLst>
+              <a:ext uri="{28A0092B-C50C-407E-A947-70E740481C1C}">
+                <a14:useLocalDpi xmlns:a14="http://schemas.microsoft.com/office/drawing/2010/main" val="0"/>
+              </a:ext>
+            </a:extLst>
+          </a:blip>
+          <a:srcRect/>
+          <a:stretch>
+            <a:fillRect/>
+          </a:stretch>
+        </p:blipFill>
+        <p:spPr bwMode="auto">
+          <a:xfrm>
+            <a:off x="330612" y="1507293"/>
+            <a:ext cx="1828801" cy="1011291"/>
+          </a:xfrm>
+          <a:prstGeom prst="rect">
+            <a:avLst/>
+          </a:prstGeom>
+          <a:noFill/>
+          <a:extLst>
+            <a:ext uri="{909E8E84-426E-40DD-AFC4-6F175D3DCCD1}">
+              <a14:hiddenFill xmlns:a14="http://schemas.microsoft.com/office/drawing/2010/main">
+                <a:solidFill>
+                  <a:srgbClr val="FFFFFF"/>
+                </a:solidFill>
+              </a14:hiddenFill>
+            </a:ext>
+          </a:extLst>
+        </p:spPr>
+      </p:pic>
+      <p:pic>
+        <p:nvPicPr>
+          <p:cNvPr id="2" name="Picture 2">
+            <a:extLst>
+              <a:ext uri="{FF2B5EF4-FFF2-40B4-BE49-F238E27FC236}">
+                <a16:creationId xmlns:a16="http://schemas.microsoft.com/office/drawing/2014/main" id="{24F08130-FA18-DF46-9BEC-9B349AEFE768}"/>
+              </a:ext>
+            </a:extLst>
+          </p:cNvPr>
+          <p:cNvPicPr>
+            <a:picLocks noChangeAspect="1" noChangeArrowheads="1"/>
+          </p:cNvPicPr>
+          <p:nvPr/>
+        </p:nvPicPr>
+        <p:blipFill>
+          <a:blip r:embed="rId8">
+            <a:extLst>
+              <a:ext uri="{28A0092B-C50C-407E-A947-70E740481C1C}">
+                <a14:useLocalDpi xmlns:a14="http://schemas.microsoft.com/office/drawing/2010/main" val="0"/>
+              </a:ext>
+            </a:extLst>
+          </a:blip>
+          <a:srcRect/>
+          <a:stretch>
+            <a:fillRect/>
+          </a:stretch>
+        </p:blipFill>
+        <p:spPr bwMode="auto">
+          <a:xfrm>
+            <a:off x="3975567" y="3033340"/>
+            <a:ext cx="1630102" cy="403847"/>
+          </a:xfrm>
+          <a:prstGeom prst="rect">
+            <a:avLst/>
+          </a:prstGeom>
+          <a:noFill/>
+          <a:extLst>
+            <a:ext uri="{909E8E84-426E-40DD-AFC4-6F175D3DCCD1}">
+              <a14:hiddenFill xmlns:a14="http://schemas.microsoft.com/office/drawing/2010/main">
+                <a:solidFill>
+                  <a:srgbClr val="FFFFFF"/>
+                </a:solidFill>
+              </a14:hiddenFill>
+            </a:ext>
+          </a:extLst>
+        </p:spPr>
+      </p:pic>
     </p:spTree>
     <p:extLst>
       <p:ext uri="{BB962C8B-B14F-4D97-AF65-F5344CB8AC3E}">
-        <p14:creationId xmlns:p14="http://schemas.microsoft.com/office/powerpoint/2010/main" val="197753081"/>
+        <p14:creationId xmlns:p14="http://schemas.microsoft.com/office/powerpoint/2010/main" val="403993397"/>
       </p:ext>
     </p:extLst>
   </p:cSld>
@@ -29774,7 +29369,7 @@
         <p:spPr>
           <a:xfrm>
             <a:off x="330612" y="911282"/>
-            <a:ext cx="8121625" cy="307777"/>
+            <a:ext cx="8121625" cy="2369880"/>
           </a:xfrm>
           <a:prstGeom prst="rect">
             <a:avLst/>
@@ -29795,6 +29390,17 @@
               <a:buChar char="•"/>
             </a:pPr>
             <a:r>
+              <a:rPr lang="en-US" b="0" i="0" dirty="0">
+                <a:solidFill>
+                  <a:srgbClr val="0B214A"/>
+                </a:solidFill>
+                <a:effectLst/>
+                <a:latin typeface="Roboto" panose="02000000000000000000" pitchFamily="2" charset="0"/>
+                <a:ea typeface="Roboto" panose="02000000000000000000" pitchFamily="2" charset="0"/>
+              </a:rPr>
+              <a:t>Na </a:t>
+            </a:r>
+            <a:r>
               <a:rPr lang="en-US" b="0" i="0" dirty="0" err="1">
                 <a:solidFill>
                   <a:srgbClr val="0B214A"/>
@@ -29803,7 +29409,7 @@
                 <a:latin typeface="Roboto" panose="02000000000000000000" pitchFamily="2" charset="0"/>
                 <a:ea typeface="Roboto" panose="02000000000000000000" pitchFamily="2" charset="0"/>
               </a:rPr>
-              <a:t>Componente</a:t>
+              <a:t>prática</a:t>
             </a:r>
             <a:r>
               <a:rPr lang="en-US" b="0" i="0" dirty="0">
@@ -29814,7 +29420,73 @@
                 <a:latin typeface="Roboto" panose="02000000000000000000" pitchFamily="2" charset="0"/>
                 <a:ea typeface="Roboto" panose="02000000000000000000" pitchFamily="2" charset="0"/>
               </a:rPr>
-              <a:t> que </a:t>
+              <a:t>, um container engine </a:t>
+            </a:r>
+            <a:r>
+              <a:rPr lang="en-US" b="0" i="0" dirty="0" err="1">
+                <a:solidFill>
+                  <a:srgbClr val="0B214A"/>
+                </a:solidFill>
+                <a:effectLst/>
+                <a:latin typeface="Roboto" panose="02000000000000000000" pitchFamily="2" charset="0"/>
+                <a:ea typeface="Roboto" panose="02000000000000000000" pitchFamily="2" charset="0"/>
+              </a:rPr>
+              <a:t>não</a:t>
+            </a:r>
+            <a:r>
+              <a:rPr lang="en-US" b="0" i="0" dirty="0">
+                <a:solidFill>
+                  <a:srgbClr val="0B214A"/>
+                </a:solidFill>
+                <a:effectLst/>
+                <a:latin typeface="Roboto" panose="02000000000000000000" pitchFamily="2" charset="0"/>
+                <a:ea typeface="Roboto" panose="02000000000000000000" pitchFamily="2" charset="0"/>
+              </a:rPr>
+              <a:t> </a:t>
+            </a:r>
+            <a:r>
+              <a:rPr lang="en-US" b="0" i="0" dirty="0" err="1">
+                <a:solidFill>
+                  <a:srgbClr val="0B214A"/>
+                </a:solidFill>
+                <a:effectLst/>
+                <a:latin typeface="Roboto" panose="02000000000000000000" pitchFamily="2" charset="0"/>
+                <a:ea typeface="Roboto" panose="02000000000000000000" pitchFamily="2" charset="0"/>
+              </a:rPr>
+              <a:t>roda</a:t>
+            </a:r>
+            <a:r>
+              <a:rPr lang="en-US" b="0" i="0" dirty="0">
+                <a:solidFill>
+                  <a:srgbClr val="0B214A"/>
+                </a:solidFill>
+                <a:effectLst/>
+                <a:latin typeface="Roboto" panose="02000000000000000000" pitchFamily="2" charset="0"/>
+                <a:ea typeface="Roboto" panose="02000000000000000000" pitchFamily="2" charset="0"/>
+              </a:rPr>
+              <a:t> </a:t>
+            </a:r>
+            <a:r>
+              <a:rPr lang="en-US" b="0" i="0" dirty="0" err="1">
+                <a:solidFill>
+                  <a:srgbClr val="0B214A"/>
+                </a:solidFill>
+                <a:effectLst/>
+                <a:latin typeface="Roboto" panose="02000000000000000000" pitchFamily="2" charset="0"/>
+                <a:ea typeface="Roboto" panose="02000000000000000000" pitchFamily="2" charset="0"/>
+              </a:rPr>
+              <a:t>os</a:t>
+            </a:r>
+            <a:r>
+              <a:rPr lang="en-US" b="0" i="0" dirty="0">
+                <a:solidFill>
+                  <a:srgbClr val="0B214A"/>
+                </a:solidFill>
+                <a:effectLst/>
+                <a:latin typeface="Roboto" panose="02000000000000000000" pitchFamily="2" charset="0"/>
+                <a:ea typeface="Roboto" panose="02000000000000000000" pitchFamily="2" charset="0"/>
+              </a:rPr>
+              <a:t> containers </a:t>
             </a:r>
             <a:r>
               <a:rPr lang="en-US" dirty="0" err="1">
@@ -29824,7 +29496,47 @@
                 <a:latin typeface="Roboto" panose="02000000000000000000" pitchFamily="2" charset="0"/>
                 <a:ea typeface="Roboto" panose="02000000000000000000" pitchFamily="2" charset="0"/>
               </a:rPr>
-              <a:t>executa</a:t>
+              <a:t>diretamente</a:t>
+            </a:r>
+            <a:r>
+              <a:rPr lang="en-US" dirty="0">
+                <a:solidFill>
+                  <a:srgbClr val="0B214A"/>
+                </a:solidFill>
+                <a:latin typeface="Roboto" panose="02000000000000000000" pitchFamily="2" charset="0"/>
+                <a:ea typeface="Roboto" panose="02000000000000000000" pitchFamily="2" charset="0"/>
+              </a:rPr>
+              <a:t>, mas </a:t>
+            </a:r>
+            <a:r>
+              <a:rPr lang="en-US" dirty="0" err="1">
+                <a:solidFill>
+                  <a:srgbClr val="0B214A"/>
+                </a:solidFill>
+                <a:latin typeface="Roboto" panose="02000000000000000000" pitchFamily="2" charset="0"/>
+                <a:ea typeface="Roboto" panose="02000000000000000000" pitchFamily="2" charset="0"/>
+              </a:rPr>
+              <a:t>utiliza</a:t>
+            </a:r>
+            <a:r>
+              <a:rPr lang="en-US" dirty="0">
+                <a:solidFill>
+                  <a:srgbClr val="0B214A"/>
+                </a:solidFill>
+                <a:latin typeface="Roboto" panose="02000000000000000000" pitchFamily="2" charset="0"/>
+                <a:ea typeface="Roboto" panose="02000000000000000000" pitchFamily="2" charset="0"/>
+              </a:rPr>
+              <a:t> um container runtime (ex.: </a:t>
+            </a:r>
+            <a:r>
+              <a:rPr lang="en-US" dirty="0" err="1">
+                <a:solidFill>
+                  <a:srgbClr val="0B214A"/>
+                </a:solidFill>
+                <a:latin typeface="Roboto" panose="02000000000000000000" pitchFamily="2" charset="0"/>
+                <a:ea typeface="Roboto" panose="02000000000000000000" pitchFamily="2" charset="0"/>
+              </a:rPr>
+              <a:t>runC</a:t>
             </a:r>
             <a:r>
               <a:rPr lang="en-US" dirty="0">
@@ -29844,17 +29556,87 @@
                 <a:latin typeface="Roboto" panose="02000000000000000000" pitchFamily="2" charset="0"/>
                 <a:ea typeface="Roboto" panose="02000000000000000000" pitchFamily="2" charset="0"/>
               </a:rPr>
-              <a:t>comandos</a:t>
-            </a:r>
-            <a:r>
-              <a:rPr lang="en-US" dirty="0">
-                <a:solidFill>
-                  <a:srgbClr val="0B214A"/>
-                </a:solidFill>
-                <a:latin typeface="Roboto" panose="02000000000000000000" pitchFamily="2" charset="0"/>
-                <a:ea typeface="Roboto" panose="02000000000000000000" pitchFamily="2" charset="0"/>
-              </a:rPr>
-              <a:t> do </a:t>
+              <a:t>etc</a:t>
+            </a:r>
+            <a:r>
+              <a:rPr lang="en-US" dirty="0">
+                <a:solidFill>
+                  <a:srgbClr val="0B214A"/>
+                </a:solidFill>
+                <a:latin typeface="Roboto" panose="02000000000000000000" pitchFamily="2" charset="0"/>
+                <a:ea typeface="Roboto" panose="02000000000000000000" pitchFamily="2" charset="0"/>
+              </a:rPr>
+              <a:t>);</a:t>
+            </a:r>
+          </a:p>
+          <a:p>
+            <a:pPr marL="285750" indent="-285750">
+              <a:spcAft>
+                <a:spcPts val="1200"/>
+              </a:spcAft>
+              <a:buFont typeface="Arial" panose="020B0604020202020204" pitchFamily="34" charset="0"/>
+              <a:buChar char="•"/>
+            </a:pPr>
+            <a:r>
+              <a:rPr lang="en-US" b="0" i="0" dirty="0" err="1">
+                <a:solidFill>
+                  <a:srgbClr val="0B214A"/>
+                </a:solidFill>
+                <a:effectLst/>
+                <a:latin typeface="Roboto" panose="02000000000000000000" pitchFamily="2" charset="0"/>
+                <a:ea typeface="Roboto" panose="02000000000000000000" pitchFamily="2" charset="0"/>
+              </a:rPr>
+              <a:t>Responsabilidades</a:t>
+            </a:r>
+            <a:r>
+              <a:rPr lang="en-US" b="0" i="0" dirty="0">
+                <a:solidFill>
+                  <a:srgbClr val="0B214A"/>
+                </a:solidFill>
+                <a:effectLst/>
+                <a:latin typeface="Roboto" panose="02000000000000000000" pitchFamily="2" charset="0"/>
+                <a:ea typeface="Roboto" panose="02000000000000000000" pitchFamily="2" charset="0"/>
+              </a:rPr>
+              <a:t> </a:t>
+            </a:r>
+            <a:r>
+              <a:rPr lang="en-US" b="0" i="0" dirty="0" err="1">
+                <a:solidFill>
+                  <a:srgbClr val="0B214A"/>
+                </a:solidFill>
+                <a:effectLst/>
+                <a:latin typeface="Roboto" panose="02000000000000000000" pitchFamily="2" charset="0"/>
+                <a:ea typeface="Roboto" panose="02000000000000000000" pitchFamily="2" charset="0"/>
+              </a:rPr>
+              <a:t>principais</a:t>
+            </a:r>
+            <a:r>
+              <a:rPr lang="en-US" b="0" i="0" dirty="0">
+                <a:solidFill>
+                  <a:srgbClr val="0B214A"/>
+                </a:solidFill>
+                <a:effectLst/>
+                <a:latin typeface="Roboto" panose="02000000000000000000" pitchFamily="2" charset="0"/>
+                <a:ea typeface="Roboto" panose="02000000000000000000" pitchFamily="2" charset="0"/>
+              </a:rPr>
+              <a:t>:</a:t>
+            </a:r>
+          </a:p>
+          <a:p>
+            <a:pPr lvl="1">
+              <a:spcAft>
+                <a:spcPts val="1200"/>
+              </a:spcAft>
+            </a:pPr>
+            <a:r>
+              <a:rPr lang="en-US" dirty="0">
+                <a:solidFill>
+                  <a:srgbClr val="0B214A"/>
+                </a:solidFill>
+                <a:latin typeface="Roboto" panose="02000000000000000000" pitchFamily="2" charset="0"/>
+                <a:ea typeface="Roboto" panose="02000000000000000000" pitchFamily="2" charset="0"/>
+              </a:rPr>
+              <a:t>	- Lidar com inputs do </a:t>
             </a:r>
             <a:r>
               <a:rPr lang="en-US" dirty="0" err="1">
@@ -29874,7 +29656,36 @@
                 <a:latin typeface="Roboto" panose="02000000000000000000" pitchFamily="2" charset="0"/>
                 <a:ea typeface="Roboto" panose="02000000000000000000" pitchFamily="2" charset="0"/>
               </a:rPr>
-              <a:t> e </a:t>
+              <a:t>;</a:t>
+            </a:r>
+          </a:p>
+          <a:p>
+            <a:pPr>
+              <a:spcAft>
+                <a:spcPts val="1200"/>
+              </a:spcAft>
+            </a:pPr>
+            <a:r>
+              <a:rPr lang="en-US" b="0" i="0" dirty="0">
+                <a:solidFill>
+                  <a:srgbClr val="0B214A"/>
+                </a:solidFill>
+                <a:effectLst/>
+                <a:latin typeface="Roboto" panose="02000000000000000000" pitchFamily="2" charset="0"/>
+                <a:ea typeface="Roboto" panose="02000000000000000000" pitchFamily="2" charset="0"/>
+              </a:rPr>
+              <a:t>	- Lidar com </a:t>
+            </a:r>
+            <a:r>
+              <a:rPr lang="en-US" b="0" i="0" dirty="0" err="1">
+                <a:solidFill>
+                  <a:srgbClr val="0B214A"/>
+                </a:solidFill>
+                <a:effectLst/>
+                <a:latin typeface="Roboto" panose="02000000000000000000" pitchFamily="2" charset="0"/>
+                <a:ea typeface="Roboto" panose="02000000000000000000" pitchFamily="2" charset="0"/>
+              </a:rPr>
+              <a:t>c</a:t>
             </a:r>
             <a:r>
               <a:rPr lang="en-US" dirty="0" err="1">
@@ -29884,315 +29695,157 @@
                 <a:latin typeface="Roboto" panose="02000000000000000000" pitchFamily="2" charset="0"/>
                 <a:ea typeface="Roboto" panose="02000000000000000000" pitchFamily="2" charset="0"/>
               </a:rPr>
-              <a:t>roda</a:t>
-            </a:r>
-            <a:r>
-              <a:rPr lang="en-US" dirty="0">
-                <a:solidFill>
-                  <a:srgbClr val="0B214A"/>
-                </a:solidFill>
-                <a:latin typeface="Roboto" panose="02000000000000000000" pitchFamily="2" charset="0"/>
-                <a:ea typeface="Roboto" panose="02000000000000000000" pitchFamily="2" charset="0"/>
-              </a:rPr>
-              <a:t> as container images;</a:t>
-            </a:r>
-            <a:endParaRPr lang="en-US" b="0" i="0" dirty="0">
-              <a:solidFill>
-                <a:srgbClr val="0B214A"/>
-              </a:solidFill>
-              <a:effectLst/>
-              <a:latin typeface="Roboto" panose="02000000000000000000" pitchFamily="2" charset="0"/>
-              <a:ea typeface="Roboto" panose="02000000000000000000" pitchFamily="2" charset="0"/>
-            </a:endParaRPr>
+              <a:t>hamadas</a:t>
+            </a:r>
+            <a:r>
+              <a:rPr lang="en-US" dirty="0">
+                <a:solidFill>
+                  <a:srgbClr val="0B214A"/>
+                </a:solidFill>
+                <a:latin typeface="Roboto" panose="02000000000000000000" pitchFamily="2" charset="0"/>
+                <a:ea typeface="Roboto" panose="02000000000000000000" pitchFamily="2" charset="0"/>
+              </a:rPr>
+              <a:t> de API de um </a:t>
+            </a:r>
+            <a:r>
+              <a:rPr lang="en-US" dirty="0" err="1">
+                <a:solidFill>
+                  <a:srgbClr val="0B214A"/>
+                </a:solidFill>
+                <a:latin typeface="Roboto" panose="02000000000000000000" pitchFamily="2" charset="0"/>
+                <a:ea typeface="Roboto" panose="02000000000000000000" pitchFamily="2" charset="0"/>
+              </a:rPr>
+              <a:t>orquestrador</a:t>
+            </a:r>
+            <a:r>
+              <a:rPr lang="en-US" dirty="0">
+                <a:solidFill>
+                  <a:srgbClr val="0B214A"/>
+                </a:solidFill>
+                <a:latin typeface="Roboto" panose="02000000000000000000" pitchFamily="2" charset="0"/>
+                <a:ea typeface="Roboto" panose="02000000000000000000" pitchFamily="2" charset="0"/>
+              </a:rPr>
+              <a:t> de containers (e.g. Kubernetes);</a:t>
+            </a:r>
+          </a:p>
+          <a:p>
+            <a:pPr lvl="1">
+              <a:spcAft>
+                <a:spcPts val="1200"/>
+              </a:spcAft>
+            </a:pPr>
+            <a:r>
+              <a:rPr lang="en-US" b="0" i="0" dirty="0">
+                <a:solidFill>
+                  <a:srgbClr val="0B214A"/>
+                </a:solidFill>
+                <a:effectLst/>
+                <a:latin typeface="Roboto" panose="02000000000000000000" pitchFamily="2" charset="0"/>
+                <a:ea typeface="Roboto" panose="02000000000000000000" pitchFamily="2" charset="0"/>
+              </a:rPr>
+              <a:t>	- </a:t>
+            </a:r>
+            <a:r>
+              <a:rPr lang="en-US" b="0" i="0" dirty="0" err="1">
+                <a:solidFill>
+                  <a:srgbClr val="0B214A"/>
+                </a:solidFill>
+                <a:effectLst/>
+                <a:latin typeface="Roboto" panose="02000000000000000000" pitchFamily="2" charset="0"/>
+                <a:ea typeface="Roboto" panose="02000000000000000000" pitchFamily="2" charset="0"/>
+              </a:rPr>
+              <a:t>Baixar</a:t>
+            </a:r>
+            <a:r>
+              <a:rPr lang="en-US" b="0" i="0" dirty="0">
+                <a:solidFill>
+                  <a:srgbClr val="0B214A"/>
+                </a:solidFill>
+                <a:effectLst/>
+                <a:latin typeface="Roboto" panose="02000000000000000000" pitchFamily="2" charset="0"/>
+                <a:ea typeface="Roboto" panose="02000000000000000000" pitchFamily="2" charset="0"/>
+              </a:rPr>
+              <a:t> </a:t>
+            </a:r>
+            <a:r>
+              <a:rPr lang="en-US" dirty="0">
+                <a:solidFill>
+                  <a:srgbClr val="0B214A"/>
+                </a:solidFill>
+                <a:latin typeface="Roboto" panose="02000000000000000000" pitchFamily="2" charset="0"/>
+                <a:ea typeface="Roboto" panose="02000000000000000000" pitchFamily="2" charset="0"/>
+              </a:rPr>
+              <a:t>imagens do registry;</a:t>
+            </a:r>
+          </a:p>
+          <a:p>
+            <a:pPr lvl="1">
+              <a:spcAft>
+                <a:spcPts val="1200"/>
+              </a:spcAft>
+            </a:pPr>
+            <a:r>
+              <a:rPr lang="en-US" b="0" i="0" dirty="0">
+                <a:solidFill>
+                  <a:srgbClr val="0B214A"/>
+                </a:solidFill>
+                <a:effectLst/>
+                <a:latin typeface="Roboto" panose="02000000000000000000" pitchFamily="2" charset="0"/>
+                <a:ea typeface="Roboto" panose="02000000000000000000" pitchFamily="2" charset="0"/>
+              </a:rPr>
+              <a:t>	- </a:t>
+            </a:r>
+            <a:r>
+              <a:rPr lang="en-US" b="0" i="0" dirty="0" err="1">
+                <a:solidFill>
+                  <a:srgbClr val="0B214A"/>
+                </a:solidFill>
+                <a:effectLst/>
+                <a:latin typeface="Roboto" panose="02000000000000000000" pitchFamily="2" charset="0"/>
+                <a:ea typeface="Roboto" panose="02000000000000000000" pitchFamily="2" charset="0"/>
+              </a:rPr>
+              <a:t>Preparar</a:t>
+            </a:r>
+            <a:r>
+              <a:rPr lang="en-US" b="0" i="0" dirty="0">
+                <a:solidFill>
+                  <a:srgbClr val="0B214A"/>
+                </a:solidFill>
+                <a:effectLst/>
+                <a:latin typeface="Roboto" panose="02000000000000000000" pitchFamily="2" charset="0"/>
+                <a:ea typeface="Roboto" panose="02000000000000000000" pitchFamily="2" charset="0"/>
+              </a:rPr>
+              <a:t> o container para a </a:t>
+            </a:r>
+            <a:r>
+              <a:rPr lang="en-US" b="0" i="0" dirty="0" err="1">
+                <a:solidFill>
+                  <a:srgbClr val="0B214A"/>
+                </a:solidFill>
+                <a:effectLst/>
+                <a:latin typeface="Roboto" panose="02000000000000000000" pitchFamily="2" charset="0"/>
+                <a:ea typeface="Roboto" panose="02000000000000000000" pitchFamily="2" charset="0"/>
+              </a:rPr>
+              <a:t>execução</a:t>
+            </a:r>
+            <a:r>
+              <a:rPr lang="en-US" b="0" i="0" dirty="0">
+                <a:solidFill>
+                  <a:srgbClr val="0B214A"/>
+                </a:solidFill>
+                <a:effectLst/>
+                <a:latin typeface="Roboto" panose="02000000000000000000" pitchFamily="2" charset="0"/>
+                <a:ea typeface="Roboto" panose="02000000000000000000" pitchFamily="2" charset="0"/>
+              </a:rPr>
+              <a:t>;</a:t>
+            </a:r>
           </a:p>
         </p:txBody>
       </p:sp>
-      <p:pic>
-        <p:nvPicPr>
-          <p:cNvPr id="6146" name="Picture 2" descr="rkt Reviews 2022: Details, Pricing, &amp; Features | G2">
-            <a:extLst>
-              <a:ext uri="{FF2B5EF4-FFF2-40B4-BE49-F238E27FC236}">
-                <a16:creationId xmlns:a16="http://schemas.microsoft.com/office/drawing/2014/main" id="{352F0245-ED95-224E-8908-0FCDD058E27C}"/>
-              </a:ext>
-            </a:extLst>
-          </p:cNvPr>
-          <p:cNvPicPr>
-            <a:picLocks noChangeAspect="1" noChangeArrowheads="1"/>
-          </p:cNvPicPr>
-          <p:nvPr/>
-        </p:nvPicPr>
-        <p:blipFill>
-          <a:blip r:embed="rId3">
-            <a:extLst>
-              <a:ext uri="{28A0092B-C50C-407E-A947-70E740481C1C}">
-                <a14:useLocalDpi xmlns:a14="http://schemas.microsoft.com/office/drawing/2010/main" val="0"/>
-              </a:ext>
-            </a:extLst>
-          </a:blip>
-          <a:srcRect/>
-          <a:stretch>
-            <a:fillRect/>
-          </a:stretch>
-        </p:blipFill>
-        <p:spPr bwMode="auto">
-          <a:xfrm>
-            <a:off x="765487" y="3404751"/>
-            <a:ext cx="1828800" cy="961595"/>
-          </a:xfrm>
-          <a:prstGeom prst="rect">
-            <a:avLst/>
-          </a:prstGeom>
-          <a:noFill/>
-          <a:extLst>
-            <a:ext uri="{909E8E84-426E-40DD-AFC4-6F175D3DCCD1}">
-              <a14:hiddenFill xmlns:a14="http://schemas.microsoft.com/office/drawing/2010/main">
-                <a:solidFill>
-                  <a:srgbClr val="FFFFFF"/>
-                </a:solidFill>
-              </a14:hiddenFill>
-            </a:ext>
-          </a:extLst>
-        </p:spPr>
-      </p:pic>
-      <p:pic>
-        <p:nvPicPr>
-          <p:cNvPr id="6148" name="Picture 4" descr="Docker Logos - Docker">
-            <a:extLst>
-              <a:ext uri="{FF2B5EF4-FFF2-40B4-BE49-F238E27FC236}">
-                <a16:creationId xmlns:a16="http://schemas.microsoft.com/office/drawing/2014/main" id="{E5CBE34D-775F-834E-B55E-8704AF6182DB}"/>
-              </a:ext>
-            </a:extLst>
-          </p:cNvPr>
-          <p:cNvPicPr>
-            <a:picLocks noChangeAspect="1" noChangeArrowheads="1"/>
-          </p:cNvPicPr>
-          <p:nvPr/>
-        </p:nvPicPr>
-        <p:blipFill>
-          <a:blip r:embed="rId4">
-            <a:extLst>
-              <a:ext uri="{28A0092B-C50C-407E-A947-70E740481C1C}">
-                <a14:useLocalDpi xmlns:a14="http://schemas.microsoft.com/office/drawing/2010/main" val="0"/>
-              </a:ext>
-            </a:extLst>
-          </a:blip>
-          <a:srcRect/>
-          <a:stretch>
-            <a:fillRect/>
-          </a:stretch>
-        </p:blipFill>
-        <p:spPr bwMode="auto">
-          <a:xfrm>
-            <a:off x="2594287" y="2091904"/>
-            <a:ext cx="3929840" cy="1011291"/>
-          </a:xfrm>
-          <a:prstGeom prst="rect">
-            <a:avLst/>
-          </a:prstGeom>
-          <a:noFill/>
-          <a:extLst>
-            <a:ext uri="{909E8E84-426E-40DD-AFC4-6F175D3DCCD1}">
-              <a14:hiddenFill xmlns:a14="http://schemas.microsoft.com/office/drawing/2010/main">
-                <a:solidFill>
-                  <a:srgbClr val="FFFFFF"/>
-                </a:solidFill>
-              </a14:hiddenFill>
-            </a:ext>
-          </a:extLst>
-        </p:spPr>
-      </p:pic>
-      <p:pic>
-        <p:nvPicPr>
-          <p:cNvPr id="6150" name="Picture 6" descr="Podman Blogs">
-            <a:extLst>
-              <a:ext uri="{FF2B5EF4-FFF2-40B4-BE49-F238E27FC236}">
-                <a16:creationId xmlns:a16="http://schemas.microsoft.com/office/drawing/2014/main" id="{1FD2B016-B52C-3A4C-B728-A8F424F61966}"/>
-              </a:ext>
-            </a:extLst>
-          </p:cNvPr>
-          <p:cNvPicPr>
-            <a:picLocks noChangeAspect="1" noChangeArrowheads="1"/>
-          </p:cNvPicPr>
-          <p:nvPr/>
-        </p:nvPicPr>
-        <p:blipFill>
-          <a:blip r:embed="rId5">
-            <a:extLst>
-              <a:ext uri="{28A0092B-C50C-407E-A947-70E740481C1C}">
-                <a14:useLocalDpi xmlns:a14="http://schemas.microsoft.com/office/drawing/2010/main" val="0"/>
-              </a:ext>
-            </a:extLst>
-          </a:blip>
-          <a:srcRect/>
-          <a:stretch>
-            <a:fillRect/>
-          </a:stretch>
-        </p:blipFill>
-        <p:spPr bwMode="auto">
-          <a:xfrm>
-            <a:off x="6448930" y="1451556"/>
-            <a:ext cx="2318578" cy="619712"/>
-          </a:xfrm>
-          <a:prstGeom prst="rect">
-            <a:avLst/>
-          </a:prstGeom>
-          <a:noFill/>
-          <a:extLst>
-            <a:ext uri="{909E8E84-426E-40DD-AFC4-6F175D3DCCD1}">
-              <a14:hiddenFill xmlns:a14="http://schemas.microsoft.com/office/drawing/2010/main">
-                <a:solidFill>
-                  <a:srgbClr val="FFFFFF"/>
-                </a:solidFill>
-              </a14:hiddenFill>
-            </a:ext>
-          </a:extLst>
-        </p:spPr>
-      </p:pic>
-      <p:pic>
-        <p:nvPicPr>
-          <p:cNvPr id="6152" name="Picture 8" descr="Entendendo as diferenças entre os runtimes containerd e CRI-O">
-            <a:extLst>
-              <a:ext uri="{FF2B5EF4-FFF2-40B4-BE49-F238E27FC236}">
-                <a16:creationId xmlns:a16="http://schemas.microsoft.com/office/drawing/2014/main" id="{356E04D1-7D05-FE47-92C0-54F564783DCD}"/>
-              </a:ext>
-            </a:extLst>
-          </p:cNvPr>
-          <p:cNvPicPr>
-            <a:picLocks noChangeAspect="1" noChangeArrowheads="1"/>
-          </p:cNvPicPr>
-          <p:nvPr/>
-        </p:nvPicPr>
-        <p:blipFill>
-          <a:blip r:embed="rId6">
-            <a:extLst>
-              <a:ext uri="{28A0092B-C50C-407E-A947-70E740481C1C}">
-                <a14:useLocalDpi xmlns:a14="http://schemas.microsoft.com/office/drawing/2010/main" val="0"/>
-              </a:ext>
-            </a:extLst>
-          </a:blip>
-          <a:srcRect/>
-          <a:stretch>
-            <a:fillRect/>
-          </a:stretch>
-        </p:blipFill>
-        <p:spPr bwMode="auto">
-          <a:xfrm>
-            <a:off x="5779418" y="4019677"/>
-            <a:ext cx="1828801" cy="693337"/>
-          </a:xfrm>
-          <a:prstGeom prst="rect">
-            <a:avLst/>
-          </a:prstGeom>
-          <a:noFill/>
-          <a:extLst>
-            <a:ext uri="{909E8E84-426E-40DD-AFC4-6F175D3DCCD1}">
-              <a14:hiddenFill xmlns:a14="http://schemas.microsoft.com/office/drawing/2010/main">
-                <a:solidFill>
-                  <a:srgbClr val="FFFFFF"/>
-                </a:solidFill>
-              </a14:hiddenFill>
-            </a:ext>
-          </a:extLst>
-        </p:spPr>
-      </p:pic>
-      <p:pic>
-        <p:nvPicPr>
-          <p:cNvPr id="6154" name="Picture 10" descr="LXD 3.15: the new version is out | From Linux">
-            <a:extLst>
-              <a:ext uri="{FF2B5EF4-FFF2-40B4-BE49-F238E27FC236}">
-                <a16:creationId xmlns:a16="http://schemas.microsoft.com/office/drawing/2014/main" id="{0D073C93-609D-B54C-A283-47E7EBE4BA68}"/>
-              </a:ext>
-            </a:extLst>
-          </p:cNvPr>
-          <p:cNvPicPr>
-            <a:picLocks noChangeAspect="1" noChangeArrowheads="1"/>
-          </p:cNvPicPr>
-          <p:nvPr/>
-        </p:nvPicPr>
-        <p:blipFill>
-          <a:blip r:embed="rId7">
-            <a:extLst>
-              <a:ext uri="{28A0092B-C50C-407E-A947-70E740481C1C}">
-                <a14:useLocalDpi xmlns:a14="http://schemas.microsoft.com/office/drawing/2010/main" val="0"/>
-              </a:ext>
-            </a:extLst>
-          </a:blip>
-          <a:srcRect/>
-          <a:stretch>
-            <a:fillRect/>
-          </a:stretch>
-        </p:blipFill>
-        <p:spPr bwMode="auto">
-          <a:xfrm>
-            <a:off x="330612" y="1507293"/>
-            <a:ext cx="1828801" cy="1011291"/>
-          </a:xfrm>
-          <a:prstGeom prst="rect">
-            <a:avLst/>
-          </a:prstGeom>
-          <a:noFill/>
-          <a:extLst>
-            <a:ext uri="{909E8E84-426E-40DD-AFC4-6F175D3DCCD1}">
-              <a14:hiddenFill xmlns:a14="http://schemas.microsoft.com/office/drawing/2010/main">
-                <a:solidFill>
-                  <a:srgbClr val="FFFFFF"/>
-                </a:solidFill>
-              </a14:hiddenFill>
-            </a:ext>
-          </a:extLst>
-        </p:spPr>
-      </p:pic>
-      <p:pic>
-        <p:nvPicPr>
-          <p:cNvPr id="2" name="Picture 2">
-            <a:extLst>
-              <a:ext uri="{FF2B5EF4-FFF2-40B4-BE49-F238E27FC236}">
-                <a16:creationId xmlns:a16="http://schemas.microsoft.com/office/drawing/2014/main" id="{24F08130-FA18-DF46-9BEC-9B349AEFE768}"/>
-              </a:ext>
-            </a:extLst>
-          </p:cNvPr>
-          <p:cNvPicPr>
-            <a:picLocks noChangeAspect="1" noChangeArrowheads="1"/>
-          </p:cNvPicPr>
-          <p:nvPr/>
-        </p:nvPicPr>
-        <p:blipFill>
-          <a:blip r:embed="rId8">
-            <a:extLst>
-              <a:ext uri="{28A0092B-C50C-407E-A947-70E740481C1C}">
-                <a14:useLocalDpi xmlns:a14="http://schemas.microsoft.com/office/drawing/2010/main" val="0"/>
-              </a:ext>
-            </a:extLst>
-          </a:blip>
-          <a:srcRect/>
-          <a:stretch>
-            <a:fillRect/>
-          </a:stretch>
-        </p:blipFill>
-        <p:spPr bwMode="auto">
-          <a:xfrm>
-            <a:off x="3975567" y="3033340"/>
-            <a:ext cx="1630102" cy="403847"/>
-          </a:xfrm>
-          <a:prstGeom prst="rect">
-            <a:avLst/>
-          </a:prstGeom>
-          <a:noFill/>
-          <a:extLst>
-            <a:ext uri="{909E8E84-426E-40DD-AFC4-6F175D3DCCD1}">
-              <a14:hiddenFill xmlns:a14="http://schemas.microsoft.com/office/drawing/2010/main">
-                <a:solidFill>
-                  <a:srgbClr val="FFFFFF"/>
-                </a:solidFill>
-              </a14:hiddenFill>
-            </a:ext>
-          </a:extLst>
-        </p:spPr>
-      </p:pic>
     </p:spTree>
     <p:extLst>
       <p:ext uri="{BB962C8B-B14F-4D97-AF65-F5344CB8AC3E}">
-        <p14:creationId xmlns:p14="http://schemas.microsoft.com/office/powerpoint/2010/main" val="403993397"/>
+        <p14:creationId xmlns:p14="http://schemas.microsoft.com/office/powerpoint/2010/main" val="2765594565"/>
       </p:ext>
     </p:extLst>
   </p:cSld>
@@ -30359,19 +30012,7 @@
                 <a:cs typeface="Roboto"/>
                 <a:sym typeface="Roboto"/>
               </a:rPr>
-              <a:t>Container </a:t>
-            </a:r>
-            <a:r>
-              <a:rPr lang="pt-BR" sz="2400" b="1" dirty="0" err="1">
-                <a:solidFill>
-                  <a:srgbClr val="20409A"/>
-                </a:solidFill>
-                <a:latin typeface="Roboto"/>
-                <a:ea typeface="Roboto"/>
-                <a:cs typeface="Roboto"/>
-                <a:sym typeface="Roboto"/>
-              </a:rPr>
-              <a:t>Engines</a:t>
+              <a:t>Container Host</a:t>
             </a:r>
             <a:endParaRPr sz="2400" b="1" dirty="0">
               <a:solidFill>
@@ -30439,7 +30080,7 @@
         <p:spPr>
           <a:xfrm>
             <a:off x="330612" y="911282"/>
-            <a:ext cx="8121625" cy="2369880"/>
+            <a:ext cx="8121625" cy="2000548"/>
           </a:xfrm>
           <a:prstGeom prst="rect">
             <a:avLst/>
@@ -30460,6 +30101,16 @@
               <a:buChar char="•"/>
             </a:pPr>
             <a:r>
+              <a:rPr lang="en-US" dirty="0">
+                <a:solidFill>
+                  <a:srgbClr val="0B214A"/>
+                </a:solidFill>
+                <a:latin typeface="Roboto" panose="02000000000000000000" pitchFamily="2" charset="0"/>
+                <a:ea typeface="Roboto" panose="02000000000000000000" pitchFamily="2" charset="0"/>
+              </a:rPr>
+              <a:t>S</a:t>
+            </a:r>
+            <a:r>
               <a:rPr lang="en-US" b="0" i="0" dirty="0">
                 <a:solidFill>
                   <a:srgbClr val="0B214A"/>
@@ -30468,7 +30119,7 @@
                 <a:latin typeface="Roboto" panose="02000000000000000000" pitchFamily="2" charset="0"/>
                 <a:ea typeface="Roboto" panose="02000000000000000000" pitchFamily="2" charset="0"/>
               </a:rPr>
-              <a:t>Na </a:t>
+              <a:t>istema </a:t>
             </a:r>
             <a:r>
               <a:rPr lang="en-US" b="0" i="0" dirty="0" err="1">
@@ -30479,7 +30130,7 @@
                 <a:latin typeface="Roboto" panose="02000000000000000000" pitchFamily="2" charset="0"/>
                 <a:ea typeface="Roboto" panose="02000000000000000000" pitchFamily="2" charset="0"/>
               </a:rPr>
-              <a:t>prática</a:t>
+              <a:t>operacional</a:t>
             </a:r>
             <a:r>
               <a:rPr lang="en-US" b="0" i="0" dirty="0">
@@ -30490,7 +30141,7 @@
                 <a:latin typeface="Roboto" panose="02000000000000000000" pitchFamily="2" charset="0"/>
                 <a:ea typeface="Roboto" panose="02000000000000000000" pitchFamily="2" charset="0"/>
               </a:rPr>
-              <a:t>, um container engine </a:t>
+              <a:t> que </a:t>
             </a:r>
             <a:r>
               <a:rPr lang="en-US" b="0" i="0" dirty="0" err="1">
@@ -30501,7 +30152,7 @@
                 <a:latin typeface="Roboto" panose="02000000000000000000" pitchFamily="2" charset="0"/>
                 <a:ea typeface="Roboto" panose="02000000000000000000" pitchFamily="2" charset="0"/>
               </a:rPr>
-              <a:t>não</a:t>
+              <a:t>os</a:t>
             </a:r>
             <a:r>
               <a:rPr lang="en-US" b="0" i="0" dirty="0">
@@ -30512,6 +30163,28 @@
                 <a:latin typeface="Roboto" panose="02000000000000000000" pitchFamily="2" charset="0"/>
                 <a:ea typeface="Roboto" panose="02000000000000000000" pitchFamily="2" charset="0"/>
               </a:rPr>
+              <a:t> containers </a:t>
+            </a:r>
+            <a:r>
+              <a:rPr lang="en-US" b="0" i="0" dirty="0" err="1">
+                <a:solidFill>
+                  <a:srgbClr val="0B214A"/>
+                </a:solidFill>
+                <a:effectLst/>
+                <a:latin typeface="Roboto" panose="02000000000000000000" pitchFamily="2" charset="0"/>
+                <a:ea typeface="Roboto" panose="02000000000000000000" pitchFamily="2" charset="0"/>
+              </a:rPr>
+              <a:t>estão</a:t>
+            </a:r>
+            <a:r>
+              <a:rPr lang="en-US" b="0" i="0" dirty="0">
+                <a:solidFill>
+                  <a:srgbClr val="0B214A"/>
+                </a:solidFill>
+                <a:effectLst/>
+                <a:latin typeface="Roboto" panose="02000000000000000000" pitchFamily="2" charset="0"/>
+                <a:ea typeface="Roboto" panose="02000000000000000000" pitchFamily="2" charset="0"/>
+              </a:rPr>
               <a:t> </a:t>
             </a:r>
             <a:r>
@@ -30523,7 +30196,7 @@
                 <a:latin typeface="Roboto" panose="02000000000000000000" pitchFamily="2" charset="0"/>
                 <a:ea typeface="Roboto" panose="02000000000000000000" pitchFamily="2" charset="0"/>
               </a:rPr>
-              <a:t>roda</a:t>
+              <a:t>rodando</a:t>
             </a:r>
             <a:r>
               <a:rPr lang="en-US" b="0" i="0" dirty="0">
@@ -30534,109 +30207,7 @@
                 <a:latin typeface="Roboto" panose="02000000000000000000" pitchFamily="2" charset="0"/>
                 <a:ea typeface="Roboto" panose="02000000000000000000" pitchFamily="2" charset="0"/>
               </a:rPr>
-              <a:t> </a:t>
-            </a:r>
-            <a:r>
-              <a:rPr lang="en-US" b="0" i="0" dirty="0" err="1">
-                <a:solidFill>
-                  <a:srgbClr val="0B214A"/>
-                </a:solidFill>
-                <a:effectLst/>
-                <a:latin typeface="Roboto" panose="02000000000000000000" pitchFamily="2" charset="0"/>
-                <a:ea typeface="Roboto" panose="02000000000000000000" pitchFamily="2" charset="0"/>
-              </a:rPr>
-              <a:t>os</a:t>
-            </a:r>
-            <a:r>
-              <a:rPr lang="en-US" b="0" i="0" dirty="0">
-                <a:solidFill>
-                  <a:srgbClr val="0B214A"/>
-                </a:solidFill>
-                <a:effectLst/>
-                <a:latin typeface="Roboto" panose="02000000000000000000" pitchFamily="2" charset="0"/>
-                <a:ea typeface="Roboto" panose="02000000000000000000" pitchFamily="2" charset="0"/>
-              </a:rPr>
-              <a:t> containers </a:t>
-            </a:r>
-            <a:r>
-              <a:rPr lang="en-US" dirty="0" err="1">
-                <a:solidFill>
-                  <a:srgbClr val="0B214A"/>
-                </a:solidFill>
-                <a:latin typeface="Roboto" panose="02000000000000000000" pitchFamily="2" charset="0"/>
-                <a:ea typeface="Roboto" panose="02000000000000000000" pitchFamily="2" charset="0"/>
-              </a:rPr>
-              <a:t>diretamente</a:t>
-            </a:r>
-            <a:r>
-              <a:rPr lang="en-US" dirty="0">
-                <a:solidFill>
-                  <a:srgbClr val="0B214A"/>
-                </a:solidFill>
-                <a:latin typeface="Roboto" panose="02000000000000000000" pitchFamily="2" charset="0"/>
-                <a:ea typeface="Roboto" panose="02000000000000000000" pitchFamily="2" charset="0"/>
-              </a:rPr>
-              <a:t>, mas </a:t>
-            </a:r>
-            <a:r>
-              <a:rPr lang="en-US" dirty="0" err="1">
-                <a:solidFill>
-                  <a:srgbClr val="0B214A"/>
-                </a:solidFill>
-                <a:latin typeface="Roboto" panose="02000000000000000000" pitchFamily="2" charset="0"/>
-                <a:ea typeface="Roboto" panose="02000000000000000000" pitchFamily="2" charset="0"/>
-              </a:rPr>
-              <a:t>utiliza</a:t>
-            </a:r>
-            <a:r>
-              <a:rPr lang="en-US" dirty="0">
-                <a:solidFill>
-                  <a:srgbClr val="0B214A"/>
-                </a:solidFill>
-                <a:latin typeface="Roboto" panose="02000000000000000000" pitchFamily="2" charset="0"/>
-                <a:ea typeface="Roboto" panose="02000000000000000000" pitchFamily="2" charset="0"/>
-              </a:rPr>
-              <a:t> um container runtime (ex.: </a:t>
-            </a:r>
-            <a:r>
-              <a:rPr lang="en-US" dirty="0" err="1">
-                <a:solidFill>
-                  <a:srgbClr val="0B214A"/>
-                </a:solidFill>
-                <a:latin typeface="Roboto" panose="02000000000000000000" pitchFamily="2" charset="0"/>
-                <a:ea typeface="Roboto" panose="02000000000000000000" pitchFamily="2" charset="0"/>
-              </a:rPr>
-              <a:t>runC</a:t>
-            </a:r>
-            <a:r>
-              <a:rPr lang="en-US" dirty="0">
-                <a:solidFill>
-                  <a:srgbClr val="0B214A"/>
-                </a:solidFill>
-                <a:latin typeface="Roboto" panose="02000000000000000000" pitchFamily="2" charset="0"/>
-                <a:ea typeface="Roboto" panose="02000000000000000000" pitchFamily="2" charset="0"/>
-              </a:rPr>
-              <a:t> </a:t>
-            </a:r>
-            <a:r>
-              <a:rPr lang="en-US" dirty="0" err="1">
-                <a:solidFill>
-                  <a:srgbClr val="0B214A"/>
-                </a:solidFill>
-                <a:latin typeface="Roboto" panose="02000000000000000000" pitchFamily="2" charset="0"/>
-                <a:ea typeface="Roboto" panose="02000000000000000000" pitchFamily="2" charset="0"/>
-              </a:rPr>
-              <a:t>etc</a:t>
-            </a:r>
-            <a:r>
-              <a:rPr lang="en-US" dirty="0">
-                <a:solidFill>
-                  <a:srgbClr val="0B214A"/>
-                </a:solidFill>
-                <a:latin typeface="Roboto" panose="02000000000000000000" pitchFamily="2" charset="0"/>
-                <a:ea typeface="Roboto" panose="02000000000000000000" pitchFamily="2" charset="0"/>
-              </a:rPr>
-              <a:t>);</a:t>
+              <a:t>;</a:t>
             </a:r>
           </a:p>
           <a:p>
@@ -30648,6 +30219,38 @@
               <a:buChar char="•"/>
             </a:pPr>
             <a:r>
+              <a:rPr lang="en-US" b="0" i="0" dirty="0">
+                <a:solidFill>
+                  <a:srgbClr val="0B214A"/>
+                </a:solidFill>
+                <a:effectLst/>
+                <a:latin typeface="Roboto" panose="02000000000000000000" pitchFamily="2" charset="0"/>
+                <a:ea typeface="Roboto" panose="02000000000000000000" pitchFamily="2" charset="0"/>
+              </a:rPr>
+              <a:t>No </a:t>
+            </a:r>
+            <a:r>
+              <a:rPr lang="en-US" dirty="0">
+                <a:solidFill>
+                  <a:srgbClr val="0B214A"/>
+                </a:solidFill>
+                <a:latin typeface="Roboto" panose="02000000000000000000" pitchFamily="2" charset="0"/>
+                <a:ea typeface="Roboto" panose="02000000000000000000" pitchFamily="2" charset="0"/>
+              </a:rPr>
+              <a:t>L</a:t>
+            </a:r>
+            <a:r>
+              <a:rPr lang="en-US" b="0" i="0" dirty="0">
+                <a:solidFill>
+                  <a:srgbClr val="0B214A"/>
+                </a:solidFill>
+                <a:effectLst/>
+                <a:latin typeface="Roboto" panose="02000000000000000000" pitchFamily="2" charset="0"/>
+                <a:ea typeface="Roboto" panose="02000000000000000000" pitchFamily="2" charset="0"/>
+              </a:rPr>
+              <a:t>inux, </a:t>
+            </a:r>
+            <a:r>
               <a:rPr lang="en-US" b="0" i="0" dirty="0" err="1">
                 <a:solidFill>
                   <a:srgbClr val="0B214A"/>
@@ -30656,7 +30259,7 @@
                 <a:latin typeface="Roboto" panose="02000000000000000000" pitchFamily="2" charset="0"/>
                 <a:ea typeface="Roboto" panose="02000000000000000000" pitchFamily="2" charset="0"/>
               </a:rPr>
-              <a:t>Responsabilidades</a:t>
+              <a:t>é</a:t>
             </a:r>
             <a:r>
               <a:rPr lang="en-US" b="0" i="0" dirty="0">
@@ -30678,7 +30281,7 @@
                 <a:latin typeface="Roboto" panose="02000000000000000000" pitchFamily="2" charset="0"/>
                 <a:ea typeface="Roboto" panose="02000000000000000000" pitchFamily="2" charset="0"/>
               </a:rPr>
-              <a:t>principais</a:t>
+              <a:t>possível</a:t>
             </a:r>
             <a:r>
               <a:rPr lang="en-US" b="0" i="0" dirty="0">
@@ -30689,14 +30292,148 @@
                 <a:latin typeface="Roboto" panose="02000000000000000000" pitchFamily="2" charset="0"/>
                 <a:ea typeface="Roboto" panose="02000000000000000000" pitchFamily="2" charset="0"/>
               </a:rPr>
-              <a:t>:</a:t>
-            </a:r>
-          </a:p>
-          <a:p>
-            <a:pPr lvl="1">
+              <a:t> </a:t>
+            </a:r>
+            <a:r>
+              <a:rPr lang="en-US" b="0" i="0" dirty="0" err="1">
+                <a:solidFill>
+                  <a:srgbClr val="0B214A"/>
+                </a:solidFill>
+                <a:effectLst/>
+                <a:latin typeface="Roboto" panose="02000000000000000000" pitchFamily="2" charset="0"/>
+                <a:ea typeface="Roboto" panose="02000000000000000000" pitchFamily="2" charset="0"/>
+              </a:rPr>
+              <a:t>rodar</a:t>
+            </a:r>
+            <a:r>
+              <a:rPr lang="en-US" b="0" i="0" dirty="0">
+                <a:solidFill>
+                  <a:srgbClr val="0B214A"/>
+                </a:solidFill>
+                <a:effectLst/>
+                <a:latin typeface="Roboto" panose="02000000000000000000" pitchFamily="2" charset="0"/>
+                <a:ea typeface="Roboto" panose="02000000000000000000" pitchFamily="2" charset="0"/>
+              </a:rPr>
+              <a:t> </a:t>
+            </a:r>
+            <a:r>
+              <a:rPr lang="en-US" b="0" i="0" dirty="0" err="1">
+                <a:solidFill>
+                  <a:srgbClr val="0B214A"/>
+                </a:solidFill>
+                <a:effectLst/>
+                <a:latin typeface="Roboto" panose="02000000000000000000" pitchFamily="2" charset="0"/>
+                <a:ea typeface="Roboto" panose="02000000000000000000" pitchFamily="2" charset="0"/>
+              </a:rPr>
+              <a:t>os</a:t>
+            </a:r>
+            <a:r>
+              <a:rPr lang="en-US" b="0" i="0" dirty="0">
+                <a:solidFill>
+                  <a:srgbClr val="0B214A"/>
+                </a:solidFill>
+                <a:effectLst/>
+                <a:latin typeface="Roboto" panose="02000000000000000000" pitchFamily="2" charset="0"/>
+                <a:ea typeface="Roboto" panose="02000000000000000000" pitchFamily="2" charset="0"/>
+              </a:rPr>
+              <a:t> containers </a:t>
+            </a:r>
+            <a:r>
+              <a:rPr lang="en-US" b="0" i="0" dirty="0" err="1">
+                <a:solidFill>
+                  <a:srgbClr val="0B214A"/>
+                </a:solidFill>
+                <a:effectLst/>
+                <a:latin typeface="Roboto" panose="02000000000000000000" pitchFamily="2" charset="0"/>
+                <a:ea typeface="Roboto" panose="02000000000000000000" pitchFamily="2" charset="0"/>
+              </a:rPr>
+              <a:t>diretamente</a:t>
+            </a:r>
+            <a:r>
+              <a:rPr lang="en-US" b="0" i="0" dirty="0">
+                <a:solidFill>
+                  <a:srgbClr val="0B214A"/>
+                </a:solidFill>
+                <a:effectLst/>
+                <a:latin typeface="Roboto" panose="02000000000000000000" pitchFamily="2" charset="0"/>
+                <a:ea typeface="Roboto" panose="02000000000000000000" pitchFamily="2" charset="0"/>
+              </a:rPr>
+              <a:t> no </a:t>
+            </a:r>
+            <a:r>
+              <a:rPr lang="en-US" b="0" i="0" dirty="0" err="1">
+                <a:solidFill>
+                  <a:srgbClr val="0B214A"/>
+                </a:solidFill>
+                <a:effectLst/>
+                <a:latin typeface="Roboto" panose="02000000000000000000" pitchFamily="2" charset="0"/>
+                <a:ea typeface="Roboto" panose="02000000000000000000" pitchFamily="2" charset="0"/>
+              </a:rPr>
+              <a:t>sistema</a:t>
+            </a:r>
+            <a:r>
+              <a:rPr lang="en-US" b="0" i="0" dirty="0">
+                <a:solidFill>
+                  <a:srgbClr val="0B214A"/>
+                </a:solidFill>
+                <a:effectLst/>
+                <a:latin typeface="Roboto" panose="02000000000000000000" pitchFamily="2" charset="0"/>
+                <a:ea typeface="Roboto" panose="02000000000000000000" pitchFamily="2" charset="0"/>
+              </a:rPr>
+              <a:t> </a:t>
+            </a:r>
+            <a:r>
+              <a:rPr lang="en-US" b="0" i="0" dirty="0" err="1">
+                <a:solidFill>
+                  <a:srgbClr val="0B214A"/>
+                </a:solidFill>
+                <a:effectLst/>
+                <a:latin typeface="Roboto" panose="02000000000000000000" pitchFamily="2" charset="0"/>
+                <a:ea typeface="Roboto" panose="02000000000000000000" pitchFamily="2" charset="0"/>
+              </a:rPr>
+              <a:t>operacional</a:t>
+            </a:r>
+            <a:r>
+              <a:rPr lang="en-US" b="0" i="0" dirty="0">
+                <a:solidFill>
+                  <a:srgbClr val="0B214A"/>
+                </a:solidFill>
+                <a:effectLst/>
+                <a:latin typeface="Roboto" panose="02000000000000000000" pitchFamily="2" charset="0"/>
+                <a:ea typeface="Roboto" panose="02000000000000000000" pitchFamily="2" charset="0"/>
+              </a:rPr>
+              <a:t> da </a:t>
+            </a:r>
+            <a:r>
+              <a:rPr lang="en-US" b="0" i="0" dirty="0" err="1">
+                <a:solidFill>
+                  <a:srgbClr val="0B214A"/>
+                </a:solidFill>
+                <a:effectLst/>
+                <a:latin typeface="Roboto" panose="02000000000000000000" pitchFamily="2" charset="0"/>
+                <a:ea typeface="Roboto" panose="02000000000000000000" pitchFamily="2" charset="0"/>
+              </a:rPr>
+              <a:t>máquina</a:t>
+            </a:r>
+            <a:r>
+              <a:rPr lang="en-US" b="0" i="0" dirty="0">
+                <a:solidFill>
+                  <a:srgbClr val="0B214A"/>
+                </a:solidFill>
+                <a:effectLst/>
+                <a:latin typeface="Roboto" panose="02000000000000000000" pitchFamily="2" charset="0"/>
+                <a:ea typeface="Roboto" panose="02000000000000000000" pitchFamily="2" charset="0"/>
+              </a:rPr>
+              <a:t>;</a:t>
+            </a:r>
+          </a:p>
+          <a:p>
+            <a:pPr marL="285750" indent="-285750">
               <a:spcAft>
                 <a:spcPts val="1200"/>
               </a:spcAft>
+              <a:buFont typeface="Arial" panose="020B0604020202020204" pitchFamily="34" charset="0"/>
+              <a:buChar char="•"/>
             </a:pPr>
             <a:r>
               <a:rPr lang="en-US" dirty="0">
@@ -30706,7 +30443,7 @@
                 <a:latin typeface="Roboto" panose="02000000000000000000" pitchFamily="2" charset="0"/>
                 <a:ea typeface="Roboto" panose="02000000000000000000" pitchFamily="2" charset="0"/>
               </a:rPr>
-              <a:t>	- Lidar com inputs do </a:t>
+              <a:t>No Windows, </a:t>
             </a:r>
             <a:r>
               <a:rPr lang="en-US" dirty="0" err="1">
@@ -30716,7 +30453,186 @@
                 <a:latin typeface="Roboto" panose="02000000000000000000" pitchFamily="2" charset="0"/>
                 <a:ea typeface="Roboto" panose="02000000000000000000" pitchFamily="2" charset="0"/>
               </a:rPr>
-              <a:t>usuário</a:t>
+              <a:t>normalmente</a:t>
+            </a:r>
+            <a:r>
+              <a:rPr lang="en-US" dirty="0">
+                <a:solidFill>
+                  <a:srgbClr val="0B214A"/>
+                </a:solidFill>
+                <a:latin typeface="Roboto" panose="02000000000000000000" pitchFamily="2" charset="0"/>
+                <a:ea typeface="Roboto" panose="02000000000000000000" pitchFamily="2" charset="0"/>
+              </a:rPr>
+              <a:t> </a:t>
+            </a:r>
+            <a:r>
+              <a:rPr lang="en-US" dirty="0" err="1">
+                <a:solidFill>
+                  <a:srgbClr val="0B214A"/>
+                </a:solidFill>
+                <a:latin typeface="Roboto" panose="02000000000000000000" pitchFamily="2" charset="0"/>
+                <a:ea typeface="Roboto" panose="02000000000000000000" pitchFamily="2" charset="0"/>
+              </a:rPr>
+              <a:t>utiliza</a:t>
+            </a:r>
+            <a:r>
+              <a:rPr lang="en-US" dirty="0">
+                <a:solidFill>
+                  <a:srgbClr val="0B214A"/>
+                </a:solidFill>
+                <a:latin typeface="Roboto" panose="02000000000000000000" pitchFamily="2" charset="0"/>
+                <a:ea typeface="Roboto" panose="02000000000000000000" pitchFamily="2" charset="0"/>
+              </a:rPr>
+              <a:t>-se o WSL2;</a:t>
+            </a:r>
+          </a:p>
+          <a:p>
+            <a:pPr marL="285750" indent="-285750">
+              <a:spcAft>
+                <a:spcPts val="1200"/>
+              </a:spcAft>
+              <a:buFont typeface="Arial" panose="020B0604020202020204" pitchFamily="34" charset="0"/>
+              <a:buChar char="•"/>
+            </a:pPr>
+            <a:r>
+              <a:rPr lang="en-US" dirty="0">
+                <a:solidFill>
+                  <a:srgbClr val="0B214A"/>
+                </a:solidFill>
+                <a:latin typeface="Roboto" panose="02000000000000000000" pitchFamily="2" charset="0"/>
+                <a:ea typeface="Roboto" panose="02000000000000000000" pitchFamily="2" charset="0"/>
+              </a:rPr>
+              <a:t>No MacOS, </a:t>
+            </a:r>
+            <a:r>
+              <a:rPr lang="en-US" dirty="0" err="1">
+                <a:solidFill>
+                  <a:srgbClr val="0B214A"/>
+                </a:solidFill>
+                <a:latin typeface="Roboto" panose="02000000000000000000" pitchFamily="2" charset="0"/>
+                <a:ea typeface="Roboto" panose="02000000000000000000" pitchFamily="2" charset="0"/>
+              </a:rPr>
+              <a:t>normalmente</a:t>
+            </a:r>
+            <a:r>
+              <a:rPr lang="en-US" dirty="0">
+                <a:solidFill>
+                  <a:srgbClr val="0B214A"/>
+                </a:solidFill>
+                <a:latin typeface="Roboto" panose="02000000000000000000" pitchFamily="2" charset="0"/>
+                <a:ea typeface="Roboto" panose="02000000000000000000" pitchFamily="2" charset="0"/>
+              </a:rPr>
+              <a:t> </a:t>
+            </a:r>
+            <a:r>
+              <a:rPr lang="en-US" dirty="0" err="1">
+                <a:solidFill>
+                  <a:srgbClr val="0B214A"/>
+                </a:solidFill>
+                <a:latin typeface="Roboto" panose="02000000000000000000" pitchFamily="2" charset="0"/>
+                <a:ea typeface="Roboto" panose="02000000000000000000" pitchFamily="2" charset="0"/>
+              </a:rPr>
+              <a:t>é</a:t>
+            </a:r>
+            <a:r>
+              <a:rPr lang="en-US" dirty="0">
+                <a:solidFill>
+                  <a:srgbClr val="0B214A"/>
+                </a:solidFill>
+                <a:latin typeface="Roboto" panose="02000000000000000000" pitchFamily="2" charset="0"/>
+                <a:ea typeface="Roboto" panose="02000000000000000000" pitchFamily="2" charset="0"/>
+              </a:rPr>
+              <a:t> </a:t>
+            </a:r>
+            <a:r>
+              <a:rPr lang="en-US" dirty="0" err="1">
+                <a:solidFill>
+                  <a:srgbClr val="0B214A"/>
+                </a:solidFill>
+                <a:latin typeface="Roboto" panose="02000000000000000000" pitchFamily="2" charset="0"/>
+                <a:ea typeface="Roboto" panose="02000000000000000000" pitchFamily="2" charset="0"/>
+              </a:rPr>
+              <a:t>rodado</a:t>
+            </a:r>
+            <a:r>
+              <a:rPr lang="en-US" dirty="0">
+                <a:solidFill>
+                  <a:srgbClr val="0B214A"/>
+                </a:solidFill>
+                <a:latin typeface="Roboto" panose="02000000000000000000" pitchFamily="2" charset="0"/>
+                <a:ea typeface="Roboto" panose="02000000000000000000" pitchFamily="2" charset="0"/>
+              </a:rPr>
+              <a:t> </a:t>
+            </a:r>
+            <a:r>
+              <a:rPr lang="en-US" dirty="0" err="1">
+                <a:solidFill>
+                  <a:srgbClr val="0B214A"/>
+                </a:solidFill>
+                <a:latin typeface="Roboto" panose="02000000000000000000" pitchFamily="2" charset="0"/>
+                <a:ea typeface="Roboto" panose="02000000000000000000" pitchFamily="2" charset="0"/>
+              </a:rPr>
+              <a:t>uma</a:t>
+            </a:r>
+            <a:r>
+              <a:rPr lang="en-US" dirty="0">
+                <a:solidFill>
+                  <a:srgbClr val="0B214A"/>
+                </a:solidFill>
+                <a:latin typeface="Roboto" panose="02000000000000000000" pitchFamily="2" charset="0"/>
+                <a:ea typeface="Roboto" panose="02000000000000000000" pitchFamily="2" charset="0"/>
+              </a:rPr>
+              <a:t> </a:t>
+            </a:r>
+            <a:r>
+              <a:rPr lang="en-US" dirty="0" err="1">
+                <a:solidFill>
+                  <a:srgbClr val="0B214A"/>
+                </a:solidFill>
+                <a:latin typeface="Roboto" panose="02000000000000000000" pitchFamily="2" charset="0"/>
+                <a:ea typeface="Roboto" panose="02000000000000000000" pitchFamily="2" charset="0"/>
+              </a:rPr>
+              <a:t>máquina</a:t>
+            </a:r>
+            <a:r>
+              <a:rPr lang="en-US" dirty="0">
+                <a:solidFill>
+                  <a:srgbClr val="0B214A"/>
+                </a:solidFill>
+                <a:latin typeface="Roboto" panose="02000000000000000000" pitchFamily="2" charset="0"/>
+                <a:ea typeface="Roboto" panose="02000000000000000000" pitchFamily="2" charset="0"/>
+              </a:rPr>
+              <a:t> virtual Linux por </a:t>
+            </a:r>
+            <a:r>
+              <a:rPr lang="en-US" dirty="0" err="1">
+                <a:solidFill>
+                  <a:srgbClr val="0B214A"/>
+                </a:solidFill>
+                <a:latin typeface="Roboto" panose="02000000000000000000" pitchFamily="2" charset="0"/>
+                <a:ea typeface="Roboto" panose="02000000000000000000" pitchFamily="2" charset="0"/>
+              </a:rPr>
+              <a:t>debaixo</a:t>
+            </a:r>
+            <a:r>
+              <a:rPr lang="en-US" dirty="0">
+                <a:solidFill>
+                  <a:srgbClr val="0B214A"/>
+                </a:solidFill>
+                <a:latin typeface="Roboto" panose="02000000000000000000" pitchFamily="2" charset="0"/>
+                <a:ea typeface="Roboto" panose="02000000000000000000" pitchFamily="2" charset="0"/>
+              </a:rPr>
+              <a:t> dos </a:t>
+            </a:r>
+            <a:r>
+              <a:rPr lang="en-US" dirty="0" err="1">
+                <a:solidFill>
+                  <a:srgbClr val="0B214A"/>
+                </a:solidFill>
+                <a:latin typeface="Roboto" panose="02000000000000000000" pitchFamily="2" charset="0"/>
+                <a:ea typeface="Roboto" panose="02000000000000000000" pitchFamily="2" charset="0"/>
+              </a:rPr>
+              <a:t>panos</a:t>
             </a:r>
             <a:r>
               <a:rPr lang="en-US" dirty="0">
@@ -30730,12 +30646,25 @@
             </a:r>
           </a:p>
           <a:p>
-            <a:pPr>
+            <a:pPr marL="285750" indent="-285750">
               <a:spcAft>
                 <a:spcPts val="1200"/>
               </a:spcAft>
+              <a:buFont typeface="Arial" panose="020B0604020202020204" pitchFamily="34" charset="0"/>
+              <a:buChar char="•"/>
             </a:pPr>
             <a:r>
+              <a:rPr lang="en-US" b="0" i="0" dirty="0" err="1">
+                <a:solidFill>
+                  <a:srgbClr val="0B214A"/>
+                </a:solidFill>
+                <a:effectLst/>
+                <a:latin typeface="Roboto" panose="02000000000000000000" pitchFamily="2" charset="0"/>
+                <a:ea typeface="Roboto" panose="02000000000000000000" pitchFamily="2" charset="0"/>
+              </a:rPr>
+              <a:t>Em</a:t>
+            </a:r>
+            <a:r>
               <a:rPr lang="en-US" b="0" i="0" dirty="0">
                 <a:solidFill>
                   <a:srgbClr val="0B214A"/>
@@ -30744,7 +30673,7 @@
                 <a:latin typeface="Roboto" panose="02000000000000000000" pitchFamily="2" charset="0"/>
                 <a:ea typeface="Roboto" panose="02000000000000000000" pitchFamily="2" charset="0"/>
               </a:rPr>
-              <a:t>	- Lidar com </a:t>
+              <a:t> </a:t>
             </a:r>
             <a:r>
               <a:rPr lang="en-US" b="0" i="0" dirty="0" err="1">
@@ -30755,55 +30684,8 @@
                 <a:latin typeface="Roboto" panose="02000000000000000000" pitchFamily="2" charset="0"/>
                 <a:ea typeface="Roboto" panose="02000000000000000000" pitchFamily="2" charset="0"/>
               </a:rPr>
-              <a:t>c</a:t>
-            </a:r>
-            <a:r>
-              <a:rPr lang="en-US" dirty="0" err="1">
-                <a:solidFill>
-                  <a:srgbClr val="0B214A"/>
-                </a:solidFill>
-                <a:latin typeface="Roboto" panose="02000000000000000000" pitchFamily="2" charset="0"/>
-                <a:ea typeface="Roboto" panose="02000000000000000000" pitchFamily="2" charset="0"/>
-              </a:rPr>
-              <a:t>hamadas</a:t>
-            </a:r>
-            <a:r>
-              <a:rPr lang="en-US" dirty="0">
-                <a:solidFill>
-                  <a:srgbClr val="0B214A"/>
-                </a:solidFill>
-                <a:latin typeface="Roboto" panose="02000000000000000000" pitchFamily="2" charset="0"/>
-                <a:ea typeface="Roboto" panose="02000000000000000000" pitchFamily="2" charset="0"/>
-              </a:rPr>
-              <a:t> de API de um </a:t>
-            </a:r>
-            <a:r>
-              <a:rPr lang="en-US" dirty="0" err="1">
-                <a:solidFill>
-                  <a:srgbClr val="0B214A"/>
-                </a:solidFill>
-                <a:latin typeface="Roboto" panose="02000000000000000000" pitchFamily="2" charset="0"/>
-                <a:ea typeface="Roboto" panose="02000000000000000000" pitchFamily="2" charset="0"/>
-              </a:rPr>
-              <a:t>orquestrador</a:t>
-            </a:r>
-            <a:r>
-              <a:rPr lang="en-US" dirty="0">
-                <a:solidFill>
-                  <a:srgbClr val="0B214A"/>
-                </a:solidFill>
-                <a:latin typeface="Roboto" panose="02000000000000000000" pitchFamily="2" charset="0"/>
-                <a:ea typeface="Roboto" panose="02000000000000000000" pitchFamily="2" charset="0"/>
-              </a:rPr>
-              <a:t> de containers (e.g. Kubernetes);</a:t>
-            </a:r>
-          </a:p>
-          <a:p>
-            <a:pPr lvl="1">
-              <a:spcAft>
-                <a:spcPts val="1200"/>
-              </a:spcAft>
-            </a:pPr>
+              <a:t>aplicações</a:t>
+            </a:r>
             <a:r>
               <a:rPr lang="en-US" b="0" i="0" dirty="0">
                 <a:solidFill>
@@ -30813,7 +30695,7 @@
                 <a:latin typeface="Roboto" panose="02000000000000000000" pitchFamily="2" charset="0"/>
                 <a:ea typeface="Roboto" panose="02000000000000000000" pitchFamily="2" charset="0"/>
               </a:rPr>
-              <a:t>	- </a:t>
+              <a:t> </a:t>
             </a:r>
             <a:r>
               <a:rPr lang="en-US" b="0" i="0" dirty="0" err="1">
@@ -30824,7 +30706,7 @@
                 <a:latin typeface="Roboto" panose="02000000000000000000" pitchFamily="2" charset="0"/>
                 <a:ea typeface="Roboto" panose="02000000000000000000" pitchFamily="2" charset="0"/>
               </a:rPr>
-              <a:t>Baixar</a:t>
+              <a:t>rodando</a:t>
             </a:r>
             <a:r>
               <a:rPr lang="en-US" b="0" i="0" dirty="0">
@@ -30838,22 +30720,16 @@
               <a:t> </a:t>
             </a:r>
             <a:r>
-              <a:rPr lang="en-US" dirty="0">
-                <a:solidFill>
-                  <a:srgbClr val="0B214A"/>
-                </a:solidFill>
-                <a:latin typeface="Roboto" panose="02000000000000000000" pitchFamily="2" charset="0"/>
-                <a:ea typeface="Roboto" panose="02000000000000000000" pitchFamily="2" charset="0"/>
-              </a:rPr>
-              <a:t>imagens do registry;</a:t>
-            </a:r>
-          </a:p>
-          <a:p>
-            <a:pPr lvl="1">
-              <a:spcAft>
-                <a:spcPts val="1200"/>
-              </a:spcAft>
-            </a:pPr>
+              <a:rPr lang="en-US" b="0" i="0" dirty="0" err="1">
+                <a:solidFill>
+                  <a:srgbClr val="0B214A"/>
+                </a:solidFill>
+                <a:effectLst/>
+                <a:latin typeface="Roboto" panose="02000000000000000000" pitchFamily="2" charset="0"/>
+                <a:ea typeface="Roboto" panose="02000000000000000000" pitchFamily="2" charset="0"/>
+              </a:rPr>
+              <a:t>na</a:t>
+            </a:r>
             <a:r>
               <a:rPr lang="en-US" b="0" i="0" dirty="0">
                 <a:solidFill>
@@ -30863,7 +30739,7 @@
                 <a:latin typeface="Roboto" panose="02000000000000000000" pitchFamily="2" charset="0"/>
                 <a:ea typeface="Roboto" panose="02000000000000000000" pitchFamily="2" charset="0"/>
               </a:rPr>
-              <a:t>	- </a:t>
+              <a:t> </a:t>
             </a:r>
             <a:r>
               <a:rPr lang="en-US" b="0" i="0" dirty="0" err="1">
@@ -30874,7 +30750,7 @@
                 <a:latin typeface="Roboto" panose="02000000000000000000" pitchFamily="2" charset="0"/>
                 <a:ea typeface="Roboto" panose="02000000000000000000" pitchFamily="2" charset="0"/>
               </a:rPr>
-              <a:t>Preparar</a:t>
+              <a:t>nuvem</a:t>
             </a:r>
             <a:r>
               <a:rPr lang="en-US" b="0" i="0" dirty="0">
@@ -30885,7 +30761,7 @@
                 <a:latin typeface="Roboto" panose="02000000000000000000" pitchFamily="2" charset="0"/>
                 <a:ea typeface="Roboto" panose="02000000000000000000" pitchFamily="2" charset="0"/>
               </a:rPr>
-              <a:t> o container para a </a:t>
+              <a:t>, a </a:t>
             </a:r>
             <a:r>
               <a:rPr lang="en-US" b="0" i="0" dirty="0" err="1">
@@ -30896,7 +30772,7 @@
                 <a:latin typeface="Roboto" panose="02000000000000000000" pitchFamily="2" charset="0"/>
                 <a:ea typeface="Roboto" panose="02000000000000000000" pitchFamily="2" charset="0"/>
               </a:rPr>
-              <a:t>execução</a:t>
+              <a:t>máquina</a:t>
             </a:r>
             <a:r>
               <a:rPr lang="en-US" b="0" i="0" dirty="0">
@@ -30907,7 +30783,73 @@
                 <a:latin typeface="Roboto" panose="02000000000000000000" pitchFamily="2" charset="0"/>
                 <a:ea typeface="Roboto" panose="02000000000000000000" pitchFamily="2" charset="0"/>
               </a:rPr>
-              <a:t>;</a:t>
+              <a:t> do </a:t>
+            </a:r>
+            <a:r>
+              <a:rPr lang="en-US" b="0" i="0" dirty="0" err="1">
+                <a:solidFill>
+                  <a:srgbClr val="0B214A"/>
+                </a:solidFill>
+                <a:effectLst/>
+                <a:latin typeface="Roboto" panose="02000000000000000000" pitchFamily="2" charset="0"/>
+                <a:ea typeface="Roboto" panose="02000000000000000000" pitchFamily="2" charset="0"/>
+              </a:rPr>
+              <a:t>provedor</a:t>
+            </a:r>
+            <a:r>
+              <a:rPr lang="en-US" b="0" i="0" dirty="0">
+                <a:solidFill>
+                  <a:srgbClr val="0B214A"/>
+                </a:solidFill>
+                <a:effectLst/>
+                <a:latin typeface="Roboto" panose="02000000000000000000" pitchFamily="2" charset="0"/>
+                <a:ea typeface="Roboto" panose="02000000000000000000" pitchFamily="2" charset="0"/>
+              </a:rPr>
+              <a:t> cloud (AWS, GCP, Azure) </a:t>
+            </a:r>
+            <a:r>
+              <a:rPr lang="en-US" b="0" i="0" dirty="0" err="1">
+                <a:solidFill>
+                  <a:srgbClr val="0B214A"/>
+                </a:solidFill>
+                <a:effectLst/>
+                <a:latin typeface="Roboto" panose="02000000000000000000" pitchFamily="2" charset="0"/>
+                <a:ea typeface="Roboto" panose="02000000000000000000" pitchFamily="2" charset="0"/>
+              </a:rPr>
+              <a:t>está</a:t>
+            </a:r>
+            <a:r>
+              <a:rPr lang="en-US" b="0" i="0" dirty="0">
+                <a:solidFill>
+                  <a:srgbClr val="0B214A"/>
+                </a:solidFill>
+                <a:effectLst/>
+                <a:latin typeface="Roboto" panose="02000000000000000000" pitchFamily="2" charset="0"/>
+                <a:ea typeface="Roboto" panose="02000000000000000000" pitchFamily="2" charset="0"/>
+              </a:rPr>
+              <a:t> </a:t>
+            </a:r>
+            <a:r>
+              <a:rPr lang="en-US" b="0" i="0" dirty="0" err="1">
+                <a:solidFill>
+                  <a:srgbClr val="0B214A"/>
+                </a:solidFill>
+                <a:effectLst/>
+                <a:latin typeface="Roboto" panose="02000000000000000000" pitchFamily="2" charset="0"/>
+                <a:ea typeface="Roboto" panose="02000000000000000000" pitchFamily="2" charset="0"/>
+              </a:rPr>
+              <a:t>rodando</a:t>
+            </a:r>
+            <a:r>
+              <a:rPr lang="en-US" b="0" i="0" dirty="0">
+                <a:solidFill>
+                  <a:srgbClr val="0B214A"/>
+                </a:solidFill>
+                <a:effectLst/>
+                <a:latin typeface="Roboto" panose="02000000000000000000" pitchFamily="2" charset="0"/>
+                <a:ea typeface="Roboto" panose="02000000000000000000" pitchFamily="2" charset="0"/>
+              </a:rPr>
+              <a:t> um Linux;</a:t>
             </a:r>
           </a:p>
         </p:txBody>
@@ -30915,7 +30857,7 @@
     </p:spTree>
     <p:extLst>
       <p:ext uri="{BB962C8B-B14F-4D97-AF65-F5344CB8AC3E}">
-        <p14:creationId xmlns:p14="http://schemas.microsoft.com/office/powerpoint/2010/main" val="2765594565"/>
+        <p14:creationId xmlns:p14="http://schemas.microsoft.com/office/powerpoint/2010/main" val="4154236294"/>
       </p:ext>
     </p:extLst>
   </p:cSld>
